--- a/presentation.pptx
+++ b/presentation.pptx
@@ -118,7 +118,7 @@
 <file path=ppt/revisionInfo.xml><?xml version="1.0" encoding="utf-8"?>
 <p1510:revInfo xmlns:a="http://schemas.openxmlformats.org/drawingml/2006/main" xmlns:r="http://schemas.openxmlformats.org/officeDocument/2006/relationships" xmlns:p1510="http://schemas.microsoft.com/office/powerpoint/2015/10/main">
   <p1510:revLst>
-    <p1510:client id="{D4467163-BDB5-4A80-BBD4-4CFBF9737BB9}" v="106" dt="2023-06-06T23:44:16.121"/>
+    <p1510:client id="{D4467163-BDB5-4A80-BBD4-4CFBF9737BB9}" v="108" dt="2023-06-07T00:14:46.346"/>
   </p1510:revLst>
 </p1510:revInfo>
 </file>
@@ -128,7 +128,7 @@
   <pc:docChgLst>
     <pc:chgData name="Nick Xonis" userId="6c6c1556891b75f7" providerId="LiveId" clId="{D4467163-BDB5-4A80-BBD4-4CFBF9737BB9}"/>
     <pc:docChg chg="undo redo custSel addSld modSld">
-      <pc:chgData name="Nick Xonis" userId="6c6c1556891b75f7" providerId="LiveId" clId="{D4467163-BDB5-4A80-BBD4-4CFBF9737BB9}" dt="2023-06-06T23:49:55.802" v="2307" actId="26606"/>
+      <pc:chgData name="Nick Xonis" userId="6c6c1556891b75f7" providerId="LiveId" clId="{D4467163-BDB5-4A80-BBD4-4CFBF9737BB9}" dt="2023-06-07T00:15:09.100" v="2365" actId="26606"/>
       <pc:docMkLst>
         <pc:docMk/>
       </pc:docMkLst>
@@ -1550,13 +1550,13 @@
         </pc:spChg>
       </pc:sldChg>
       <pc:sldChg chg="addSp delSp modSp new mod setBg">
-        <pc:chgData name="Nick Xonis" userId="6c6c1556891b75f7" providerId="LiveId" clId="{D4467163-BDB5-4A80-BBD4-4CFBF9737BB9}" dt="2023-06-06T23:49:55.802" v="2307" actId="26606"/>
+        <pc:chgData name="Nick Xonis" userId="6c6c1556891b75f7" providerId="LiveId" clId="{D4467163-BDB5-4A80-BBD4-4CFBF9737BB9}" dt="2023-06-07T00:15:09.100" v="2365" actId="26606"/>
         <pc:sldMkLst>
           <pc:docMk/>
           <pc:sldMk cId="1596460694" sldId="263"/>
         </pc:sldMkLst>
         <pc:spChg chg="mod">
-          <ac:chgData name="Nick Xonis" userId="6c6c1556891b75f7" providerId="LiveId" clId="{D4467163-BDB5-4A80-BBD4-4CFBF9737BB9}" dt="2023-06-06T23:49:55.802" v="2307" actId="26606"/>
+          <ac:chgData name="Nick Xonis" userId="6c6c1556891b75f7" providerId="LiveId" clId="{D4467163-BDB5-4A80-BBD4-4CFBF9737BB9}" dt="2023-06-07T00:15:09.100" v="2365" actId="26606"/>
           <ac:spMkLst>
             <pc:docMk/>
             <pc:sldMk cId="1596460694" sldId="263"/>
@@ -1571,38 +1571,102 @@
             <ac:spMk id="3" creationId="{4AF03D91-1F37-57DE-1D13-2C0524F74521}"/>
           </ac:spMkLst>
         </pc:spChg>
-        <pc:spChg chg="add">
-          <ac:chgData name="Nick Xonis" userId="6c6c1556891b75f7" providerId="LiveId" clId="{D4467163-BDB5-4A80-BBD4-4CFBF9737BB9}" dt="2023-06-06T23:49:55.802" v="2307" actId="26606"/>
+        <pc:spChg chg="add mod">
+          <ac:chgData name="Nick Xonis" userId="6c6c1556891b75f7" providerId="LiveId" clId="{D4467163-BDB5-4A80-BBD4-4CFBF9737BB9}" dt="2023-06-07T00:15:09.100" v="2365" actId="26606"/>
+          <ac:spMkLst>
+            <pc:docMk/>
+            <pc:sldMk cId="1596460694" sldId="263"/>
+            <ac:spMk id="6" creationId="{5708AFCB-BFB0-9917-8879-A81EE37D3572}"/>
+          </ac:spMkLst>
+        </pc:spChg>
+        <pc:spChg chg="add del">
+          <ac:chgData name="Nick Xonis" userId="6c6c1556891b75f7" providerId="LiveId" clId="{D4467163-BDB5-4A80-BBD4-4CFBF9737BB9}" dt="2023-06-07T00:14:26.994" v="2314" actId="26606"/>
           <ac:spMkLst>
             <pc:docMk/>
             <pc:sldMk cId="1596460694" sldId="263"/>
             <ac:spMk id="7" creationId="{FFD48BC7-DC40-47DE-87EE-9F4B6ECB9ABB}"/>
           </ac:spMkLst>
         </pc:spChg>
-        <pc:spChg chg="add">
-          <ac:chgData name="Nick Xonis" userId="6c6c1556891b75f7" providerId="LiveId" clId="{D4467163-BDB5-4A80-BBD4-4CFBF9737BB9}" dt="2023-06-06T23:49:55.802" v="2307" actId="26606"/>
+        <pc:spChg chg="add del">
+          <ac:chgData name="Nick Xonis" userId="6c6c1556891b75f7" providerId="LiveId" clId="{D4467163-BDB5-4A80-BBD4-4CFBF9737BB9}" dt="2023-06-07T00:14:26.994" v="2314" actId="26606"/>
           <ac:spMkLst>
             <pc:docMk/>
             <pc:sldMk cId="1596460694" sldId="263"/>
             <ac:spMk id="9" creationId="{E502BBC7-2C76-46F3-BC24-5985BC13DB88}"/>
           </ac:spMkLst>
         </pc:spChg>
-        <pc:spChg chg="add">
-          <ac:chgData name="Nick Xonis" userId="6c6c1556891b75f7" providerId="LiveId" clId="{D4467163-BDB5-4A80-BBD4-4CFBF9737BB9}" dt="2023-06-06T23:49:55.802" v="2307" actId="26606"/>
+        <pc:spChg chg="add del">
+          <ac:chgData name="Nick Xonis" userId="6c6c1556891b75f7" providerId="LiveId" clId="{D4467163-BDB5-4A80-BBD4-4CFBF9737BB9}" dt="2023-06-07T00:14:26.994" v="2314" actId="26606"/>
           <ac:spMkLst>
             <pc:docMk/>
             <pc:sldMk cId="1596460694" sldId="263"/>
             <ac:spMk id="11" creationId="{C7F28D52-2A5F-4D23-81AE-7CB8B591C7AF}"/>
           </ac:spMkLst>
         </pc:spChg>
-        <pc:spChg chg="add">
-          <ac:chgData name="Nick Xonis" userId="6c6c1556891b75f7" providerId="LiveId" clId="{D4467163-BDB5-4A80-BBD4-4CFBF9737BB9}" dt="2023-06-06T23:49:55.802" v="2307" actId="26606"/>
+        <pc:spChg chg="add del">
+          <ac:chgData name="Nick Xonis" userId="6c6c1556891b75f7" providerId="LiveId" clId="{D4467163-BDB5-4A80-BBD4-4CFBF9737BB9}" dt="2023-06-07T00:14:26.994" v="2314" actId="26606"/>
           <ac:spMkLst>
             <pc:docMk/>
             <pc:sldMk cId="1596460694" sldId="263"/>
             <ac:spMk id="13" creationId="{3629484E-3792-4B3D-89AD-7C8A1ED0E0D4}"/>
           </ac:spMkLst>
         </pc:spChg>
+        <pc:spChg chg="add del">
+          <ac:chgData name="Nick Xonis" userId="6c6c1556891b75f7" providerId="LiveId" clId="{D4467163-BDB5-4A80-BBD4-4CFBF9737BB9}" dt="2023-06-07T00:14:26.991" v="2313" actId="26606"/>
+          <ac:spMkLst>
+            <pc:docMk/>
+            <pc:sldMk cId="1596460694" sldId="263"/>
+            <ac:spMk id="18" creationId="{93245F62-CCC4-49E4-B95B-EA6C1E790510}"/>
+          </ac:spMkLst>
+        </pc:spChg>
+        <pc:spChg chg="add del">
+          <ac:chgData name="Nick Xonis" userId="6c6c1556891b75f7" providerId="LiveId" clId="{D4467163-BDB5-4A80-BBD4-4CFBF9737BB9}" dt="2023-06-07T00:14:26.991" v="2313" actId="26606"/>
+          <ac:spMkLst>
+            <pc:docMk/>
+            <pc:sldMk cId="1596460694" sldId="263"/>
+            <ac:spMk id="20" creationId="{E6C0DD6B-6AA3-448F-9B99-8386295BC1B4}"/>
+          </ac:spMkLst>
+        </pc:spChg>
+        <pc:spChg chg="add del">
+          <ac:chgData name="Nick Xonis" userId="6c6c1556891b75f7" providerId="LiveId" clId="{D4467163-BDB5-4A80-BBD4-4CFBF9737BB9}" dt="2023-06-07T00:15:09.100" v="2365" actId="26606"/>
+          <ac:spMkLst>
+            <pc:docMk/>
+            <pc:sldMk cId="1596460694" sldId="263"/>
+            <ac:spMk id="22" creationId="{337940BB-FBC4-492E-BD92-3B7B914D0EAE}"/>
+          </ac:spMkLst>
+        </pc:spChg>
+        <pc:spChg chg="add del">
+          <ac:chgData name="Nick Xonis" userId="6c6c1556891b75f7" providerId="LiveId" clId="{D4467163-BDB5-4A80-BBD4-4CFBF9737BB9}" dt="2023-06-07T00:15:09.100" v="2365" actId="26606"/>
+          <ac:spMkLst>
+            <pc:docMk/>
+            <pc:sldMk cId="1596460694" sldId="263"/>
+            <ac:spMk id="23" creationId="{3FCFB1DE-0B7E-48CC-BA90-B2AB0889F9D6}"/>
+          </ac:spMkLst>
+        </pc:spChg>
+        <pc:spChg chg="add">
+          <ac:chgData name="Nick Xonis" userId="6c6c1556891b75f7" providerId="LiveId" clId="{D4467163-BDB5-4A80-BBD4-4CFBF9737BB9}" dt="2023-06-07T00:15:09.100" v="2365" actId="26606"/>
+          <ac:spMkLst>
+            <pc:docMk/>
+            <pc:sldMk cId="1596460694" sldId="263"/>
+            <ac:spMk id="28" creationId="{743AA782-23D1-4521-8CAD-47662984AA08}"/>
+          </ac:spMkLst>
+        </pc:spChg>
+        <pc:spChg chg="add">
+          <ac:chgData name="Nick Xonis" userId="6c6c1556891b75f7" providerId="LiveId" clId="{D4467163-BDB5-4A80-BBD4-4CFBF9737BB9}" dt="2023-06-07T00:15:09.100" v="2365" actId="26606"/>
+          <ac:spMkLst>
+            <pc:docMk/>
+            <pc:sldMk cId="1596460694" sldId="263"/>
+            <ac:spMk id="30" creationId="{650D18FE-0824-4A46-B22C-A86B52E5780A}"/>
+          </ac:spMkLst>
+        </pc:spChg>
+        <pc:picChg chg="add mod ord">
+          <ac:chgData name="Nick Xonis" userId="6c6c1556891b75f7" providerId="LiveId" clId="{D4467163-BDB5-4A80-BBD4-4CFBF9737BB9}" dt="2023-06-07T00:15:09.100" v="2365" actId="26606"/>
+          <ac:picMkLst>
+            <pc:docMk/>
+            <pc:sldMk cId="1596460694" sldId="263"/>
+            <ac:picMk id="5" creationId="{0EC74EC0-85CC-5874-5185-8AA0EC5E89CA}"/>
+          </ac:picMkLst>
+        </pc:picChg>
       </pc:sldChg>
       <pc:sldChg chg="addSp delSp modSp new mod setBg">
         <pc:chgData name="Nick Xonis" userId="6c6c1556891b75f7" providerId="LiveId" clId="{D4467163-BDB5-4A80-BBD4-4CFBF9737BB9}" dt="2023-06-06T23:45:13.425" v="2305" actId="26606"/>
@@ -9921,10 +9985,10 @@
       </p:grpSpPr>
       <p:sp useBgFill="1">
         <p:nvSpPr>
-          <p:cNvPr id="7" name="Rectangle 6">
+          <p:cNvPr id="28" name="Rectangle 27">
             <a:extLst>
               <a:ext uri="{FF2B5EF4-FFF2-40B4-BE49-F238E27FC236}">
-                <a16:creationId xmlns:a16="http://schemas.microsoft.com/office/drawing/2014/main" id="{FFD48BC7-DC40-47DE-87EE-9F4B6ECB9ABB}"/>
+                <a16:creationId xmlns:a16="http://schemas.microsoft.com/office/drawing/2014/main" id="{743AA782-23D1-4521-8CAD-47662984AA08}"/>
               </a:ext>
               <a:ext uri="{C183D7F6-B498-43B3-948B-1728B52AA6E4}">
                 <adec:decorative xmlns:adec="http://schemas.microsoft.com/office/drawing/2017/decorative" val="1"/>
@@ -9979,12 +10043,54 @@
           </a:p>
         </p:txBody>
       </p:sp>
-      <p:sp useBgFill="1">
+      <p:sp>
         <p:nvSpPr>
-          <p:cNvPr id="9" name="Freeform: Shape 8">
+          <p:cNvPr id="2" name="Заголовок 1">
             <a:extLst>
               <a:ext uri="{FF2B5EF4-FFF2-40B4-BE49-F238E27FC236}">
-                <a16:creationId xmlns:a16="http://schemas.microsoft.com/office/drawing/2014/main" id="{E502BBC7-2C76-46F3-BC24-5985BC13DB88}"/>
+                <a16:creationId xmlns:a16="http://schemas.microsoft.com/office/drawing/2014/main" id="{EF867D5F-8842-00AE-AA95-6DDBCB7E8EEB}"/>
+              </a:ext>
+            </a:extLst>
+          </p:cNvPr>
+          <p:cNvSpPr>
+            <a:spLocks noGrp="1"/>
+          </p:cNvSpPr>
+          <p:nvPr>
+            <p:ph type="title"/>
+          </p:nvPr>
+        </p:nvSpPr>
+        <p:spPr>
+          <a:xfrm>
+            <a:off x="630936" y="640080"/>
+            <a:ext cx="4818888" cy="1481328"/>
+          </a:xfrm>
+        </p:spPr>
+        <p:txBody>
+          <a:bodyPr vert="horz" lIns="91440" tIns="45720" rIns="91440" bIns="45720" rtlCol="0" anchor="b">
+            <a:normAutofit/>
+          </a:bodyPr>
+          <a:lstStyle/>
+          <a:p>
+            <a:r>
+              <a:rPr lang="en-US" sz="5400" kern="1200">
+                <a:solidFill>
+                  <a:schemeClr val="tx1"/>
+                </a:solidFill>
+                <a:latin typeface="+mj-lt"/>
+                <a:ea typeface="+mj-ea"/>
+                <a:cs typeface="+mj-cs"/>
+              </a:rPr>
+              <a:t>Дякую за увагу</a:t>
+            </a:r>
+          </a:p>
+        </p:txBody>
+      </p:sp>
+      <p:sp>
+        <p:nvSpPr>
+          <p:cNvPr id="30" name="sketch line">
+            <a:extLst>
+              <a:ext uri="{FF2B5EF4-FFF2-40B4-BE49-F238E27FC236}">
+                <a16:creationId xmlns:a16="http://schemas.microsoft.com/office/drawing/2014/main" id="{650D18FE-0824-4A46-B22C-A86B52E5780A}"/>
               </a:ext>
               <a:ext uri="{C183D7F6-B498-43B3-948B-1728B52AA6E4}">
                 <adec:decorative xmlns:adec="http://schemas.microsoft.com/office/drawing/2017/decorative" val="1"/>
@@ -10004,32 +10110,36 @@
         </p:nvSpPr>
         <p:spPr>
           <a:xfrm>
-            <a:off x="1114425" y="0"/>
-            <a:ext cx="9963150" cy="6858000"/>
+            <a:off x="643278" y="2372868"/>
+            <a:ext cx="3255095" cy="18288"/>
           </a:xfrm>
           <a:custGeom>
             <a:avLst/>
             <a:gdLst>
-              <a:gd name="connsiteX0" fmla="*/ 1595771 w 9963150"/>
-              <a:gd name="connsiteY0" fmla="*/ 0 h 6858000"/>
-              <a:gd name="connsiteX1" fmla="*/ 8367379 w 9963150"/>
-              <a:gd name="connsiteY1" fmla="*/ 0 h 6858000"/>
-              <a:gd name="connsiteX2" fmla="*/ 8504080 w 9963150"/>
-              <a:gd name="connsiteY2" fmla="*/ 130333 h 6858000"/>
-              <a:gd name="connsiteX3" fmla="*/ 9963150 w 9963150"/>
-              <a:gd name="connsiteY3" fmla="*/ 3652838 h 6858000"/>
-              <a:gd name="connsiteX4" fmla="*/ 8825600 w 9963150"/>
-              <a:gd name="connsiteY4" fmla="*/ 6821583 h 6858000"/>
-              <a:gd name="connsiteX5" fmla="*/ 8794055 w 9963150"/>
-              <a:gd name="connsiteY5" fmla="*/ 6858000 h 6858000"/>
-              <a:gd name="connsiteX6" fmla="*/ 1169096 w 9963150"/>
-              <a:gd name="connsiteY6" fmla="*/ 6858000 h 6858000"/>
-              <a:gd name="connsiteX7" fmla="*/ 1137550 w 9963150"/>
-              <a:gd name="connsiteY7" fmla="*/ 6821583 h 6858000"/>
-              <a:gd name="connsiteX8" fmla="*/ 0 w 9963150"/>
-              <a:gd name="connsiteY8" fmla="*/ 3652838 h 6858000"/>
-              <a:gd name="connsiteX9" fmla="*/ 1459070 w 9963150"/>
-              <a:gd name="connsiteY9" fmla="*/ 130333 h 6858000"/>
+              <a:gd name="connsiteX0" fmla="*/ 0 w 3255095"/>
+              <a:gd name="connsiteY0" fmla="*/ 0 h 18288"/>
+              <a:gd name="connsiteX1" fmla="*/ 618468 w 3255095"/>
+              <a:gd name="connsiteY1" fmla="*/ 0 h 18288"/>
+              <a:gd name="connsiteX2" fmla="*/ 1269487 w 3255095"/>
+              <a:gd name="connsiteY2" fmla="*/ 0 h 18288"/>
+              <a:gd name="connsiteX3" fmla="*/ 1953057 w 3255095"/>
+              <a:gd name="connsiteY3" fmla="*/ 0 h 18288"/>
+              <a:gd name="connsiteX4" fmla="*/ 2636627 w 3255095"/>
+              <a:gd name="connsiteY4" fmla="*/ 0 h 18288"/>
+              <a:gd name="connsiteX5" fmla="*/ 3255095 w 3255095"/>
+              <a:gd name="connsiteY5" fmla="*/ 0 h 18288"/>
+              <a:gd name="connsiteX6" fmla="*/ 3255095 w 3255095"/>
+              <a:gd name="connsiteY6" fmla="*/ 18288 h 18288"/>
+              <a:gd name="connsiteX7" fmla="*/ 2538974 w 3255095"/>
+              <a:gd name="connsiteY7" fmla="*/ 18288 h 18288"/>
+              <a:gd name="connsiteX8" fmla="*/ 1822853 w 3255095"/>
+              <a:gd name="connsiteY8" fmla="*/ 18288 h 18288"/>
+              <a:gd name="connsiteX9" fmla="*/ 1171834 w 3255095"/>
+              <a:gd name="connsiteY9" fmla="*/ 18288 h 18288"/>
+              <a:gd name="connsiteX10" fmla="*/ 0 w 3255095"/>
+              <a:gd name="connsiteY10" fmla="*/ 18288 h 18288"/>
+              <a:gd name="connsiteX11" fmla="*/ 0 w 3255095"/>
+              <a:gd name="connsiteY11" fmla="*/ 0 h 18288"/>
             </a:gdLst>
             <a:ahLst/>
             <a:cxnLst>
@@ -10063,392 +10173,164 @@
               <a:cxn ang="0">
                 <a:pos x="connsiteX9" y="connsiteY9"/>
               </a:cxn>
+              <a:cxn ang="0">
+                <a:pos x="connsiteX10" y="connsiteY10"/>
+              </a:cxn>
+              <a:cxn ang="0">
+                <a:pos x="connsiteX11" y="connsiteY11"/>
+              </a:cxn>
             </a:cxnLst>
             <a:rect l="l" t="t" r="r" b="b"/>
             <a:pathLst>
-              <a:path w="9963150" h="6858000">
+              <a:path w="3255095" h="18288" fill="none" extrusionOk="0">
                 <a:moveTo>
-                  <a:pt x="1595771" y="0"/>
+                  <a:pt x="0" y="0"/>
                 </a:moveTo>
-                <a:lnTo>
-                  <a:pt x="8367379" y="0"/>
-                </a:lnTo>
-                <a:lnTo>
-                  <a:pt x="8504080" y="130333"/>
-                </a:lnTo>
-                <a:cubicBezTo>
-                  <a:pt x="9405568" y="1031820"/>
-                  <a:pt x="9963150" y="2277214"/>
-                  <a:pt x="9963150" y="3652838"/>
-                </a:cubicBezTo>
-                <a:cubicBezTo>
-                  <a:pt x="9963150" y="4856509"/>
-                  <a:pt x="9536251" y="5960473"/>
-                  <a:pt x="8825600" y="6821583"/>
-                </a:cubicBezTo>
-                <a:lnTo>
-                  <a:pt x="8794055" y="6858000"/>
-                </a:lnTo>
-                <a:lnTo>
-                  <a:pt x="1169096" y="6858000"/>
-                </a:lnTo>
-                <a:lnTo>
-                  <a:pt x="1137550" y="6821583"/>
-                </a:lnTo>
-                <a:cubicBezTo>
-                  <a:pt x="426899" y="5960473"/>
-                  <a:pt x="0" y="4856509"/>
-                  <a:pt x="0" y="3652838"/>
-                </a:cubicBezTo>
-                <a:cubicBezTo>
-                  <a:pt x="0" y="2277214"/>
-                  <a:pt x="557582" y="1031820"/>
-                  <a:pt x="1459070" y="130333"/>
+                <a:cubicBezTo>
+                  <a:pt x="240201" y="-22123"/>
+                  <a:pt x="462021" y="-19623"/>
+                  <a:pt x="618468" y="0"/>
+                </a:cubicBezTo>
+                <a:cubicBezTo>
+                  <a:pt x="774915" y="19623"/>
+                  <a:pt x="974734" y="2035"/>
+                  <a:pt x="1269487" y="0"/>
+                </a:cubicBezTo>
+                <a:cubicBezTo>
+                  <a:pt x="1564240" y="-2035"/>
+                  <a:pt x="1733579" y="10639"/>
+                  <a:pt x="1953057" y="0"/>
+                </a:cubicBezTo>
+                <a:cubicBezTo>
+                  <a:pt x="2172535" y="-10639"/>
+                  <a:pt x="2453962" y="14018"/>
+                  <a:pt x="2636627" y="0"/>
+                </a:cubicBezTo>
+                <a:cubicBezTo>
+                  <a:pt x="2819292" y="-14018"/>
+                  <a:pt x="3121375" y="5399"/>
+                  <a:pt x="3255095" y="0"/>
+                </a:cubicBezTo>
+                <a:cubicBezTo>
+                  <a:pt x="3254386" y="8157"/>
+                  <a:pt x="3254682" y="12125"/>
+                  <a:pt x="3255095" y="18288"/>
+                </a:cubicBezTo>
+                <a:cubicBezTo>
+                  <a:pt x="3088545" y="23203"/>
+                  <a:pt x="2687475" y="7419"/>
+                  <a:pt x="2538974" y="18288"/>
+                </a:cubicBezTo>
+                <a:cubicBezTo>
+                  <a:pt x="2390473" y="29157"/>
+                  <a:pt x="2137381" y="-8959"/>
+                  <a:pt x="1822853" y="18288"/>
+                </a:cubicBezTo>
+                <a:cubicBezTo>
+                  <a:pt x="1508325" y="45535"/>
+                  <a:pt x="1466437" y="20385"/>
+                  <a:pt x="1171834" y="18288"/>
+                </a:cubicBezTo>
+                <a:cubicBezTo>
+                  <a:pt x="877231" y="16191"/>
+                  <a:pt x="561097" y="37643"/>
+                  <a:pt x="0" y="18288"/>
+                </a:cubicBezTo>
+                <a:cubicBezTo>
+                  <a:pt x="-46" y="12483"/>
+                  <a:pt x="-203" y="6491"/>
+                  <a:pt x="0" y="0"/>
+                </a:cubicBezTo>
+                <a:close/>
+              </a:path>
+              <a:path w="3255095" h="18288" stroke="0" extrusionOk="0">
+                <a:moveTo>
+                  <a:pt x="0" y="0"/>
+                </a:moveTo>
+                <a:cubicBezTo>
+                  <a:pt x="291965" y="19429"/>
+                  <a:pt x="363155" y="8568"/>
+                  <a:pt x="618468" y="0"/>
+                </a:cubicBezTo>
+                <a:cubicBezTo>
+                  <a:pt x="873781" y="-8568"/>
+                  <a:pt x="904459" y="-19505"/>
+                  <a:pt x="1171834" y="0"/>
+                </a:cubicBezTo>
+                <a:cubicBezTo>
+                  <a:pt x="1439209" y="19505"/>
+                  <a:pt x="1744369" y="9790"/>
+                  <a:pt x="1887955" y="0"/>
+                </a:cubicBezTo>
+                <a:cubicBezTo>
+                  <a:pt x="2031541" y="-9790"/>
+                  <a:pt x="2346378" y="21240"/>
+                  <a:pt x="2506423" y="0"/>
+                </a:cubicBezTo>
+                <a:cubicBezTo>
+                  <a:pt x="2666468" y="-21240"/>
+                  <a:pt x="2990257" y="30414"/>
+                  <a:pt x="3255095" y="0"/>
+                </a:cubicBezTo>
+                <a:cubicBezTo>
+                  <a:pt x="3254831" y="4493"/>
+                  <a:pt x="3255479" y="9472"/>
+                  <a:pt x="3255095" y="18288"/>
+                </a:cubicBezTo>
+                <a:cubicBezTo>
+                  <a:pt x="3120743" y="16690"/>
+                  <a:pt x="2759628" y="42462"/>
+                  <a:pt x="2604076" y="18288"/>
+                </a:cubicBezTo>
+                <a:cubicBezTo>
+                  <a:pt x="2448524" y="-5886"/>
+                  <a:pt x="2184336" y="19599"/>
+                  <a:pt x="1887955" y="18288"/>
+                </a:cubicBezTo>
+                <a:cubicBezTo>
+                  <a:pt x="1591574" y="16977"/>
+                  <a:pt x="1548845" y="6870"/>
+                  <a:pt x="1334589" y="18288"/>
+                </a:cubicBezTo>
+                <a:cubicBezTo>
+                  <a:pt x="1120333" y="29706"/>
+                  <a:pt x="996014" y="9662"/>
+                  <a:pt x="683570" y="18288"/>
+                </a:cubicBezTo>
+                <a:cubicBezTo>
+                  <a:pt x="371126" y="26914"/>
+                  <a:pt x="198687" y="16167"/>
+                  <a:pt x="0" y="18288"/>
+                </a:cubicBezTo>
+                <a:cubicBezTo>
+                  <a:pt x="843" y="9577"/>
+                  <a:pt x="371" y="6900"/>
+                  <a:pt x="0" y="0"/>
                 </a:cubicBezTo>
                 <a:close/>
               </a:path>
             </a:pathLst>
           </a:custGeom>
-          <a:ln w="9525">
-            <a:solidFill>
-              <a:srgbClr val="EFEFEF"/>
-            </a:solidFill>
-          </a:ln>
-          <a:effectLst>
-            <a:outerShdw blurRad="139700" sx="102000" sy="102000" algn="ctr" rotWithShape="0">
-              <a:schemeClr val="bg1">
-                <a:lumMod val="85000"/>
-                <a:alpha val="38000"/>
-              </a:schemeClr>
-            </a:outerShdw>
-          </a:effectLst>
-        </p:spPr>
-        <p:style>
-          <a:lnRef idx="2">
-            <a:schemeClr val="accent1">
-              <a:shade val="50000"/>
-            </a:schemeClr>
-          </a:lnRef>
-          <a:fillRef idx="1">
-            <a:schemeClr val="accent1"/>
-          </a:fillRef>
-          <a:effectRef idx="0">
-            <a:schemeClr val="accent1"/>
-          </a:effectRef>
-          <a:fontRef idx="minor">
-            <a:schemeClr val="lt1"/>
-          </a:fontRef>
-        </p:style>
-        <p:txBody>
-          <a:bodyPr wrap="square" rtlCol="0" anchor="ctr">
-            <a:noAutofit/>
-          </a:bodyPr>
-          <a:lstStyle/>
-          <a:p>
-            <a:pPr marL="0" marR="0" lvl="0" indent="0" algn="ctr" defTabSz="914400" rtl="0" eaLnBrk="1" fontAlgn="auto" latinLnBrk="0" hangingPunct="1">
-              <a:lnSpc>
-                <a:spcPct val="100000"/>
-              </a:lnSpc>
-              <a:spcBef>
-                <a:spcPts val="0"/>
-              </a:spcBef>
-              <a:spcAft>
-                <a:spcPts val="0"/>
-              </a:spcAft>
-              <a:buClrTx/>
-              <a:buSzTx/>
-              <a:buFontTx/>
-              <a:buNone/>
-              <a:tabLst/>
-              <a:defRPr/>
-            </a:pPr>
-            <a:endParaRPr kumimoji="0" lang="en-US" sz="1800" b="0" i="0" u="none" strike="noStrike" kern="1200" cap="none" spc="0" normalizeH="0" baseline="0" noProof="0">
-              <a:ln>
-                <a:noFill/>
-              </a:ln>
-              <a:solidFill>
-                <a:prstClr val="white"/>
-              </a:solidFill>
-              <a:effectLst/>
-              <a:uLnTx/>
-              <a:uFillTx/>
-              <a:latin typeface="Calibri" panose="020F0502020204030204"/>
-              <a:ea typeface="+mn-ea"/>
-              <a:cs typeface="+mn-cs"/>
-            </a:endParaRPr>
-          </a:p>
-        </p:txBody>
-      </p:sp>
-      <p:sp useBgFill="1">
-        <p:nvSpPr>
-          <p:cNvPr id="11" name="Freeform: Shape 10">
-            <a:extLst>
-              <a:ext uri="{FF2B5EF4-FFF2-40B4-BE49-F238E27FC236}">
-                <a16:creationId xmlns:a16="http://schemas.microsoft.com/office/drawing/2014/main" id="{C7F28D52-2A5F-4D23-81AE-7CB8B591C7AF}"/>
-              </a:ext>
-              <a:ext uri="{C183D7F6-B498-43B3-948B-1728B52AA6E4}">
-                <adec:decorative xmlns:adec="http://schemas.microsoft.com/office/drawing/2017/decorative" val="1"/>
-              </a:ext>
-            </a:extLst>
-          </p:cNvPr>
-          <p:cNvSpPr>
-            <a:spLocks noGrp="1" noRot="1" noChangeAspect="1" noMove="1" noResize="1" noEditPoints="1" noAdjustHandles="1" noChangeArrowheads="1" noChangeShapeType="1" noTextEdit="1"/>
-          </p:cNvSpPr>
-          <p:nvPr>
-            <p:extLst>
-              <p:ext uri="{386F3935-93C4-4BCD-93E2-E3B085C9AB24}">
-                <p16:designElem xmlns:p16="http://schemas.microsoft.com/office/powerpoint/2015/main" val="1"/>
-              </p:ext>
-            </p:extLst>
-          </p:nvPr>
-        </p:nvSpPr>
-        <p:spPr>
-          <a:xfrm>
-            <a:off x="1121664" y="0"/>
-            <a:ext cx="9948672" cy="6858000"/>
-          </a:xfrm>
-          <a:custGeom>
-            <a:avLst/>
-            <a:gdLst>
-              <a:gd name="connsiteX0" fmla="*/ 1595771 w 9963150"/>
-              <a:gd name="connsiteY0" fmla="*/ 0 h 6858000"/>
-              <a:gd name="connsiteX1" fmla="*/ 8367379 w 9963150"/>
-              <a:gd name="connsiteY1" fmla="*/ 0 h 6858000"/>
-              <a:gd name="connsiteX2" fmla="*/ 8504080 w 9963150"/>
-              <a:gd name="connsiteY2" fmla="*/ 130333 h 6858000"/>
-              <a:gd name="connsiteX3" fmla="*/ 9963150 w 9963150"/>
-              <a:gd name="connsiteY3" fmla="*/ 3652838 h 6858000"/>
-              <a:gd name="connsiteX4" fmla="*/ 8825600 w 9963150"/>
-              <a:gd name="connsiteY4" fmla="*/ 6821583 h 6858000"/>
-              <a:gd name="connsiteX5" fmla="*/ 8794055 w 9963150"/>
-              <a:gd name="connsiteY5" fmla="*/ 6858000 h 6858000"/>
-              <a:gd name="connsiteX6" fmla="*/ 1169096 w 9963150"/>
-              <a:gd name="connsiteY6" fmla="*/ 6858000 h 6858000"/>
-              <a:gd name="connsiteX7" fmla="*/ 1137550 w 9963150"/>
-              <a:gd name="connsiteY7" fmla="*/ 6821583 h 6858000"/>
-              <a:gd name="connsiteX8" fmla="*/ 0 w 9963150"/>
-              <a:gd name="connsiteY8" fmla="*/ 3652838 h 6858000"/>
-              <a:gd name="connsiteX9" fmla="*/ 1459070 w 9963150"/>
-              <a:gd name="connsiteY9" fmla="*/ 130333 h 6858000"/>
-            </a:gdLst>
-            <a:ahLst/>
-            <a:cxnLst>
-              <a:cxn ang="0">
-                <a:pos x="connsiteX0" y="connsiteY0"/>
-              </a:cxn>
-              <a:cxn ang="0">
-                <a:pos x="connsiteX1" y="connsiteY1"/>
-              </a:cxn>
-              <a:cxn ang="0">
-                <a:pos x="connsiteX2" y="connsiteY2"/>
-              </a:cxn>
-              <a:cxn ang="0">
-                <a:pos x="connsiteX3" y="connsiteY3"/>
-              </a:cxn>
-              <a:cxn ang="0">
-                <a:pos x="connsiteX4" y="connsiteY4"/>
-              </a:cxn>
-              <a:cxn ang="0">
-                <a:pos x="connsiteX5" y="connsiteY5"/>
-              </a:cxn>
-              <a:cxn ang="0">
-                <a:pos x="connsiteX6" y="connsiteY6"/>
-              </a:cxn>
-              <a:cxn ang="0">
-                <a:pos x="connsiteX7" y="connsiteY7"/>
-              </a:cxn>
-              <a:cxn ang="0">
-                <a:pos x="connsiteX8" y="connsiteY8"/>
-              </a:cxn>
-              <a:cxn ang="0">
-                <a:pos x="connsiteX9" y="connsiteY9"/>
-              </a:cxn>
-            </a:cxnLst>
-            <a:rect l="l" t="t" r="r" b="b"/>
-            <a:pathLst>
-              <a:path w="9963150" h="6858000">
-                <a:moveTo>
-                  <a:pt x="1595771" y="0"/>
-                </a:moveTo>
-                <a:lnTo>
-                  <a:pt x="8367379" y="0"/>
-                </a:lnTo>
-                <a:lnTo>
-                  <a:pt x="8504080" y="130333"/>
-                </a:lnTo>
-                <a:cubicBezTo>
-                  <a:pt x="9405568" y="1031820"/>
-                  <a:pt x="9963150" y="2277214"/>
-                  <a:pt x="9963150" y="3652838"/>
-                </a:cubicBezTo>
-                <a:cubicBezTo>
-                  <a:pt x="9963150" y="4856509"/>
-                  <a:pt x="9536251" y="5960473"/>
-                  <a:pt x="8825600" y="6821583"/>
-                </a:cubicBezTo>
-                <a:lnTo>
-                  <a:pt x="8794055" y="6858000"/>
-                </a:lnTo>
-                <a:lnTo>
-                  <a:pt x="1169096" y="6858000"/>
-                </a:lnTo>
-                <a:lnTo>
-                  <a:pt x="1137550" y="6821583"/>
-                </a:lnTo>
-                <a:cubicBezTo>
-                  <a:pt x="426899" y="5960473"/>
-                  <a:pt x="0" y="4856509"/>
-                  <a:pt x="0" y="3652838"/>
-                </a:cubicBezTo>
-                <a:cubicBezTo>
-                  <a:pt x="0" y="2277214"/>
-                  <a:pt x="557582" y="1031820"/>
-                  <a:pt x="1459070" y="130333"/>
-                </a:cubicBezTo>
-                <a:close/>
-              </a:path>
-            </a:pathLst>
-          </a:custGeom>
-          <a:ln w="9525">
-            <a:noFill/>
-          </a:ln>
-          <a:effectLst/>
-        </p:spPr>
-        <p:style>
-          <a:lnRef idx="2">
-            <a:schemeClr val="accent1">
-              <a:shade val="50000"/>
-            </a:schemeClr>
-          </a:lnRef>
-          <a:fillRef idx="1">
-            <a:schemeClr val="accent1"/>
-          </a:fillRef>
-          <a:effectRef idx="0">
-            <a:schemeClr val="accent1"/>
-          </a:effectRef>
-          <a:fontRef idx="minor">
-            <a:schemeClr val="lt1"/>
-          </a:fontRef>
-        </p:style>
-        <p:txBody>
-          <a:bodyPr wrap="square" rtlCol="0" anchor="ctr">
-            <a:noAutofit/>
-          </a:bodyPr>
-          <a:lstStyle/>
-          <a:p>
-            <a:pPr marL="0" marR="0" lvl="0" indent="0" algn="ctr" defTabSz="914400" rtl="0" eaLnBrk="1" fontAlgn="auto" latinLnBrk="0" hangingPunct="1">
-              <a:lnSpc>
-                <a:spcPct val="100000"/>
-              </a:lnSpc>
-              <a:spcBef>
-                <a:spcPts val="0"/>
-              </a:spcBef>
-              <a:spcAft>
-                <a:spcPts val="0"/>
-              </a:spcAft>
-              <a:buClrTx/>
-              <a:buSzTx/>
-              <a:buFontTx/>
-              <a:buNone/>
-              <a:tabLst/>
-              <a:defRPr/>
-            </a:pPr>
-            <a:endParaRPr kumimoji="0" lang="en-US" sz="1800" b="0" i="0" u="none" strike="noStrike" kern="1200" cap="none" spc="0" normalizeH="0" baseline="0" noProof="0">
-              <a:ln>
-                <a:noFill/>
-              </a:ln>
-              <a:solidFill>
-                <a:prstClr val="white"/>
-              </a:solidFill>
-              <a:effectLst/>
-              <a:uLnTx/>
-              <a:uFillTx/>
-              <a:latin typeface="Calibri" panose="020F0502020204030204"/>
-              <a:ea typeface="+mn-ea"/>
-              <a:cs typeface="+mn-cs"/>
-            </a:endParaRPr>
-          </a:p>
-        </p:txBody>
-      </p:sp>
-      <p:sp>
-        <p:nvSpPr>
-          <p:cNvPr id="2" name="Заголовок 1">
-            <a:extLst>
-              <a:ext uri="{FF2B5EF4-FFF2-40B4-BE49-F238E27FC236}">
-                <a16:creationId xmlns:a16="http://schemas.microsoft.com/office/drawing/2014/main" id="{EF867D5F-8842-00AE-AA95-6DDBCB7E8EEB}"/>
-              </a:ext>
-            </a:extLst>
-          </p:cNvPr>
-          <p:cNvSpPr>
-            <a:spLocks noGrp="1"/>
-          </p:cNvSpPr>
-          <p:nvPr>
-            <p:ph type="title"/>
-          </p:nvPr>
-        </p:nvSpPr>
-        <p:spPr>
-          <a:xfrm>
-            <a:off x="1524003" y="1999615"/>
-            <a:ext cx="9144000" cy="2764028"/>
-          </a:xfrm>
-        </p:spPr>
-        <p:txBody>
-          <a:bodyPr vert="horz" lIns="91440" tIns="45720" rIns="91440" bIns="45720" rtlCol="0" anchor="ctr">
-            <a:normAutofit/>
-          </a:bodyPr>
-          <a:lstStyle/>
-          <a:p>
-            <a:pPr algn="ctr"/>
-            <a:r>
-              <a:rPr lang="en-US" sz="7200" kern="1200">
-                <a:solidFill>
-                  <a:schemeClr val="tx1"/>
-                </a:solidFill>
-                <a:latin typeface="+mj-lt"/>
-                <a:ea typeface="+mj-ea"/>
-                <a:cs typeface="+mj-cs"/>
-              </a:rPr>
-              <a:t>Дякую за увагу</a:t>
-            </a:r>
-          </a:p>
-        </p:txBody>
-      </p:sp>
-      <p:sp>
-        <p:nvSpPr>
-          <p:cNvPr id="13" name="Rectangle 12">
-            <a:extLst>
-              <a:ext uri="{FF2B5EF4-FFF2-40B4-BE49-F238E27FC236}">
-                <a16:creationId xmlns:a16="http://schemas.microsoft.com/office/drawing/2014/main" id="{3629484E-3792-4B3D-89AD-7C8A1ED0E0D4}"/>
-              </a:ext>
-              <a:ext uri="{C183D7F6-B498-43B3-948B-1728B52AA6E4}">
-                <adec:decorative xmlns:adec="http://schemas.microsoft.com/office/drawing/2017/decorative" val="1"/>
-              </a:ext>
-            </a:extLst>
-          </p:cNvPr>
-          <p:cNvSpPr>
-            <a:spLocks noGrp="1" noRot="1" noChangeAspect="1" noMove="1" noResize="1" noEditPoints="1" noAdjustHandles="1" noChangeArrowheads="1" noChangeShapeType="1" noTextEdit="1"/>
-          </p:cNvSpPr>
-          <p:nvPr>
-            <p:extLst>
-              <p:ext uri="{386F3935-93C4-4BCD-93E2-E3B085C9AB24}">
-                <p16:designElem xmlns:p16="http://schemas.microsoft.com/office/powerpoint/2015/main" val="1"/>
-              </p:ext>
-            </p:extLst>
-          </p:nvPr>
-        </p:nvSpPr>
-        <p:spPr>
-          <a:xfrm>
-            <a:off x="3718560" y="5524786"/>
-            <a:ext cx="4754880" cy="27432"/>
-          </a:xfrm>
-          <a:prstGeom prst="rect">
-            <a:avLst/>
-          </a:prstGeom>
           <a:solidFill>
             <a:schemeClr val="accent2"/>
           </a:solidFill>
-          <a:ln>
-            <a:noFill/>
+          <a:ln w="38100" cap="rnd">
+            <a:solidFill>
+              <a:schemeClr val="accent2"/>
+            </a:solidFill>
+            <a:round/>
+            <a:extLst>
+              <a:ext uri="{C807C97D-BFC1-408E-A445-0C87EB9F89A2}">
+                <ask:lineSketchStyleProps xmlns:ask="http://schemas.microsoft.com/office/drawing/2018/sketchyshapes" sd="1219033472">
+                  <a:prstGeom prst="rect">
+                    <a:avLst/>
+                  </a:prstGeom>
+                  <ask:type>
+                    <ask:lineSketchFreehand/>
+                  </ask:type>
+                </ask:lineSketchStyleProps>
+              </a:ext>
+            </a:extLst>
           </a:ln>
         </p:spPr>
         <p:style>
@@ -10471,40 +10353,91 @@
           <a:bodyPr rtlCol="0" anchor="ctr"/>
           <a:lstStyle/>
           <a:p>
-            <a:pPr marL="0" marR="0" lvl="0" indent="0" algn="ctr" defTabSz="914400" rtl="0" eaLnBrk="1" fontAlgn="auto" latinLnBrk="0" hangingPunct="1">
-              <a:lnSpc>
-                <a:spcPct val="100000"/>
-              </a:lnSpc>
-              <a:spcBef>
-                <a:spcPts val="0"/>
-              </a:spcBef>
-              <a:spcAft>
-                <a:spcPts val="0"/>
-              </a:spcAft>
-              <a:buClrTx/>
-              <a:buSzTx/>
-              <a:buFontTx/>
-              <a:buNone/>
-              <a:tabLst/>
-              <a:defRPr/>
-            </a:pPr>
-            <a:endParaRPr kumimoji="0" lang="en-US" sz="1800" b="0" i="0" u="none" strike="noStrike" kern="1200" cap="none" spc="0" normalizeH="0" baseline="0" noProof="0">
-              <a:ln>
-                <a:noFill/>
-              </a:ln>
-              <a:solidFill>
-                <a:prstClr val="white"/>
-              </a:solidFill>
-              <a:effectLst/>
-              <a:uLnTx/>
-              <a:uFillTx/>
-              <a:latin typeface="Calibri" panose="020F0502020204030204"/>
-              <a:ea typeface="+mn-ea"/>
-              <a:cs typeface="+mn-cs"/>
-            </a:endParaRPr>
+            <a:pPr algn="ctr"/>
+            <a:endParaRPr lang="en-US"/>
           </a:p>
         </p:txBody>
       </p:sp>
+      <p:sp>
+        <p:nvSpPr>
+          <p:cNvPr id="6" name="TextBox 5">
+            <a:extLst>
+              <a:ext uri="{FF2B5EF4-FFF2-40B4-BE49-F238E27FC236}">
+                <a16:creationId xmlns:a16="http://schemas.microsoft.com/office/drawing/2014/main" id="{5708AFCB-BFB0-9917-8879-A81EE37D3572}"/>
+              </a:ext>
+            </a:extLst>
+          </p:cNvPr>
+          <p:cNvSpPr txBox="1"/>
+          <p:nvPr/>
+        </p:nvSpPr>
+        <p:spPr>
+          <a:xfrm>
+            <a:off x="630936" y="2660904"/>
+            <a:ext cx="4818888" cy="3547872"/>
+          </a:xfrm>
+          <a:prstGeom prst="rect">
+            <a:avLst/>
+          </a:prstGeom>
+        </p:spPr>
+        <p:txBody>
+          <a:bodyPr vert="horz" lIns="91440" tIns="45720" rIns="91440" bIns="45720" rtlCol="0" anchor="t">
+            <a:normAutofit/>
+          </a:bodyPr>
+          <a:lstStyle/>
+          <a:p>
+            <a:pPr indent="-228600">
+              <a:lnSpc>
+                <a:spcPct val="90000"/>
+              </a:lnSpc>
+              <a:spcAft>
+                <a:spcPts val="600"/>
+              </a:spcAft>
+              <a:buFont typeface="Arial" panose="020B0604020202020204" pitchFamily="34" charset="0"/>
+              <a:buChar char="•"/>
+            </a:pPr>
+            <a:r>
+              <a:rPr lang="en-US" sz="2200"/>
+              <a:t>Проект курсової на GitHub.com</a:t>
+            </a:r>
+          </a:p>
+        </p:txBody>
+      </p:sp>
+      <p:pic>
+        <p:nvPicPr>
+          <p:cNvPr id="5" name="Рисунок 4" descr="Изображение выглядит как шаблон, прямоугольный, дизайн, искусство&#10;&#10;Автоматически созданное описание">
+            <a:extLst>
+              <a:ext uri="{FF2B5EF4-FFF2-40B4-BE49-F238E27FC236}">
+                <a16:creationId xmlns:a16="http://schemas.microsoft.com/office/drawing/2014/main" id="{0EC74EC0-85CC-5874-5185-8AA0EC5E89CA}"/>
+              </a:ext>
+            </a:extLst>
+          </p:cNvPr>
+          <p:cNvPicPr>
+            <a:picLocks noChangeAspect="1"/>
+          </p:cNvPicPr>
+          <p:nvPr/>
+        </p:nvPicPr>
+        <p:blipFill>
+          <a:blip r:embed="rId2">
+            <a:extLst>
+              <a:ext uri="{28A0092B-C50C-407E-A947-70E740481C1C}">
+                <a14:useLocalDpi xmlns:a14="http://schemas.microsoft.com/office/drawing/2010/main" val="0"/>
+              </a:ext>
+            </a:extLst>
+          </a:blip>
+          <a:stretch>
+            <a:fillRect/>
+          </a:stretch>
+        </p:blipFill>
+        <p:spPr>
+          <a:xfrm>
+            <a:off x="6099048" y="699516"/>
+            <a:ext cx="5458968" cy="5458968"/>
+          </a:xfrm>
+          <a:prstGeom prst="rect">
+            <a:avLst/>
+          </a:prstGeom>
+        </p:spPr>
+      </p:pic>
     </p:spTree>
     <p:extLst>
       <p:ext uri="{BB962C8B-B14F-4D97-AF65-F5344CB8AC3E}">

--- a/presentation.pptx
+++ b/presentation.pptx
@@ -6,12 +6,12 @@
   </p:sldMasterIdLst>
   <p:sldIdLst>
     <p:sldId id="256" r:id="rId2"/>
-    <p:sldId id="257" r:id="rId3"/>
-    <p:sldId id="258" r:id="rId4"/>
+    <p:sldId id="265" r:id="rId3"/>
+    <p:sldId id="257" r:id="rId4"/>
     <p:sldId id="259" r:id="rId5"/>
     <p:sldId id="260" r:id="rId6"/>
-    <p:sldId id="264" r:id="rId7"/>
-    <p:sldId id="261" r:id="rId8"/>
+    <p:sldId id="261" r:id="rId7"/>
+    <p:sldId id="264" r:id="rId8"/>
     <p:sldId id="262" r:id="rId9"/>
     <p:sldId id="263" r:id="rId10"/>
   </p:sldIdLst>
@@ -112,6 +112,11 @@
       </a:defRPr>
     </a:lvl9pPr>
   </p:defaultTextStyle>
+  <p:extLst>
+    <p:ext uri="{EFAFB233-063F-42B5-8137-9DF3F51BA10A}">
+      <p15:sldGuideLst xmlns:p15="http://schemas.microsoft.com/office/powerpoint/2012/main"/>
+    </p:ext>
+  </p:extLst>
 </p:presentation>
 </file>
 
@@ -119,12 +124,279 @@
 <p1510:revInfo xmlns:a="http://schemas.openxmlformats.org/drawingml/2006/main" xmlns:r="http://schemas.openxmlformats.org/officeDocument/2006/relationships" xmlns:p1510="http://schemas.microsoft.com/office/powerpoint/2015/10/main">
   <p1510:revLst>
     <p1510:client id="{D4467163-BDB5-4A80-BBD4-4CFBF9737BB9}" v="108" dt="2023-06-07T00:14:46.346"/>
+    <p1510:client id="{FE35C0B5-3128-4520-AFB5-7C55F54AF89E}" v="9" dt="2023-06-07T05:48:11.289"/>
   </p1510:revLst>
 </p1510:revInfo>
 </file>
 
 <file path=ppt/changesInfos/changesInfo1.xml><?xml version="1.0" encoding="utf-8"?>
 <pc:chgInfo xmlns:a="http://schemas.openxmlformats.org/drawingml/2006/main" xmlns:r="http://schemas.openxmlformats.org/officeDocument/2006/relationships" xmlns:ac="http://schemas.microsoft.com/office/drawing/2013/main/command" xmlns:pc="http://schemas.microsoft.com/office/powerpoint/2013/main/command">
+  <pc:docChgLst>
+    <pc:chgData name="Nick Xonis" userId="6c6c1556891b75f7" providerId="LiveId" clId="{FE35C0B5-3128-4520-AFB5-7C55F54AF89E}"/>
+    <pc:docChg chg="undo redo custSel addSld delSld modSld sldOrd">
+      <pc:chgData name="Nick Xonis" userId="6c6c1556891b75f7" providerId="LiveId" clId="{FE35C0B5-3128-4520-AFB5-7C55F54AF89E}" dt="2023-06-07T06:22:25.796" v="458" actId="1076"/>
+      <pc:docMkLst>
+        <pc:docMk/>
+      </pc:docMkLst>
+      <pc:sldChg chg="addSp modSp mod">
+        <pc:chgData name="Nick Xonis" userId="6c6c1556891b75f7" providerId="LiveId" clId="{FE35C0B5-3128-4520-AFB5-7C55F54AF89E}" dt="2023-06-07T06:22:25.796" v="458" actId="1076"/>
+        <pc:sldMkLst>
+          <pc:docMk/>
+          <pc:sldMk cId="2270072955" sldId="256"/>
+        </pc:sldMkLst>
+        <pc:spChg chg="mod">
+          <ac:chgData name="Nick Xonis" userId="6c6c1556891b75f7" providerId="LiveId" clId="{FE35C0B5-3128-4520-AFB5-7C55F54AF89E}" dt="2023-06-07T06:03:17.682" v="453" actId="20577"/>
+          <ac:spMkLst>
+            <pc:docMk/>
+            <pc:sldMk cId="2270072955" sldId="256"/>
+            <ac:spMk id="2" creationId="{8828AB49-3449-C6E0-413E-2669A2EA7133}"/>
+          </ac:spMkLst>
+        </pc:spChg>
+        <pc:spChg chg="add mod">
+          <ac:chgData name="Nick Xonis" userId="6c6c1556891b75f7" providerId="LiveId" clId="{FE35C0B5-3128-4520-AFB5-7C55F54AF89E}" dt="2023-06-07T06:22:25.796" v="458" actId="1076"/>
+          <ac:spMkLst>
+            <pc:docMk/>
+            <pc:sldMk cId="2270072955" sldId="256"/>
+            <ac:spMk id="4" creationId="{6B0FE319-EF2D-D8B0-36C3-F08EAE1BAAE5}"/>
+          </ac:spMkLst>
+        </pc:spChg>
+        <pc:spChg chg="add mod">
+          <ac:chgData name="Nick Xonis" userId="6c6c1556891b75f7" providerId="LiveId" clId="{FE35C0B5-3128-4520-AFB5-7C55F54AF89E}" dt="2023-06-07T05:42:50.076" v="83" actId="1076"/>
+          <ac:spMkLst>
+            <pc:docMk/>
+            <pc:sldMk cId="2270072955" sldId="256"/>
+            <ac:spMk id="6" creationId="{D9CDAA28-77FB-AB3C-8FF3-ACC18050CD0E}"/>
+          </ac:spMkLst>
+        </pc:spChg>
+        <pc:picChg chg="add mod">
+          <ac:chgData name="Nick Xonis" userId="6c6c1556891b75f7" providerId="LiveId" clId="{FE35C0B5-3128-4520-AFB5-7C55F54AF89E}" dt="2023-06-07T05:42:35.028" v="79" actId="1076"/>
+          <ac:picMkLst>
+            <pc:docMk/>
+            <pc:sldMk cId="2270072955" sldId="256"/>
+            <ac:picMk id="5" creationId="{973E9922-A9A9-08EB-A359-8ADCBDF321CA}"/>
+          </ac:picMkLst>
+        </pc:picChg>
+      </pc:sldChg>
+      <pc:sldChg chg="modSp mod">
+        <pc:chgData name="Nick Xonis" userId="6c6c1556891b75f7" providerId="LiveId" clId="{FE35C0B5-3128-4520-AFB5-7C55F54AF89E}" dt="2023-06-07T06:04:17.374" v="454" actId="790"/>
+        <pc:sldMkLst>
+          <pc:docMk/>
+          <pc:sldMk cId="3803005450" sldId="257"/>
+        </pc:sldMkLst>
+        <pc:spChg chg="mod">
+          <ac:chgData name="Nick Xonis" userId="6c6c1556891b75f7" providerId="LiveId" clId="{FE35C0B5-3128-4520-AFB5-7C55F54AF89E}" dt="2023-06-07T06:04:17.374" v="454" actId="790"/>
+          <ac:spMkLst>
+            <pc:docMk/>
+            <pc:sldMk cId="3803005450" sldId="257"/>
+            <ac:spMk id="3" creationId="{C993366B-9BDD-A706-1E85-03553B6D02E9}"/>
+          </ac:spMkLst>
+        </pc:spChg>
+      </pc:sldChg>
+      <pc:sldChg chg="del ord">
+        <pc:chgData name="Nick Xonis" userId="6c6c1556891b75f7" providerId="LiveId" clId="{FE35C0B5-3128-4520-AFB5-7C55F54AF89E}" dt="2023-06-07T05:29:12.449" v="48" actId="47"/>
+        <pc:sldMkLst>
+          <pc:docMk/>
+          <pc:sldMk cId="1451060601" sldId="258"/>
+        </pc:sldMkLst>
+      </pc:sldChg>
+      <pc:sldChg chg="modSp mod">
+        <pc:chgData name="Nick Xonis" userId="6c6c1556891b75f7" providerId="LiveId" clId="{FE35C0B5-3128-4520-AFB5-7C55F54AF89E}" dt="2023-06-07T05:52:31.114" v="440" actId="790"/>
+        <pc:sldMkLst>
+          <pc:docMk/>
+          <pc:sldMk cId="159372668" sldId="259"/>
+        </pc:sldMkLst>
+        <pc:spChg chg="mod">
+          <ac:chgData name="Nick Xonis" userId="6c6c1556891b75f7" providerId="LiveId" clId="{FE35C0B5-3128-4520-AFB5-7C55F54AF89E}" dt="2023-06-07T05:52:31.114" v="440" actId="790"/>
+          <ac:spMkLst>
+            <pc:docMk/>
+            <pc:sldMk cId="159372668" sldId="259"/>
+            <ac:spMk id="3" creationId="{FC8203E9-5733-323D-41DF-094CD0ED89DB}"/>
+          </ac:spMkLst>
+        </pc:spChg>
+        <pc:spChg chg="mod">
+          <ac:chgData name="Nick Xonis" userId="6c6c1556891b75f7" providerId="LiveId" clId="{FE35C0B5-3128-4520-AFB5-7C55F54AF89E}" dt="2023-06-07T05:52:17.722" v="437" actId="790"/>
+          <ac:spMkLst>
+            <pc:docMk/>
+            <pc:sldMk cId="159372668" sldId="259"/>
+            <ac:spMk id="4" creationId="{C6F2FA4D-7F3B-FC36-59E0-E8D12F2B1B47}"/>
+          </ac:spMkLst>
+        </pc:spChg>
+      </pc:sldChg>
+      <pc:sldChg chg="addSp delSp modSp mod">
+        <pc:chgData name="Nick Xonis" userId="6c6c1556891b75f7" providerId="LiveId" clId="{FE35C0B5-3128-4520-AFB5-7C55F54AF89E}" dt="2023-06-07T06:03:13.277" v="451" actId="20577"/>
+        <pc:sldMkLst>
+          <pc:docMk/>
+          <pc:sldMk cId="286391300" sldId="260"/>
+        </pc:sldMkLst>
+        <pc:spChg chg="mod">
+          <ac:chgData name="Nick Xonis" userId="6c6c1556891b75f7" providerId="LiveId" clId="{FE35C0B5-3128-4520-AFB5-7C55F54AF89E}" dt="2023-06-07T05:28:59.020" v="31" actId="26606"/>
+          <ac:spMkLst>
+            <pc:docMk/>
+            <pc:sldMk cId="286391300" sldId="260"/>
+            <ac:spMk id="2" creationId="{5FB883FC-8BBF-8B6E-AB48-ED57276F33B3}"/>
+          </ac:spMkLst>
+        </pc:spChg>
+        <pc:spChg chg="add mod ord">
+          <ac:chgData name="Nick Xonis" userId="6c6c1556891b75f7" providerId="LiveId" clId="{FE35C0B5-3128-4520-AFB5-7C55F54AF89E}" dt="2023-06-07T05:53:44.736" v="444" actId="790"/>
+          <ac:spMkLst>
+            <pc:docMk/>
+            <pc:sldMk cId="286391300" sldId="260"/>
+            <ac:spMk id="3" creationId="{74D49ACC-9AF2-9894-A3D2-A5083E19D7F9}"/>
+          </ac:spMkLst>
+        </pc:spChg>
+        <pc:spChg chg="add del">
+          <ac:chgData name="Nick Xonis" userId="6c6c1556891b75f7" providerId="LiveId" clId="{FE35C0B5-3128-4520-AFB5-7C55F54AF89E}" dt="2023-06-07T05:28:59.020" v="31" actId="26606"/>
+          <ac:spMkLst>
+            <pc:docMk/>
+            <pc:sldMk cId="286391300" sldId="260"/>
+            <ac:spMk id="20" creationId="{56E9B3E6-E277-4D68-BA48-9CB43FFBD6E2}"/>
+          </ac:spMkLst>
+        </pc:spChg>
+        <pc:spChg chg="add del">
+          <ac:chgData name="Nick Xonis" userId="6c6c1556891b75f7" providerId="LiveId" clId="{FE35C0B5-3128-4520-AFB5-7C55F54AF89E}" dt="2023-06-07T05:28:59.020" v="31" actId="26606"/>
+          <ac:spMkLst>
+            <pc:docMk/>
+            <pc:sldMk cId="286391300" sldId="260"/>
+            <ac:spMk id="25" creationId="{D5B0017B-2ECA-49AF-B397-DC140825DF8D}"/>
+          </ac:spMkLst>
+        </pc:spChg>
+        <pc:spChg chg="add del">
+          <ac:chgData name="Nick Xonis" userId="6c6c1556891b75f7" providerId="LiveId" clId="{FE35C0B5-3128-4520-AFB5-7C55F54AF89E}" dt="2023-06-07T05:28:59.005" v="30" actId="26606"/>
+          <ac:spMkLst>
+            <pc:docMk/>
+            <pc:sldMk cId="286391300" sldId="260"/>
+            <ac:spMk id="32" creationId="{8761DDFE-071F-4200-B0AA-394476C2D2D6}"/>
+          </ac:spMkLst>
+        </pc:spChg>
+        <pc:spChg chg="add">
+          <ac:chgData name="Nick Xonis" userId="6c6c1556891b75f7" providerId="LiveId" clId="{FE35C0B5-3128-4520-AFB5-7C55F54AF89E}" dt="2023-06-07T05:28:59.020" v="31" actId="26606"/>
+          <ac:spMkLst>
+            <pc:docMk/>
+            <pc:sldMk cId="286391300" sldId="260"/>
+            <ac:spMk id="33" creationId="{0990C621-3B8B-4820-8328-D47EF7CE823C}"/>
+          </ac:spMkLst>
+        </pc:spChg>
+        <pc:spChg chg="add">
+          <ac:chgData name="Nick Xonis" userId="6c6c1556891b75f7" providerId="LiveId" clId="{FE35C0B5-3128-4520-AFB5-7C55F54AF89E}" dt="2023-06-07T05:28:59.020" v="31" actId="26606"/>
+          <ac:spMkLst>
+            <pc:docMk/>
+            <pc:sldMk cId="286391300" sldId="260"/>
+            <ac:spMk id="34" creationId="{385E1BDC-A9B0-4A87-82E3-F3187F69A802}"/>
+          </ac:spMkLst>
+        </pc:spChg>
+        <pc:spChg chg="add">
+          <ac:chgData name="Nick Xonis" userId="6c6c1556891b75f7" providerId="LiveId" clId="{FE35C0B5-3128-4520-AFB5-7C55F54AF89E}" dt="2023-06-07T05:28:59.020" v="31" actId="26606"/>
+          <ac:spMkLst>
+            <pc:docMk/>
+            <pc:sldMk cId="286391300" sldId="260"/>
+            <ac:spMk id="35" creationId="{C1A2385B-1D2A-4E17-84FA-6CB7F0AAE473}"/>
+          </ac:spMkLst>
+        </pc:spChg>
+        <pc:spChg chg="add">
+          <ac:chgData name="Nick Xonis" userId="6c6c1556891b75f7" providerId="LiveId" clId="{FE35C0B5-3128-4520-AFB5-7C55F54AF89E}" dt="2023-06-07T05:28:59.020" v="31" actId="26606"/>
+          <ac:spMkLst>
+            <pc:docMk/>
+            <pc:sldMk cId="286391300" sldId="260"/>
+            <ac:spMk id="37" creationId="{5E791F2F-79DB-4CC0-9FA1-001E3E91E8B7}"/>
+          </ac:spMkLst>
+        </pc:spChg>
+        <pc:grpChg chg="add del">
+          <ac:chgData name="Nick Xonis" userId="6c6c1556891b75f7" providerId="LiveId" clId="{FE35C0B5-3128-4520-AFB5-7C55F54AF89E}" dt="2023-06-07T05:28:59.020" v="31" actId="26606"/>
+          <ac:grpSpMkLst>
+            <pc:docMk/>
+            <pc:sldMk cId="286391300" sldId="260"/>
+            <ac:grpSpMk id="21" creationId="{AE1C45F0-260A-458C-96ED-C1F6D2151219}"/>
+          </ac:grpSpMkLst>
+        </pc:grpChg>
+        <pc:graphicFrameChg chg="add mod modGraphic">
+          <ac:chgData name="Nick Xonis" userId="6c6c1556891b75f7" providerId="LiveId" clId="{FE35C0B5-3128-4520-AFB5-7C55F54AF89E}" dt="2023-06-07T06:03:13.277" v="451" actId="20577"/>
+          <ac:graphicFrameMkLst>
+            <pc:docMk/>
+            <pc:sldMk cId="286391300" sldId="260"/>
+            <ac:graphicFrameMk id="5" creationId="{6E2DAA5E-5A01-0D8A-1CA3-3A8311C980D5}"/>
+          </ac:graphicFrameMkLst>
+        </pc:graphicFrameChg>
+        <pc:picChg chg="mod">
+          <ac:chgData name="Nick Xonis" userId="6c6c1556891b75f7" providerId="LiveId" clId="{FE35C0B5-3128-4520-AFB5-7C55F54AF89E}" dt="2023-06-07T05:28:59.020" v="31" actId="26606"/>
+          <ac:picMkLst>
+            <pc:docMk/>
+            <pc:sldMk cId="286391300" sldId="260"/>
+            <ac:picMk id="4" creationId="{B79E3F70-117B-47C1-D295-1FF015E36C72}"/>
+          </ac:picMkLst>
+        </pc:picChg>
+        <pc:cxnChg chg="add del">
+          <ac:chgData name="Nick Xonis" userId="6c6c1556891b75f7" providerId="LiveId" clId="{FE35C0B5-3128-4520-AFB5-7C55F54AF89E}" dt="2023-06-07T05:28:59.020" v="31" actId="26606"/>
+          <ac:cxnSpMkLst>
+            <pc:docMk/>
+            <pc:sldMk cId="286391300" sldId="260"/>
+            <ac:cxnSpMk id="26" creationId="{6CF1BAF6-AD41-4082-B212-8A1F9A2E8779}"/>
+          </ac:cxnSpMkLst>
+        </pc:cxnChg>
+      </pc:sldChg>
+      <pc:sldChg chg="ord">
+        <pc:chgData name="Nick Xonis" userId="6c6c1556891b75f7" providerId="LiveId" clId="{FE35C0B5-3128-4520-AFB5-7C55F54AF89E}" dt="2023-06-07T05:44:48.484" v="85"/>
+        <pc:sldMkLst>
+          <pc:docMk/>
+          <pc:sldMk cId="2819820644" sldId="264"/>
+        </pc:sldMkLst>
+      </pc:sldChg>
+      <pc:sldChg chg="delSp modSp add mod ord setBg delDesignElem">
+        <pc:chgData name="Nick Xonis" userId="6c6c1556891b75f7" providerId="LiveId" clId="{FE35C0B5-3128-4520-AFB5-7C55F54AF89E}" dt="2023-06-07T06:04:32.174" v="456" actId="790"/>
+        <pc:sldMkLst>
+          <pc:docMk/>
+          <pc:sldMk cId="3300680952" sldId="265"/>
+        </pc:sldMkLst>
+        <pc:spChg chg="mod">
+          <ac:chgData name="Nick Xonis" userId="6c6c1556891b75f7" providerId="LiveId" clId="{FE35C0B5-3128-4520-AFB5-7C55F54AF89E}" dt="2023-06-07T05:48:25.790" v="120" actId="20577"/>
+          <ac:spMkLst>
+            <pc:docMk/>
+            <pc:sldMk cId="3300680952" sldId="265"/>
+            <ac:spMk id="2" creationId="{12CAF73F-FC0E-F8C0-9058-FD0ABFAB17D2}"/>
+          </ac:spMkLst>
+        </pc:spChg>
+        <pc:spChg chg="mod">
+          <ac:chgData name="Nick Xonis" userId="6c6c1556891b75f7" providerId="LiveId" clId="{FE35C0B5-3128-4520-AFB5-7C55F54AF89E}" dt="2023-06-07T06:04:32.174" v="456" actId="790"/>
+          <ac:spMkLst>
+            <pc:docMk/>
+            <pc:sldMk cId="3300680952" sldId="265"/>
+            <ac:spMk id="3" creationId="{C993366B-9BDD-A706-1E85-03553B6D02E9}"/>
+          </ac:spMkLst>
+        </pc:spChg>
+        <pc:spChg chg="del">
+          <ac:chgData name="Nick Xonis" userId="6c6c1556891b75f7" providerId="LiveId" clId="{FE35C0B5-3128-4520-AFB5-7C55F54AF89E}" dt="2023-06-07T05:48:11.289" v="88"/>
+          <ac:spMkLst>
+            <pc:docMk/>
+            <pc:sldMk cId="3300680952" sldId="265"/>
+            <ac:spMk id="2055" creationId="{058A14AF-9FB5-4CC7-BA35-E8E85D3EDF0E}"/>
+          </ac:spMkLst>
+        </pc:spChg>
+        <pc:spChg chg="del">
+          <ac:chgData name="Nick Xonis" userId="6c6c1556891b75f7" providerId="LiveId" clId="{FE35C0B5-3128-4520-AFB5-7C55F54AF89E}" dt="2023-06-07T05:48:11.289" v="88"/>
+          <ac:spMkLst>
+            <pc:docMk/>
+            <pc:sldMk cId="3300680952" sldId="265"/>
+            <ac:spMk id="2057" creationId="{3A9A4357-BD1D-4622-A4FE-766E6AB8DE84}"/>
+          </ac:spMkLst>
+        </pc:spChg>
+        <pc:spChg chg="del">
+          <ac:chgData name="Nick Xonis" userId="6c6c1556891b75f7" providerId="LiveId" clId="{FE35C0B5-3128-4520-AFB5-7C55F54AF89E}" dt="2023-06-07T05:48:11.289" v="88"/>
+          <ac:spMkLst>
+            <pc:docMk/>
+            <pc:sldMk cId="3300680952" sldId="265"/>
+            <ac:spMk id="2059" creationId="{E659831F-0D9A-4C63-9EBB-8435B85A440F}"/>
+          </ac:spMkLst>
+        </pc:spChg>
+        <pc:spChg chg="del">
+          <ac:chgData name="Nick Xonis" userId="6c6c1556891b75f7" providerId="LiveId" clId="{FE35C0B5-3128-4520-AFB5-7C55F54AF89E}" dt="2023-06-07T05:48:11.289" v="88"/>
+          <ac:spMkLst>
+            <pc:docMk/>
+            <pc:sldMk cId="3300680952" sldId="265"/>
+            <ac:spMk id="2061" creationId="{E6995CE5-F890-4ABA-82A2-26507CE8D2A3}"/>
+          </ac:spMkLst>
+        </pc:spChg>
+      </pc:sldChg>
+    </pc:docChg>
+  </pc:docChgLst>
   <pc:docChgLst>
     <pc:chgData name="Nick Xonis" userId="6c6c1556891b75f7" providerId="LiveId" clId="{D4467163-BDB5-4A80-BBD4-4CFBF9737BB9}"/>
     <pc:docChg chg="undo redo custSel addSld modSld">
@@ -2013,7 +2285,7 @@
           <a:p>
             <a:fld id="{2B483AA5-97A8-446D-B3D9-4D085EC343D5}" type="datetimeFigureOut">
               <a:rPr lang="uk-UA" smtClean="0"/>
-              <a:t>06.06.2023</a:t>
+              <a:t>07.06.2023</a:t>
             </a:fld>
             <a:endParaRPr lang="uk-UA"/>
           </a:p>
@@ -2213,7 +2485,7 @@
           <a:p>
             <a:fld id="{2B483AA5-97A8-446D-B3D9-4D085EC343D5}" type="datetimeFigureOut">
               <a:rPr lang="uk-UA" smtClean="0"/>
-              <a:t>06.06.2023</a:t>
+              <a:t>07.06.2023</a:t>
             </a:fld>
             <a:endParaRPr lang="uk-UA"/>
           </a:p>
@@ -2423,7 +2695,7 @@
           <a:p>
             <a:fld id="{2B483AA5-97A8-446D-B3D9-4D085EC343D5}" type="datetimeFigureOut">
               <a:rPr lang="uk-UA" smtClean="0"/>
-              <a:t>06.06.2023</a:t>
+              <a:t>07.06.2023</a:t>
             </a:fld>
             <a:endParaRPr lang="uk-UA"/>
           </a:p>
@@ -2623,7 +2895,7 @@
           <a:p>
             <a:fld id="{2B483AA5-97A8-446D-B3D9-4D085EC343D5}" type="datetimeFigureOut">
               <a:rPr lang="uk-UA" smtClean="0"/>
-              <a:t>06.06.2023</a:t>
+              <a:t>07.06.2023</a:t>
             </a:fld>
             <a:endParaRPr lang="uk-UA"/>
           </a:p>
@@ -2899,7 +3171,7 @@
           <a:p>
             <a:fld id="{2B483AA5-97A8-446D-B3D9-4D085EC343D5}" type="datetimeFigureOut">
               <a:rPr lang="uk-UA" smtClean="0"/>
-              <a:t>06.06.2023</a:t>
+              <a:t>07.06.2023</a:t>
             </a:fld>
             <a:endParaRPr lang="uk-UA"/>
           </a:p>
@@ -3167,7 +3439,7 @@
           <a:p>
             <a:fld id="{2B483AA5-97A8-446D-B3D9-4D085EC343D5}" type="datetimeFigureOut">
               <a:rPr lang="uk-UA" smtClean="0"/>
-              <a:t>06.06.2023</a:t>
+              <a:t>07.06.2023</a:t>
             </a:fld>
             <a:endParaRPr lang="uk-UA"/>
           </a:p>
@@ -3582,7 +3854,7 @@
           <a:p>
             <a:fld id="{2B483AA5-97A8-446D-B3D9-4D085EC343D5}" type="datetimeFigureOut">
               <a:rPr lang="uk-UA" smtClean="0"/>
-              <a:t>06.06.2023</a:t>
+              <a:t>07.06.2023</a:t>
             </a:fld>
             <a:endParaRPr lang="uk-UA"/>
           </a:p>
@@ -3724,7 +3996,7 @@
           <a:p>
             <a:fld id="{2B483AA5-97A8-446D-B3D9-4D085EC343D5}" type="datetimeFigureOut">
               <a:rPr lang="uk-UA" smtClean="0"/>
-              <a:t>06.06.2023</a:t>
+              <a:t>07.06.2023</a:t>
             </a:fld>
             <a:endParaRPr lang="uk-UA"/>
           </a:p>
@@ -3837,7 +4109,7 @@
           <a:p>
             <a:fld id="{2B483AA5-97A8-446D-B3D9-4D085EC343D5}" type="datetimeFigureOut">
               <a:rPr lang="uk-UA" smtClean="0"/>
-              <a:t>06.06.2023</a:t>
+              <a:t>07.06.2023</a:t>
             </a:fld>
             <a:endParaRPr lang="uk-UA"/>
           </a:p>
@@ -4150,7 +4422,7 @@
           <a:p>
             <a:fld id="{2B483AA5-97A8-446D-B3D9-4D085EC343D5}" type="datetimeFigureOut">
               <a:rPr lang="uk-UA" smtClean="0"/>
-              <a:t>06.06.2023</a:t>
+              <a:t>07.06.2023</a:t>
             </a:fld>
             <a:endParaRPr lang="uk-UA"/>
           </a:p>
@@ -4439,7 +4711,7 @@
           <a:p>
             <a:fld id="{2B483AA5-97A8-446D-B3D9-4D085EC343D5}" type="datetimeFigureOut">
               <a:rPr lang="uk-UA" smtClean="0"/>
-              <a:t>06.06.2023</a:t>
+              <a:t>07.06.2023</a:t>
             </a:fld>
             <a:endParaRPr lang="uk-UA"/>
           </a:p>
@@ -4682,7 +4954,7 @@
           <a:p>
             <a:fld id="{2B483AA5-97A8-446D-B3D9-4D085EC343D5}" type="datetimeFigureOut">
               <a:rPr lang="uk-UA" smtClean="0"/>
-              <a:t>06.06.2023</a:t>
+              <a:t>07.06.2023</a:t>
             </a:fld>
             <a:endParaRPr lang="uk-UA"/>
           </a:p>
@@ -5193,6 +5465,274 @@
           </a:p>
         </p:txBody>
       </p:sp>
+      <p:sp>
+        <p:nvSpPr>
+          <p:cNvPr id="4" name="TextBox 3">
+            <a:extLst>
+              <a:ext uri="{FF2B5EF4-FFF2-40B4-BE49-F238E27FC236}">
+                <a16:creationId xmlns:a16="http://schemas.microsoft.com/office/drawing/2014/main" id="{6B0FE319-EF2D-D8B0-36C3-F08EAE1BAAE5}"/>
+              </a:ext>
+            </a:extLst>
+          </p:cNvPr>
+          <p:cNvSpPr txBox="1"/>
+          <p:nvPr/>
+        </p:nvSpPr>
+        <p:spPr>
+          <a:xfrm>
+            <a:off x="7996518" y="5647765"/>
+            <a:ext cx="3836894" cy="646331"/>
+          </a:xfrm>
+          <a:prstGeom prst="rect">
+            <a:avLst/>
+          </a:prstGeom>
+          <a:noFill/>
+        </p:spPr>
+        <p:txBody>
+          <a:bodyPr wrap="square" rtlCol="0">
+            <a:spAutoFit/>
+          </a:bodyPr>
+          <a:lstStyle/>
+          <a:p>
+            <a:r>
+              <a:rPr lang="uk-UA" dirty="0"/>
+              <a:t>Науковий керівник </a:t>
+            </a:r>
+          </a:p>
+          <a:p>
+            <a:r>
+              <a:rPr lang="ru-RU" b="0" i="0" dirty="0" err="1">
+                <a:solidFill>
+                  <a:srgbClr val="222222"/>
+                </a:solidFill>
+                <a:effectLst/>
+                <a:latin typeface="Arial" panose="020B0604020202020204" pitchFamily="34" charset="0"/>
+              </a:rPr>
+              <a:t>Міца</a:t>
+            </a:r>
+            <a:r>
+              <a:rPr lang="ru-RU" b="0" i="0" dirty="0">
+                <a:solidFill>
+                  <a:srgbClr val="222222"/>
+                </a:solidFill>
+                <a:effectLst/>
+                <a:latin typeface="Arial" panose="020B0604020202020204" pitchFamily="34" charset="0"/>
+              </a:rPr>
+              <a:t> Олександр </a:t>
+            </a:r>
+            <a:r>
+              <a:rPr lang="ru-RU" b="0" i="0" dirty="0" err="1">
+                <a:solidFill>
+                  <a:srgbClr val="222222"/>
+                </a:solidFill>
+                <a:effectLst/>
+                <a:latin typeface="Arial" panose="020B0604020202020204" pitchFamily="34" charset="0"/>
+              </a:rPr>
+              <a:t>Володимирович</a:t>
+            </a:r>
+            <a:endParaRPr lang="uk-UA" dirty="0"/>
+          </a:p>
+        </p:txBody>
+      </p:sp>
+      <p:pic>
+        <p:nvPicPr>
+          <p:cNvPr id="5" name="Picture 4">
+            <a:extLst>
+              <a:ext uri="{FF2B5EF4-FFF2-40B4-BE49-F238E27FC236}">
+                <a16:creationId xmlns:a16="http://schemas.microsoft.com/office/drawing/2014/main" id="{973E9922-A9A9-08EB-A359-8ADCBDF321CA}"/>
+              </a:ext>
+            </a:extLst>
+          </p:cNvPr>
+          <p:cNvPicPr>
+            <a:picLocks noChangeAspect="1" noChangeArrowheads="1"/>
+          </p:cNvPicPr>
+          <p:nvPr/>
+        </p:nvPicPr>
+        <p:blipFill>
+          <a:blip r:embed="rId2">
+            <a:extLst>
+              <a:ext uri="{28A0092B-C50C-407E-A947-70E740481C1C}">
+                <a14:useLocalDpi xmlns:a14="http://schemas.microsoft.com/office/drawing/2010/main" val="0"/>
+              </a:ext>
+            </a:extLst>
+          </a:blip>
+          <a:srcRect/>
+          <a:stretch>
+            <a:fillRect/>
+          </a:stretch>
+        </p:blipFill>
+        <p:spPr bwMode="auto">
+          <a:xfrm>
+            <a:off x="277906" y="173038"/>
+            <a:ext cx="1695450" cy="1714500"/>
+          </a:xfrm>
+          <a:prstGeom prst="rect">
+            <a:avLst/>
+          </a:prstGeom>
+          <a:noFill/>
+          <a:ln>
+            <a:noFill/>
+          </a:ln>
+          <a:extLst>
+            <a:ext uri="{909E8E84-426E-40DD-AFC4-6F175D3DCCD1}">
+              <a14:hiddenFill xmlns:a14="http://schemas.microsoft.com/office/drawing/2010/main">
+                <a:solidFill>
+                  <a:srgbClr val="FFFFFF"/>
+                </a:solidFill>
+              </a14:hiddenFill>
+            </a:ext>
+            <a:ext uri="{91240B29-F687-4F45-9708-019B960494DF}">
+              <a14:hiddenLine xmlns:a14="http://schemas.microsoft.com/office/drawing/2010/main" w="9525">
+                <a:solidFill>
+                  <a:srgbClr val="000000"/>
+                </a:solidFill>
+                <a:miter lim="800000"/>
+                <a:headEnd/>
+                <a:tailEnd/>
+              </a14:hiddenLine>
+            </a:ext>
+          </a:extLst>
+        </p:spPr>
+      </p:pic>
+      <p:sp>
+        <p:nvSpPr>
+          <p:cNvPr id="6" name="TextBox 5">
+            <a:extLst>
+              <a:ext uri="{FF2B5EF4-FFF2-40B4-BE49-F238E27FC236}">
+                <a16:creationId xmlns:a16="http://schemas.microsoft.com/office/drawing/2014/main" id="{D9CDAA28-77FB-AB3C-8FF3-ACC18050CD0E}"/>
+              </a:ext>
+            </a:extLst>
+          </p:cNvPr>
+          <p:cNvSpPr txBox="1"/>
+          <p:nvPr/>
+        </p:nvSpPr>
+        <p:spPr>
+          <a:xfrm>
+            <a:off x="2978870" y="386591"/>
+            <a:ext cx="6014301" cy="1200329"/>
+          </a:xfrm>
+          <a:prstGeom prst="rect">
+            <a:avLst/>
+          </a:prstGeom>
+          <a:noFill/>
+        </p:spPr>
+        <p:txBody>
+          <a:bodyPr wrap="square" rtlCol="0">
+            <a:spAutoFit/>
+          </a:bodyPr>
+          <a:lstStyle/>
+          <a:p>
+            <a:pPr algn="ctr"/>
+            <a:r>
+              <a:rPr lang="uk-UA" sz="1800" dirty="0">
+                <a:solidFill>
+                  <a:schemeClr val="tx2">
+                    <a:satMod val="130000"/>
+                  </a:schemeClr>
+                </a:solidFill>
+                <a:latin typeface="+mn-lt"/>
+              </a:rPr>
+              <a:t>Міністерство освіти та науки України</a:t>
+            </a:r>
+            <a:br>
+              <a:rPr lang="uk-UA" sz="1800" dirty="0">
+                <a:solidFill>
+                  <a:schemeClr val="tx2">
+                    <a:satMod val="130000"/>
+                  </a:schemeClr>
+                </a:solidFill>
+                <a:latin typeface="+mn-lt"/>
+              </a:rPr>
+            </a:br>
+            <a:r>
+              <a:rPr lang="uk-UA" sz="1800" dirty="0">
+                <a:solidFill>
+                  <a:schemeClr val="tx2">
+                    <a:satMod val="130000"/>
+                  </a:schemeClr>
+                </a:solidFill>
+                <a:latin typeface="+mn-lt"/>
+              </a:rPr>
+              <a:t>ДВНЗ </a:t>
+            </a:r>
+            <a:r>
+              <a:rPr lang="en-US" sz="1800" dirty="0">
+                <a:solidFill>
+                  <a:schemeClr val="tx2">
+                    <a:satMod val="130000"/>
+                  </a:schemeClr>
+                </a:solidFill>
+                <a:latin typeface="+mn-lt"/>
+              </a:rPr>
+              <a:t>“</a:t>
+            </a:r>
+            <a:r>
+              <a:rPr lang="uk-UA" sz="1800" dirty="0">
+                <a:solidFill>
+                  <a:schemeClr val="tx2">
+                    <a:satMod val="130000"/>
+                  </a:schemeClr>
+                </a:solidFill>
+                <a:latin typeface="+mn-lt"/>
+              </a:rPr>
+              <a:t>Ужгородський національний університет</a:t>
+            </a:r>
+            <a:r>
+              <a:rPr lang="en-US" sz="1800" dirty="0">
+                <a:solidFill>
+                  <a:schemeClr val="tx2">
+                    <a:satMod val="130000"/>
+                  </a:schemeClr>
+                </a:solidFill>
+                <a:latin typeface="+mn-lt"/>
+              </a:rPr>
+              <a:t>”</a:t>
+            </a:r>
+            <a:br>
+              <a:rPr lang="uk-UA" sz="1800" dirty="0">
+                <a:solidFill>
+                  <a:schemeClr val="tx2">
+                    <a:satMod val="130000"/>
+                  </a:schemeClr>
+                </a:solidFill>
+                <a:latin typeface="+mn-lt"/>
+              </a:rPr>
+            </a:br>
+            <a:r>
+              <a:rPr lang="uk-UA" sz="1800" dirty="0">
+                <a:solidFill>
+                  <a:schemeClr val="tx2">
+                    <a:satMod val="130000"/>
+                  </a:schemeClr>
+                </a:solidFill>
+                <a:latin typeface="+mn-lt"/>
+              </a:rPr>
+              <a:t>Факультет інформаційних технологій</a:t>
+            </a:r>
+            <a:br>
+              <a:rPr lang="uk-UA" sz="1800" dirty="0">
+                <a:solidFill>
+                  <a:schemeClr val="tx2">
+                    <a:satMod val="130000"/>
+                  </a:schemeClr>
+                </a:solidFill>
+                <a:latin typeface="+mn-lt"/>
+              </a:rPr>
+            </a:br>
+            <a:r>
+              <a:rPr lang="uk-UA" sz="1800" dirty="0">
+                <a:solidFill>
+                  <a:schemeClr val="tx2">
+                    <a:satMod val="130000"/>
+                  </a:schemeClr>
+                </a:solidFill>
+                <a:latin typeface="+mn-lt"/>
+              </a:rPr>
+              <a:t>Кафедра інформаційних управляючих систем та технологій</a:t>
+            </a:r>
+            <a:endParaRPr lang="uk-UA" dirty="0"/>
+          </a:p>
+        </p:txBody>
+      </p:sp>
     </p:spTree>
     <p:extLst>
       <p:ext uri="{BB962C8B-B14F-4D97-AF65-F5344CB8AC3E}">
@@ -5207,6 +5747,161 @@
 </file>
 
 <file path=ppt/slides/slide2.xml><?xml version="1.0" encoding="utf-8"?>
+<p:sld xmlns:a="http://schemas.openxmlformats.org/drawingml/2006/main" xmlns:r="http://schemas.openxmlformats.org/officeDocument/2006/relationships" xmlns:p="http://schemas.openxmlformats.org/presentationml/2006/main">
+  <p:cSld>
+    <p:spTree>
+      <p:nvGrpSpPr>
+        <p:cNvPr id="1" name=""/>
+        <p:cNvGrpSpPr/>
+        <p:nvPr/>
+      </p:nvGrpSpPr>
+      <p:grpSpPr>
+        <a:xfrm>
+          <a:off x="0" y="0"/>
+          <a:ext cx="0" cy="0"/>
+          <a:chOff x="0" y="0"/>
+          <a:chExt cx="0" cy="0"/>
+        </a:xfrm>
+      </p:grpSpPr>
+      <p:sp>
+        <p:nvSpPr>
+          <p:cNvPr id="2" name="Заголовок 1">
+            <a:extLst>
+              <a:ext uri="{FF2B5EF4-FFF2-40B4-BE49-F238E27FC236}">
+                <a16:creationId xmlns:a16="http://schemas.microsoft.com/office/drawing/2014/main" id="{12CAF73F-FC0E-F8C0-9058-FD0ABFAB17D2}"/>
+              </a:ext>
+            </a:extLst>
+          </p:cNvPr>
+          <p:cNvSpPr>
+            <a:spLocks noGrp="1"/>
+          </p:cNvSpPr>
+          <p:nvPr>
+            <p:ph type="title"/>
+          </p:nvPr>
+        </p:nvSpPr>
+        <p:spPr>
+          <a:xfrm>
+            <a:off x="793662" y="386930"/>
+            <a:ext cx="10066122" cy="1298448"/>
+          </a:xfrm>
+        </p:spPr>
+        <p:txBody>
+          <a:bodyPr anchor="b">
+            <a:normAutofit/>
+          </a:bodyPr>
+          <a:lstStyle/>
+          <a:p>
+            <a:r>
+              <a:rPr lang="uk-UA" sz="4800" dirty="0"/>
+              <a:t>Мета курсової роботи</a:t>
+            </a:r>
+          </a:p>
+        </p:txBody>
+      </p:sp>
+      <p:sp>
+        <p:nvSpPr>
+          <p:cNvPr id="3" name="Объект 2">
+            <a:extLst>
+              <a:ext uri="{FF2B5EF4-FFF2-40B4-BE49-F238E27FC236}">
+                <a16:creationId xmlns:a16="http://schemas.microsoft.com/office/drawing/2014/main" id="{C993366B-9BDD-A706-1E85-03553B6D02E9}"/>
+              </a:ext>
+            </a:extLst>
+          </p:cNvPr>
+          <p:cNvSpPr>
+            <a:spLocks noGrp="1"/>
+          </p:cNvSpPr>
+          <p:nvPr>
+            <p:ph idx="1"/>
+          </p:nvPr>
+        </p:nvSpPr>
+        <p:spPr>
+          <a:xfrm>
+            <a:off x="812862" y="2684819"/>
+            <a:ext cx="9388413" cy="2287232"/>
+          </a:xfrm>
+        </p:spPr>
+        <p:txBody>
+          <a:bodyPr anchor="ctr">
+            <a:normAutofit/>
+          </a:bodyPr>
+          <a:lstStyle/>
+          <a:p>
+            <a:r>
+              <a:rPr lang="uk-UA" b="0" i="0" dirty="0">
+                <a:effectLst/>
+                <a:latin typeface="Söhne"/>
+              </a:rPr>
+              <a:t>Розібратись в механізмі роботі алгоритму </a:t>
+            </a:r>
+            <a:r>
+              <a:rPr lang="uk-UA" b="0" i="0" dirty="0" err="1">
+                <a:effectLst/>
+                <a:latin typeface="Söhne"/>
+              </a:rPr>
+              <a:t>Дейкстри</a:t>
+            </a:r>
+            <a:endParaRPr lang="uk-UA" b="0" i="0" dirty="0">
+              <a:effectLst/>
+              <a:latin typeface="Söhne"/>
+            </a:endParaRPr>
+          </a:p>
+          <a:p>
+            <a:r>
+              <a:rPr lang="uk-UA" b="0" i="0" dirty="0">
+                <a:effectLst/>
+                <a:latin typeface="Söhne"/>
+              </a:rPr>
+              <a:t>Перегляну</a:t>
+            </a:r>
+            <a:r>
+              <a:rPr lang="uk-UA" dirty="0">
+                <a:latin typeface="Söhne"/>
+              </a:rPr>
+              <a:t>ти реальні приклади </a:t>
+            </a:r>
+            <a:r>
+              <a:rPr lang="uk-UA" dirty="0" err="1">
+                <a:latin typeface="Söhne"/>
+              </a:rPr>
+              <a:t>використанн</a:t>
+            </a:r>
+            <a:r>
+              <a:rPr lang="ru-RU" dirty="0">
+                <a:latin typeface="Söhne"/>
+              </a:rPr>
+              <a:t>я алгоритму</a:t>
+            </a:r>
+            <a:endParaRPr lang="uk-UA" dirty="0">
+              <a:latin typeface="Söhne"/>
+            </a:endParaRPr>
+          </a:p>
+          <a:p>
+            <a:r>
+              <a:rPr lang="uk-UA" dirty="0">
+                <a:latin typeface="Söhne"/>
+              </a:rPr>
+              <a:t>Створити інтерактивну програму пошуку найкоротшого шляху простими методами</a:t>
+            </a:r>
+            <a:endParaRPr lang="ru-RU" dirty="0">
+              <a:latin typeface="Söhne"/>
+            </a:endParaRPr>
+          </a:p>
+        </p:txBody>
+      </p:sp>
+    </p:spTree>
+    <p:extLst>
+      <p:ext uri="{BB962C8B-B14F-4D97-AF65-F5344CB8AC3E}">
+        <p14:creationId xmlns:p14="http://schemas.microsoft.com/office/powerpoint/2010/main" val="3300680952"/>
+      </p:ext>
+    </p:extLst>
+  </p:cSld>
+  <p:clrMapOvr>
+    <a:masterClrMapping/>
+  </p:clrMapOvr>
+</p:sld>
+</file>
+
+<file path=ppt/slides/slide3.xml><?xml version="1.0" encoding="utf-8"?>
 <p:sld xmlns:a="http://schemas.openxmlformats.org/drawingml/2006/main" xmlns:r="http://schemas.openxmlformats.org/officeDocument/2006/relationships" xmlns:p="http://schemas.openxmlformats.org/presentationml/2006/main">
   <p:cSld>
     <p:bg>
@@ -5491,256 +6186,11 @@
               <a:buNone/>
             </a:pPr>
             <a:r>
-              <a:rPr lang="ru-RU" b="0" i="0" dirty="0" err="1">
+              <a:rPr lang="uk-UA" b="0" i="0" dirty="0">
                 <a:effectLst/>
                 <a:latin typeface="Söhne"/>
               </a:rPr>
-              <a:t>Пошук</a:t>
-            </a:r>
-            <a:r>
-              <a:rPr lang="ru-RU" b="0" i="0" dirty="0">
-                <a:effectLst/>
-                <a:latin typeface="Söhne"/>
-              </a:rPr>
-              <a:t> </a:t>
-            </a:r>
-            <a:r>
-              <a:rPr lang="ru-RU" b="0" i="0" dirty="0" err="1">
-                <a:effectLst/>
-                <a:latin typeface="Söhne"/>
-              </a:rPr>
-              <a:t>найкоротшого</a:t>
-            </a:r>
-            <a:r>
-              <a:rPr lang="ru-RU" b="0" i="0" dirty="0">
-                <a:effectLst/>
-                <a:latin typeface="Söhne"/>
-              </a:rPr>
-              <a:t> шляху в графах є </a:t>
-            </a:r>
-            <a:r>
-              <a:rPr lang="ru-RU" b="0" i="0" dirty="0" err="1">
-                <a:effectLst/>
-                <a:latin typeface="Söhne"/>
-              </a:rPr>
-              <a:t>важливим</a:t>
-            </a:r>
-            <a:r>
-              <a:rPr lang="ru-RU" b="0" i="0" dirty="0">
-                <a:effectLst/>
-                <a:latin typeface="Söhne"/>
-              </a:rPr>
-              <a:t> і </a:t>
-            </a:r>
-            <a:r>
-              <a:rPr lang="ru-RU" b="0" i="0" dirty="0" err="1">
-                <a:effectLst/>
-                <a:latin typeface="Söhne"/>
-              </a:rPr>
-              <a:t>актуальним</a:t>
-            </a:r>
-            <a:r>
-              <a:rPr lang="ru-RU" b="0" i="0" dirty="0">
-                <a:effectLst/>
-                <a:latin typeface="Söhne"/>
-              </a:rPr>
-              <a:t> </a:t>
-            </a:r>
-            <a:r>
-              <a:rPr lang="ru-RU" b="0" i="0" dirty="0" err="1">
-                <a:effectLst/>
-                <a:latin typeface="Söhne"/>
-              </a:rPr>
-              <a:t>завданням</a:t>
-            </a:r>
-            <a:r>
-              <a:rPr lang="ru-RU" b="0" i="0" dirty="0">
-                <a:effectLst/>
-                <a:latin typeface="Söhne"/>
-              </a:rPr>
-              <a:t> у </a:t>
-            </a:r>
-            <a:r>
-              <a:rPr lang="ru-RU" b="0" i="0" dirty="0" err="1">
-                <a:effectLst/>
-                <a:latin typeface="Söhne"/>
-              </a:rPr>
-              <a:t>багатьох</a:t>
-            </a:r>
-            <a:r>
-              <a:rPr lang="ru-RU" b="0" i="0" dirty="0">
-                <a:effectLst/>
-                <a:latin typeface="Söhne"/>
-              </a:rPr>
-              <a:t> областях. </a:t>
-            </a:r>
-            <a:r>
-              <a:rPr lang="ru-RU" b="0" i="0" dirty="0" err="1">
-                <a:effectLst/>
-                <a:latin typeface="Söhne"/>
-              </a:rPr>
-              <a:t>Основна</a:t>
-            </a:r>
-            <a:r>
-              <a:rPr lang="ru-RU" b="0" i="0" dirty="0">
-                <a:effectLst/>
-                <a:latin typeface="Söhne"/>
-              </a:rPr>
-              <a:t> </a:t>
-            </a:r>
-            <a:r>
-              <a:rPr lang="ru-RU" b="0" i="0" dirty="0" err="1">
-                <a:effectLst/>
-                <a:latin typeface="Söhne"/>
-              </a:rPr>
-              <a:t>важливість</a:t>
-            </a:r>
-            <a:r>
-              <a:rPr lang="ru-RU" b="0" i="0" dirty="0">
-                <a:effectLst/>
-                <a:latin typeface="Söhne"/>
-              </a:rPr>
-              <a:t> </a:t>
-            </a:r>
-            <a:r>
-              <a:rPr lang="ru-RU" b="0" i="0" dirty="0" err="1">
-                <a:effectLst/>
-                <a:latin typeface="Söhne"/>
-              </a:rPr>
-              <a:t>полягає</a:t>
-            </a:r>
-            <a:r>
-              <a:rPr lang="ru-RU" b="0" i="0" dirty="0">
-                <a:effectLst/>
-                <a:latin typeface="Söhne"/>
-              </a:rPr>
-              <a:t> в </a:t>
-            </a:r>
-            <a:r>
-              <a:rPr lang="ru-RU" b="0" i="0" dirty="0" err="1">
-                <a:effectLst/>
-                <a:latin typeface="Söhne"/>
-              </a:rPr>
-              <a:t>ефективному</a:t>
-            </a:r>
-            <a:r>
-              <a:rPr lang="ru-RU" b="0" i="0" dirty="0">
-                <a:effectLst/>
-                <a:latin typeface="Söhne"/>
-              </a:rPr>
-              <a:t> </a:t>
-            </a:r>
-            <a:r>
-              <a:rPr lang="ru-RU" b="0" i="0" dirty="0" err="1">
-                <a:effectLst/>
-                <a:latin typeface="Söhne"/>
-              </a:rPr>
-              <a:t>плануванні</a:t>
-            </a:r>
-            <a:r>
-              <a:rPr lang="ru-RU" b="0" i="0" dirty="0">
-                <a:effectLst/>
-                <a:latin typeface="Söhne"/>
-              </a:rPr>
-              <a:t> та </a:t>
-            </a:r>
-            <a:r>
-              <a:rPr lang="ru-RU" b="0" i="0" dirty="0" err="1">
-                <a:effectLst/>
-                <a:latin typeface="Söhne"/>
-              </a:rPr>
-              <a:t>оптимізації</a:t>
-            </a:r>
-            <a:r>
-              <a:rPr lang="ru-RU" b="0" i="0" dirty="0">
-                <a:effectLst/>
-                <a:latin typeface="Söhne"/>
-              </a:rPr>
-              <a:t> </a:t>
-            </a:r>
-            <a:r>
-              <a:rPr lang="ru-RU" b="0" i="0" dirty="0" err="1">
-                <a:effectLst/>
-                <a:latin typeface="Söhne"/>
-              </a:rPr>
-              <a:t>шляхів</a:t>
-            </a:r>
-            <a:r>
-              <a:rPr lang="ru-RU" b="0" i="0" dirty="0">
-                <a:effectLst/>
-                <a:latin typeface="Söhne"/>
-              </a:rPr>
-              <a:t>, </a:t>
-            </a:r>
-            <a:r>
-              <a:rPr lang="ru-RU" b="0" i="0" dirty="0" err="1">
-                <a:effectLst/>
-                <a:latin typeface="Söhne"/>
-              </a:rPr>
-              <a:t>що</a:t>
-            </a:r>
-            <a:r>
-              <a:rPr lang="ru-RU" b="0" i="0" dirty="0">
-                <a:effectLst/>
-                <a:latin typeface="Söhne"/>
-              </a:rPr>
-              <a:t> </a:t>
-            </a:r>
-            <a:r>
-              <a:rPr lang="ru-RU" b="0" i="0" dirty="0" err="1">
-                <a:effectLst/>
-                <a:latin typeface="Söhne"/>
-              </a:rPr>
-              <a:t>має</a:t>
-            </a:r>
-            <a:r>
-              <a:rPr lang="ru-RU" b="0" i="0" dirty="0">
-                <a:effectLst/>
-                <a:latin typeface="Söhne"/>
-              </a:rPr>
-              <a:t> </a:t>
-            </a:r>
-            <a:r>
-              <a:rPr lang="ru-RU" b="0" i="0" dirty="0" err="1">
-                <a:effectLst/>
-                <a:latin typeface="Söhne"/>
-              </a:rPr>
-              <a:t>значення</a:t>
-            </a:r>
-            <a:r>
-              <a:rPr lang="ru-RU" b="0" i="0" dirty="0">
-                <a:effectLst/>
-                <a:latin typeface="Söhne"/>
-              </a:rPr>
-              <a:t> для </a:t>
-            </a:r>
-            <a:r>
-              <a:rPr lang="ru-RU" b="0" i="0" dirty="0" err="1">
-                <a:effectLst/>
-                <a:latin typeface="Söhne"/>
-              </a:rPr>
-              <a:t>різних</a:t>
-            </a:r>
-            <a:r>
-              <a:rPr lang="ru-RU" b="0" i="0" dirty="0">
-                <a:effectLst/>
-                <a:latin typeface="Söhne"/>
-              </a:rPr>
-              <a:t> систем та </a:t>
-            </a:r>
-            <a:r>
-              <a:rPr lang="ru-RU" b="0" i="0" dirty="0" err="1">
-                <a:effectLst/>
-                <a:latin typeface="Söhne"/>
-              </a:rPr>
-              <a:t>додатків</a:t>
-            </a:r>
-            <a:r>
-              <a:rPr lang="ru-RU" b="0" i="0" dirty="0">
-                <a:effectLst/>
-                <a:latin typeface="Söhne"/>
-              </a:rPr>
-              <a:t>.</a:t>
+              <a:t>Пошук найкоротшого шляху в графах є важливим і актуальним завданням у багатьох областях. Основна важливість полягає в ефективному плануванні та оптимізації шляхів, що має значення для різних систем та додатків.</a:t>
             </a:r>
             <a:endParaRPr lang="uk-UA" dirty="0"/>
           </a:p>
@@ -5813,450 +6263,6 @@
     <p:extLst>
       <p:ext uri="{BB962C8B-B14F-4D97-AF65-F5344CB8AC3E}">
         <p14:creationId xmlns:p14="http://schemas.microsoft.com/office/powerpoint/2010/main" val="3803005450"/>
-      </p:ext>
-    </p:extLst>
-  </p:cSld>
-  <p:clrMapOvr>
-    <a:masterClrMapping/>
-  </p:clrMapOvr>
-</p:sld>
-</file>
-
-<file path=ppt/slides/slide3.xml><?xml version="1.0" encoding="utf-8"?>
-<p:sld xmlns:a="http://schemas.openxmlformats.org/drawingml/2006/main" xmlns:r="http://schemas.openxmlformats.org/officeDocument/2006/relationships" xmlns:p="http://schemas.openxmlformats.org/presentationml/2006/main">
-  <p:cSld>
-    <p:bg>
-      <p:bgPr>
-        <a:solidFill>
-          <a:schemeClr val="bg1"/>
-        </a:solidFill>
-        <a:effectLst/>
-      </p:bgPr>
-    </p:bg>
-    <p:spTree>
-      <p:nvGrpSpPr>
-        <p:cNvPr id="1" name=""/>
-        <p:cNvGrpSpPr/>
-        <p:nvPr/>
-      </p:nvGrpSpPr>
-      <p:grpSpPr>
-        <a:xfrm>
-          <a:off x="0" y="0"/>
-          <a:ext cx="0" cy="0"/>
-          <a:chOff x="0" y="0"/>
-          <a:chExt cx="0" cy="0"/>
-        </a:xfrm>
-      </p:grpSpPr>
-      <p:sp useBgFill="1">
-        <p:nvSpPr>
-          <p:cNvPr id="1031" name="Rectangle 1030">
-            <a:extLst>
-              <a:ext uri="{FF2B5EF4-FFF2-40B4-BE49-F238E27FC236}">
-                <a16:creationId xmlns:a16="http://schemas.microsoft.com/office/drawing/2014/main" id="{058A14AF-9FB5-4CC7-BA35-E8E85D3EDF0E}"/>
-              </a:ext>
-              <a:ext uri="{C183D7F6-B498-43B3-948B-1728B52AA6E4}">
-                <adec:decorative xmlns:adec="http://schemas.microsoft.com/office/drawing/2017/decorative" val="1"/>
-              </a:ext>
-            </a:extLst>
-          </p:cNvPr>
-          <p:cNvSpPr>
-            <a:spLocks noGrp="1" noRot="1" noChangeAspect="1" noMove="1" noResize="1" noEditPoints="1" noAdjustHandles="1" noChangeArrowheads="1" noChangeShapeType="1" noTextEdit="1"/>
-          </p:cNvSpPr>
-          <p:nvPr>
-            <p:extLst>
-              <p:ext uri="{386F3935-93C4-4BCD-93E2-E3B085C9AB24}">
-                <p16:designElem xmlns:p16="http://schemas.microsoft.com/office/powerpoint/2015/main" val="1"/>
-              </p:ext>
-            </p:extLst>
-          </p:nvPr>
-        </p:nvSpPr>
-        <p:spPr>
-          <a:xfrm>
-            <a:off x="0" y="0"/>
-            <a:ext cx="12191999" cy="6857365"/>
-          </a:xfrm>
-          <a:prstGeom prst="rect">
-            <a:avLst/>
-          </a:prstGeom>
-          <a:ln>
-            <a:noFill/>
-          </a:ln>
-        </p:spPr>
-        <p:style>
-          <a:lnRef idx="2">
-            <a:schemeClr val="accent1">
-              <a:shade val="50000"/>
-            </a:schemeClr>
-          </a:lnRef>
-          <a:fillRef idx="1">
-            <a:schemeClr val="accent1"/>
-          </a:fillRef>
-          <a:effectRef idx="0">
-            <a:schemeClr val="accent1"/>
-          </a:effectRef>
-          <a:fontRef idx="minor">
-            <a:schemeClr val="lt1"/>
-          </a:fontRef>
-        </p:style>
-        <p:txBody>
-          <a:bodyPr rtlCol="0" anchor="ctr"/>
-          <a:lstStyle/>
-          <a:p>
-            <a:pPr algn="ctr"/>
-            <a:endParaRPr lang="en-US"/>
-          </a:p>
-        </p:txBody>
-      </p:sp>
-      <p:sp>
-        <p:nvSpPr>
-          <p:cNvPr id="2" name="Заголовок 1">
-            <a:extLst>
-              <a:ext uri="{FF2B5EF4-FFF2-40B4-BE49-F238E27FC236}">
-                <a16:creationId xmlns:a16="http://schemas.microsoft.com/office/drawing/2014/main" id="{47B35215-6EC5-BA68-8589-BD697FE08634}"/>
-              </a:ext>
-            </a:extLst>
-          </p:cNvPr>
-          <p:cNvSpPr>
-            <a:spLocks noGrp="1"/>
-          </p:cNvSpPr>
-          <p:nvPr>
-            <p:ph type="title"/>
-          </p:nvPr>
-        </p:nvSpPr>
-        <p:spPr>
-          <a:xfrm>
-            <a:off x="793662" y="386930"/>
-            <a:ext cx="10066122" cy="1298448"/>
-          </a:xfrm>
-        </p:spPr>
-        <p:txBody>
-          <a:bodyPr anchor="b">
-            <a:normAutofit/>
-          </a:bodyPr>
-          <a:lstStyle/>
-          <a:p>
-            <a:r>
-              <a:rPr lang="ru-RU" sz="4800"/>
-              <a:t>Огляд алгоритму</a:t>
-            </a:r>
-            <a:endParaRPr lang="uk-UA" sz="4800"/>
-          </a:p>
-        </p:txBody>
-      </p:sp>
-      <p:sp>
-        <p:nvSpPr>
-          <p:cNvPr id="1033" name="Rectangle 1032">
-            <a:extLst>
-              <a:ext uri="{FF2B5EF4-FFF2-40B4-BE49-F238E27FC236}">
-                <a16:creationId xmlns:a16="http://schemas.microsoft.com/office/drawing/2014/main" id="{3A9A4357-BD1D-4622-A4FE-766E6AB8DE84}"/>
-              </a:ext>
-              <a:ext uri="{C183D7F6-B498-43B3-948B-1728B52AA6E4}">
-                <adec:decorative xmlns:adec="http://schemas.microsoft.com/office/drawing/2017/decorative" val="1"/>
-              </a:ext>
-            </a:extLst>
-          </p:cNvPr>
-          <p:cNvSpPr>
-            <a:spLocks noGrp="1" noRot="1" noChangeAspect="1" noMove="1" noResize="1" noEditPoints="1" noAdjustHandles="1" noChangeArrowheads="1" noChangeShapeType="1" noTextEdit="1"/>
-          </p:cNvSpPr>
-          <p:nvPr>
-            <p:extLst>
-              <p:ext uri="{386F3935-93C4-4BCD-93E2-E3B085C9AB24}">
-                <p16:designElem xmlns:p16="http://schemas.microsoft.com/office/powerpoint/2015/main" val="1"/>
-              </p:ext>
-            </p:extLst>
-          </p:nvPr>
-        </p:nvSpPr>
-        <p:spPr>
-          <a:xfrm flipH="1" flipV="1">
-            <a:off x="-2" y="1998845"/>
-            <a:ext cx="11454595" cy="781699"/>
-          </a:xfrm>
-          <a:prstGeom prst="rect">
-            <a:avLst/>
-          </a:prstGeom>
-          <a:solidFill>
-            <a:schemeClr val="accent4"/>
-          </a:solidFill>
-          <a:ln>
-            <a:noFill/>
-          </a:ln>
-        </p:spPr>
-        <p:style>
-          <a:lnRef idx="2">
-            <a:schemeClr val="accent1">
-              <a:shade val="50000"/>
-            </a:schemeClr>
-          </a:lnRef>
-          <a:fillRef idx="1">
-            <a:schemeClr val="accent1"/>
-          </a:fillRef>
-          <a:effectRef idx="0">
-            <a:schemeClr val="accent1"/>
-          </a:effectRef>
-          <a:fontRef idx="minor">
-            <a:schemeClr val="lt1"/>
-          </a:fontRef>
-        </p:style>
-        <p:txBody>
-          <a:bodyPr rtlCol="0" anchor="ctr"/>
-          <a:lstStyle/>
-          <a:p>
-            <a:pPr algn="ctr"/>
-            <a:endParaRPr lang="en-US"/>
-          </a:p>
-        </p:txBody>
-      </p:sp>
-      <p:sp>
-        <p:nvSpPr>
-          <p:cNvPr id="1035" name="Rectangle 1034">
-            <a:extLst>
-              <a:ext uri="{FF2B5EF4-FFF2-40B4-BE49-F238E27FC236}">
-                <a16:creationId xmlns:a16="http://schemas.microsoft.com/office/drawing/2014/main" id="{E659831F-0D9A-4C63-9EBB-8435B85A440F}"/>
-              </a:ext>
-              <a:ext uri="{C183D7F6-B498-43B3-948B-1728B52AA6E4}">
-                <adec:decorative xmlns:adec="http://schemas.microsoft.com/office/drawing/2017/decorative" val="1"/>
-              </a:ext>
-            </a:extLst>
-          </p:cNvPr>
-          <p:cNvSpPr>
-            <a:spLocks noGrp="1" noRot="1" noChangeAspect="1" noMove="1" noResize="1" noEditPoints="1" noAdjustHandles="1" noChangeArrowheads="1" noChangeShapeType="1" noTextEdit="1"/>
-          </p:cNvSpPr>
-          <p:nvPr>
-            <p:extLst>
-              <p:ext uri="{386F3935-93C4-4BCD-93E2-E3B085C9AB24}">
-                <p16:designElem xmlns:p16="http://schemas.microsoft.com/office/powerpoint/2015/main" val="1"/>
-              </p:ext>
-            </p:extLst>
-          </p:nvPr>
-        </p:nvSpPr>
-        <p:spPr>
-          <a:xfrm>
-            <a:off x="0" y="2203079"/>
-            <a:ext cx="11383362" cy="4267991"/>
-          </a:xfrm>
-          <a:prstGeom prst="rect">
-            <a:avLst/>
-          </a:prstGeom>
-          <a:solidFill>
-            <a:schemeClr val="bg1"/>
-          </a:solidFill>
-          <a:ln>
-            <a:noFill/>
-          </a:ln>
-          <a:effectLst>
-            <a:outerShdw blurRad="139700" dist="127000" dir="5400000" algn="t" rotWithShape="0">
-              <a:prstClr val="black">
-                <a:alpha val="15000"/>
-              </a:prstClr>
-            </a:outerShdw>
-          </a:effectLst>
-        </p:spPr>
-        <p:style>
-          <a:lnRef idx="2">
-            <a:schemeClr val="accent1">
-              <a:shade val="50000"/>
-            </a:schemeClr>
-          </a:lnRef>
-          <a:fillRef idx="1">
-            <a:schemeClr val="accent1"/>
-          </a:fillRef>
-          <a:effectRef idx="0">
-            <a:schemeClr val="accent1"/>
-          </a:effectRef>
-          <a:fontRef idx="minor">
-            <a:schemeClr val="lt1"/>
-          </a:fontRef>
-        </p:style>
-        <p:txBody>
-          <a:bodyPr rtlCol="0" anchor="ctr"/>
-          <a:lstStyle/>
-          <a:p>
-            <a:pPr algn="ctr"/>
-            <a:endParaRPr lang="en-US"/>
-          </a:p>
-        </p:txBody>
-      </p:sp>
-      <p:sp>
-        <p:nvSpPr>
-          <p:cNvPr id="8" name="Объект 7">
-            <a:extLst>
-              <a:ext uri="{FF2B5EF4-FFF2-40B4-BE49-F238E27FC236}">
-                <a16:creationId xmlns:a16="http://schemas.microsoft.com/office/drawing/2014/main" id="{32163F69-4BFF-1958-44AB-BAF0C0F21567}"/>
-              </a:ext>
-            </a:extLst>
-          </p:cNvPr>
-          <p:cNvSpPr>
-            <a:spLocks noGrp="1"/>
-          </p:cNvSpPr>
-          <p:nvPr>
-            <p:ph idx="1"/>
-          </p:nvPr>
-        </p:nvSpPr>
-        <p:spPr>
-          <a:xfrm>
-            <a:off x="793661" y="2599509"/>
-            <a:ext cx="4530898" cy="3639450"/>
-          </a:xfrm>
-        </p:spPr>
-        <p:txBody>
-          <a:bodyPr anchor="ctr">
-            <a:normAutofit/>
-          </a:bodyPr>
-          <a:lstStyle/>
-          <a:p>
-            <a:pPr marL="342900" indent="-342900">
-              <a:buAutoNum type="arabicPeriod"/>
-            </a:pPr>
-            <a:r>
-              <a:rPr lang="uk-UA" sz="2000" dirty="0"/>
-              <a:t>Встановлюємо вагу стартової вершини на 0</a:t>
-            </a:r>
-          </a:p>
-          <a:p>
-            <a:pPr marL="342900" indent="-342900">
-              <a:buAutoNum type="arabicPeriod"/>
-            </a:pPr>
-            <a:r>
-              <a:rPr lang="uk-UA" sz="2000" dirty="0"/>
-              <a:t>Розглядаємо усі сусідні вершини, встановлюємо для них вагу та обираємо вершину з найменшою вагою</a:t>
-            </a:r>
-          </a:p>
-          <a:p>
-            <a:pPr marL="342900" indent="-342900">
-              <a:buAutoNum type="arabicPeriod"/>
-            </a:pPr>
-            <a:r>
-              <a:rPr lang="uk-UA" sz="2000" dirty="0"/>
-              <a:t>Позначаємо поточну вершину як відвідану </a:t>
-            </a:r>
-          </a:p>
-          <a:p>
-            <a:pPr marL="342900" indent="-342900">
-              <a:buAutoNum type="arabicPeriod"/>
-            </a:pPr>
-            <a:r>
-              <a:rPr lang="uk-UA" sz="2000" dirty="0"/>
-              <a:t>Повторюємо кроки 2 та 3 доки не дійдемо до кінцевої вершини</a:t>
-            </a:r>
-          </a:p>
-          <a:p>
-            <a:endParaRPr lang="uk-UA" sz="2000" dirty="0"/>
-          </a:p>
-        </p:txBody>
-      </p:sp>
-      <p:pic>
-        <p:nvPicPr>
-          <p:cNvPr id="1026" name="Picture 2" descr="Алгоритм Дейкстры нахождения кратчайшего пути">
-            <a:extLst>
-              <a:ext uri="{FF2B5EF4-FFF2-40B4-BE49-F238E27FC236}">
-                <a16:creationId xmlns:a16="http://schemas.microsoft.com/office/drawing/2014/main" id="{5BDB6490-EE6D-2726-A3D6-7423806B39F0}"/>
-              </a:ext>
-            </a:extLst>
-          </p:cNvPr>
-          <p:cNvPicPr>
-            <a:picLocks noChangeAspect="1" noChangeArrowheads="1"/>
-          </p:cNvPicPr>
-          <p:nvPr/>
-        </p:nvPicPr>
-        <p:blipFill>
-          <a:blip r:embed="rId2">
-            <a:extLst>
-              <a:ext uri="{28A0092B-C50C-407E-A947-70E740481C1C}">
-                <a14:useLocalDpi xmlns:a14="http://schemas.microsoft.com/office/drawing/2010/main" val="0"/>
-              </a:ext>
-            </a:extLst>
-          </a:blip>
-          <a:stretch>
-            <a:fillRect/>
-          </a:stretch>
-        </p:blipFill>
-        <p:spPr bwMode="auto">
-          <a:xfrm>
-            <a:off x="6073355" y="2484255"/>
-            <a:ext cx="4826631" cy="3714244"/>
-          </a:xfrm>
-          <a:prstGeom prst="rect">
-            <a:avLst/>
-          </a:prstGeom>
-          <a:noFill/>
-          <a:extLst>
-            <a:ext uri="{909E8E84-426E-40DD-AFC4-6F175D3DCCD1}">
-              <a14:hiddenFill xmlns:a14="http://schemas.microsoft.com/office/drawing/2010/main">
-                <a:solidFill>
-                  <a:srgbClr val="FFFFFF"/>
-                </a:solidFill>
-              </a14:hiddenFill>
-            </a:ext>
-          </a:extLst>
-        </p:spPr>
-      </p:pic>
-      <p:sp>
-        <p:nvSpPr>
-          <p:cNvPr id="1037" name="Rectangle 1036">
-            <a:extLst>
-              <a:ext uri="{FF2B5EF4-FFF2-40B4-BE49-F238E27FC236}">
-                <a16:creationId xmlns:a16="http://schemas.microsoft.com/office/drawing/2014/main" id="{E6995CE5-F890-4ABA-82A2-26507CE8D2A3}"/>
-              </a:ext>
-              <a:ext uri="{C183D7F6-B498-43B3-948B-1728B52AA6E4}">
-                <adec:decorative xmlns:adec="http://schemas.microsoft.com/office/drawing/2017/decorative" val="1"/>
-              </a:ext>
-            </a:extLst>
-          </p:cNvPr>
-          <p:cNvSpPr>
-            <a:spLocks noGrp="1" noRot="1" noChangeAspect="1" noMove="1" noResize="1" noEditPoints="1" noAdjustHandles="1" noChangeArrowheads="1" noChangeShapeType="1" noTextEdit="1"/>
-          </p:cNvSpPr>
-          <p:nvPr>
-            <p:extLst>
-              <p:ext uri="{386F3935-93C4-4BCD-93E2-E3B085C9AB24}">
-                <p16:designElem xmlns:p16="http://schemas.microsoft.com/office/powerpoint/2015/main" val="1"/>
-              </p:ext>
-            </p:extLst>
-          </p:nvPr>
-        </p:nvSpPr>
-        <p:spPr>
-          <a:xfrm rot="5400000">
-            <a:off x="11228040" y="2313027"/>
-            <a:ext cx="781700" cy="152382"/>
-          </a:xfrm>
-          <a:prstGeom prst="rect">
-            <a:avLst/>
-          </a:prstGeom>
-          <a:solidFill>
-            <a:schemeClr val="accent4"/>
-          </a:solidFill>
-          <a:ln>
-            <a:noFill/>
-          </a:ln>
-        </p:spPr>
-        <p:style>
-          <a:lnRef idx="2">
-            <a:schemeClr val="accent1">
-              <a:shade val="50000"/>
-            </a:schemeClr>
-          </a:lnRef>
-          <a:fillRef idx="1">
-            <a:schemeClr val="accent1"/>
-          </a:fillRef>
-          <a:effectRef idx="0">
-            <a:schemeClr val="accent1"/>
-          </a:effectRef>
-          <a:fontRef idx="minor">
-            <a:schemeClr val="lt1"/>
-          </a:fontRef>
-        </p:style>
-        <p:txBody>
-          <a:bodyPr rtlCol="0" anchor="ctr"/>
-          <a:lstStyle/>
-          <a:p>
-            <a:pPr algn="ctr"/>
-            <a:endParaRPr lang="en-US"/>
-          </a:p>
-        </p:txBody>
-      </p:sp>
-    </p:spTree>
-    <p:extLst>
-      <p:ext uri="{BB962C8B-B14F-4D97-AF65-F5344CB8AC3E}">
-        <p14:creationId xmlns:p14="http://schemas.microsoft.com/office/powerpoint/2010/main" val="1451060601"/>
       </p:ext>
     </p:extLst>
   </p:cSld>
@@ -6589,7 +6595,7 @@
               <a:t> </a:t>
             </a:r>
             <a:r>
-              <a:rPr lang="ru-RU" sz="2716" kern="1200" dirty="0" err="1">
+              <a:rPr lang="uk-UA" sz="2716" kern="1200" dirty="0">
                 <a:solidFill>
                   <a:schemeClr val="tx1"/>
                 </a:solidFill>
@@ -6633,7 +6639,7 @@
               <a:t> </a:t>
             </a:r>
             <a:r>
-              <a:rPr lang="ru-RU" sz="2716" kern="1200" dirty="0" err="1">
+              <a:rPr lang="uk-UA" sz="2716" kern="1200" dirty="0">
                 <a:solidFill>
                   <a:schemeClr val="tx1"/>
                 </a:solidFill>
@@ -6655,7 +6661,7 @@
               <a:t> в </a:t>
             </a:r>
             <a:r>
-              <a:rPr lang="ru-RU" sz="2716" kern="1200" dirty="0" err="1">
+              <a:rPr lang="uk-UA" sz="2716" kern="1200" dirty="0">
                 <a:solidFill>
                   <a:schemeClr val="tx1"/>
                 </a:solidFill>
@@ -6716,7 +6722,7 @@
               <a:buChar char="•"/>
             </a:pPr>
             <a:r>
-              <a:rPr lang="ru-RU" sz="2716" kern="1200" dirty="0" err="1">
+              <a:rPr lang="uk-UA" sz="2716" kern="1200" dirty="0">
                 <a:solidFill>
                   <a:schemeClr val="tx1"/>
                 </a:solidFill>
@@ -6852,10 +6858,10 @@
       </p:grpSpPr>
       <p:sp useBgFill="1">
         <p:nvSpPr>
-          <p:cNvPr id="20" name="Rectangle 9">
+          <p:cNvPr id="34" name="Rectangle 30">
             <a:extLst>
               <a:ext uri="{FF2B5EF4-FFF2-40B4-BE49-F238E27FC236}">
-                <a16:creationId xmlns:a16="http://schemas.microsoft.com/office/drawing/2014/main" id="{56E9B3E6-E277-4D68-BA48-9CB43FFBD6E2}"/>
+                <a16:creationId xmlns:a16="http://schemas.microsoft.com/office/drawing/2014/main" id="{385E1BDC-A9B0-4A87-82E3-F3187F69A802}"/>
               </a:ext>
               <a:ext uri="{C183D7F6-B498-43B3-948B-1728B52AA6E4}">
                 <adec:decorative xmlns:adec="http://schemas.microsoft.com/office/drawing/2017/decorative" val="1"/>
@@ -6876,7 +6882,7 @@
         <p:spPr>
           <a:xfrm>
             <a:off x="0" y="0"/>
-            <a:ext cx="12191999" cy="6857365"/>
+            <a:ext cx="12192000" cy="6858000"/>
           </a:xfrm>
           <a:prstGeom prst="rect">
             <a:avLst/>
@@ -6910,224 +6916,12 @@
           </a:p>
         </p:txBody>
       </p:sp>
-      <p:grpSp>
-        <p:nvGrpSpPr>
-          <p:cNvPr id="21" name="Group 11">
+      <p:sp useBgFill="1">
+        <p:nvSpPr>
+          <p:cNvPr id="33" name="Rectangle 32">
             <a:extLst>
               <a:ext uri="{FF2B5EF4-FFF2-40B4-BE49-F238E27FC236}">
-                <a16:creationId xmlns:a16="http://schemas.microsoft.com/office/drawing/2014/main" id="{AE1C45F0-260A-458C-96ED-C1F6D2151219}"/>
-              </a:ext>
-              <a:ext uri="{C183D7F6-B498-43B3-948B-1728B52AA6E4}">
-                <adec:decorative xmlns:adec="http://schemas.microsoft.com/office/drawing/2017/decorative" val="1"/>
-              </a:ext>
-            </a:extLst>
-          </p:cNvPr>
-          <p:cNvGrpSpPr>
-            <a:grpSpLocks noGrp="1" noUngrp="1" noRot="1" noChangeAspect="1" noMove="1" noResize="1"/>
-          </p:cNvGrpSpPr>
-          <p:nvPr>
-            <p:extLst>
-              <p:ext uri="{386F3935-93C4-4BCD-93E2-E3B085C9AB24}">
-                <p16:designElem xmlns:p16="http://schemas.microsoft.com/office/powerpoint/2015/main" val="1"/>
-              </p:ext>
-            </p:extLst>
-          </p:nvPr>
-        </p:nvGrpSpPr>
-        <p:grpSpPr>
-          <a:xfrm>
-            <a:off x="4" y="1216597"/>
-            <a:ext cx="731521" cy="673460"/>
-            <a:chOff x="3940602" y="308034"/>
-            <a:chExt cx="2116791" cy="3428999"/>
-          </a:xfrm>
-          <a:solidFill>
-            <a:schemeClr val="accent4"/>
-          </a:solidFill>
-        </p:grpSpPr>
-        <p:sp>
-          <p:nvSpPr>
-            <p:cNvPr id="22" name="Rectangle 12">
-              <a:extLst>
-                <a:ext uri="{FF2B5EF4-FFF2-40B4-BE49-F238E27FC236}">
-                  <a16:creationId xmlns:a16="http://schemas.microsoft.com/office/drawing/2014/main" id="{A6604B49-AD5C-4590-B051-06C8222ECD99}"/>
-                </a:ext>
-                <a:ext uri="{C183D7F6-B498-43B3-948B-1728B52AA6E4}">
-                  <adec:decorative xmlns:adec="http://schemas.microsoft.com/office/drawing/2017/decorative" val="1"/>
-                </a:ext>
-              </a:extLst>
-            </p:cNvPr>
-            <p:cNvSpPr/>
-            <p:nvPr>
-              <p:extLst>
-                <p:ext uri="{386F3935-93C4-4BCD-93E2-E3B085C9AB24}">
-                  <p16:designElem xmlns:p16="http://schemas.microsoft.com/office/powerpoint/2015/main" val="1"/>
-                </p:ext>
-              </p:extLst>
-            </p:nvPr>
-          </p:nvSpPr>
-          <p:spPr>
-            <a:xfrm>
-              <a:off x="3940602" y="308034"/>
-              <a:ext cx="566743" cy="3428999"/>
-            </a:xfrm>
-            <a:prstGeom prst="rect">
-              <a:avLst/>
-            </a:prstGeom>
-            <a:grpFill/>
-            <a:ln>
-              <a:noFill/>
-            </a:ln>
-          </p:spPr>
-          <p:style>
-            <a:lnRef idx="2">
-              <a:schemeClr val="accent1">
-                <a:shade val="50000"/>
-              </a:schemeClr>
-            </a:lnRef>
-            <a:fillRef idx="1">
-              <a:schemeClr val="accent1"/>
-            </a:fillRef>
-            <a:effectRef idx="0">
-              <a:schemeClr val="accent1"/>
-            </a:effectRef>
-            <a:fontRef idx="minor">
-              <a:schemeClr val="lt1"/>
-            </a:fontRef>
-          </p:style>
-          <p:txBody>
-            <a:bodyPr rtlCol="0" anchor="ctr"/>
-            <a:lstStyle/>
-            <a:p>
-              <a:pPr algn="ctr"/>
-              <a:endParaRPr lang="en-US"/>
-            </a:p>
-          </p:txBody>
-        </p:sp>
-        <p:sp>
-          <p:nvSpPr>
-            <p:cNvPr id="23" name="Rectangle 13">
-              <a:extLst>
-                <a:ext uri="{FF2B5EF4-FFF2-40B4-BE49-F238E27FC236}">
-                  <a16:creationId xmlns:a16="http://schemas.microsoft.com/office/drawing/2014/main" id="{743ECCAF-29C5-4537-947C-7EA1292463DB}"/>
-                </a:ext>
-                <a:ext uri="{C183D7F6-B498-43B3-948B-1728B52AA6E4}">
-                  <adec:decorative xmlns:adec="http://schemas.microsoft.com/office/drawing/2017/decorative" val="1"/>
-                </a:ext>
-              </a:extLst>
-            </p:cNvPr>
-            <p:cNvSpPr/>
-            <p:nvPr>
-              <p:extLst>
-                <p:ext uri="{386F3935-93C4-4BCD-93E2-E3B085C9AB24}">
-                  <p16:designElem xmlns:p16="http://schemas.microsoft.com/office/powerpoint/2015/main" val="1"/>
-                </p:ext>
-              </p:extLst>
-            </p:nvPr>
-          </p:nvSpPr>
-          <p:spPr>
-            <a:xfrm>
-              <a:off x="4715626" y="308034"/>
-              <a:ext cx="566743" cy="3428999"/>
-            </a:xfrm>
-            <a:prstGeom prst="rect">
-              <a:avLst/>
-            </a:prstGeom>
-            <a:grpFill/>
-            <a:ln>
-              <a:noFill/>
-            </a:ln>
-          </p:spPr>
-          <p:style>
-            <a:lnRef idx="2">
-              <a:schemeClr val="accent1">
-                <a:shade val="50000"/>
-              </a:schemeClr>
-            </a:lnRef>
-            <a:fillRef idx="1">
-              <a:schemeClr val="accent1"/>
-            </a:fillRef>
-            <a:effectRef idx="0">
-              <a:schemeClr val="accent1"/>
-            </a:effectRef>
-            <a:fontRef idx="minor">
-              <a:schemeClr val="lt1"/>
-            </a:fontRef>
-          </p:style>
-          <p:txBody>
-            <a:bodyPr rtlCol="0" anchor="ctr"/>
-            <a:lstStyle/>
-            <a:p>
-              <a:pPr algn="ctr"/>
-              <a:endParaRPr lang="en-US"/>
-            </a:p>
-          </p:txBody>
-        </p:sp>
-        <p:sp>
-          <p:nvSpPr>
-            <p:cNvPr id="24" name="Rectangle 14">
-              <a:extLst>
-                <a:ext uri="{FF2B5EF4-FFF2-40B4-BE49-F238E27FC236}">
-                  <a16:creationId xmlns:a16="http://schemas.microsoft.com/office/drawing/2014/main" id="{ED49787B-8DE6-4467-AD0A-8DECC6E0C2D6}"/>
-                </a:ext>
-                <a:ext uri="{C183D7F6-B498-43B3-948B-1728B52AA6E4}">
-                  <adec:decorative xmlns:adec="http://schemas.microsoft.com/office/drawing/2017/decorative" val="1"/>
-                </a:ext>
-              </a:extLst>
-            </p:cNvPr>
-            <p:cNvSpPr/>
-            <p:nvPr>
-              <p:extLst>
-                <p:ext uri="{386F3935-93C4-4BCD-93E2-E3B085C9AB24}">
-                  <p16:designElem xmlns:p16="http://schemas.microsoft.com/office/powerpoint/2015/main" val="1"/>
-                </p:ext>
-              </p:extLst>
-            </p:nvPr>
-          </p:nvSpPr>
-          <p:spPr>
-            <a:xfrm>
-              <a:off x="5490650" y="308034"/>
-              <a:ext cx="566743" cy="3428999"/>
-            </a:xfrm>
-            <a:prstGeom prst="rect">
-              <a:avLst/>
-            </a:prstGeom>
-            <a:grpFill/>
-            <a:ln>
-              <a:noFill/>
-            </a:ln>
-          </p:spPr>
-          <p:style>
-            <a:lnRef idx="2">
-              <a:schemeClr val="accent1">
-                <a:shade val="50000"/>
-              </a:schemeClr>
-            </a:lnRef>
-            <a:fillRef idx="1">
-              <a:schemeClr val="accent1"/>
-            </a:fillRef>
-            <a:effectRef idx="0">
-              <a:schemeClr val="accent1"/>
-            </a:effectRef>
-            <a:fontRef idx="minor">
-              <a:schemeClr val="lt1"/>
-            </a:fontRef>
-          </p:style>
-          <p:txBody>
-            <a:bodyPr rtlCol="0" anchor="ctr"/>
-            <a:lstStyle/>
-            <a:p>
-              <a:pPr algn="ctr"/>
-              <a:endParaRPr lang="en-US"/>
-            </a:p>
-          </p:txBody>
-        </p:sp>
-      </p:grpSp>
-      <p:sp>
-        <p:nvSpPr>
-          <p:cNvPr id="25" name="Rectangle 16">
-            <a:extLst>
-              <a:ext uri="{FF2B5EF4-FFF2-40B4-BE49-F238E27FC236}">
-                <a16:creationId xmlns:a16="http://schemas.microsoft.com/office/drawing/2014/main" id="{D5B0017B-2ECA-49AF-B397-DC140825DF8D}"/>
+                <a16:creationId xmlns:a16="http://schemas.microsoft.com/office/drawing/2014/main" id="{0990C621-3B8B-4820-8328-D47EF7CE823C}"/>
               </a:ext>
               <a:ext uri="{C183D7F6-B498-43B3-948B-1728B52AA6E4}">
                 <adec:decorative xmlns:adec="http://schemas.microsoft.com/office/drawing/2017/decorative" val="1"/>
@@ -7147,23 +6941,23 @@
         </p:nvSpPr>
         <p:spPr>
           <a:xfrm>
-            <a:off x="640079" y="613954"/>
-            <a:ext cx="10907487" cy="1894116"/>
+            <a:off x="554416" y="365125"/>
+            <a:ext cx="11167447" cy="2089317"/>
           </a:xfrm>
           <a:prstGeom prst="rect">
             <a:avLst/>
           </a:prstGeom>
-          <a:solidFill>
-            <a:schemeClr val="bg1"/>
-          </a:solidFill>
-          <a:ln>
-            <a:noFill/>
+          <a:ln w="12700">
+            <a:solidFill>
+              <a:srgbClr val="DEDEDE"/>
+            </a:solidFill>
           </a:ln>
           <a:effectLst>
-            <a:outerShdw blurRad="139700" dist="127000" dir="5400000" algn="t" rotWithShape="0">
-              <a:prstClr val="black">
-                <a:alpha val="15000"/>
-              </a:prstClr>
+            <a:outerShdw blurRad="50800" dist="38100" dir="2700000" algn="tl" rotWithShape="0">
+              <a:schemeClr val="bg2">
+                <a:lumMod val="85000"/>
+                <a:alpha val="50000"/>
+              </a:schemeClr>
             </a:outerShdw>
           </a:effectLst>
         </p:spPr>
@@ -7187,8 +6981,37 @@
           <a:bodyPr rtlCol="0" anchor="ctr"/>
           <a:lstStyle/>
           <a:p>
-            <a:pPr algn="ctr"/>
-            <a:endParaRPr lang="en-US"/>
+            <a:pPr marL="0" marR="0" lvl="0" indent="0" algn="ctr" defTabSz="914400" rtl="0" eaLnBrk="1" fontAlgn="auto" latinLnBrk="0" hangingPunct="1">
+              <a:lnSpc>
+                <a:spcPct val="100000"/>
+              </a:lnSpc>
+              <a:spcBef>
+                <a:spcPts val="0"/>
+              </a:spcBef>
+              <a:spcAft>
+                <a:spcPts val="0"/>
+              </a:spcAft>
+              <a:buClrTx/>
+              <a:buSzTx/>
+              <a:buFontTx/>
+              <a:buNone/>
+              <a:tabLst/>
+              <a:defRPr/>
+            </a:pPr>
+            <a:endParaRPr kumimoji="0" lang="en-US" sz="1800" b="0" i="0" u="none" strike="noStrike" kern="1200" cap="none" spc="0" normalizeH="0" baseline="0" noProof="0">
+              <a:ln>
+                <a:noFill/>
+              </a:ln>
+              <a:solidFill>
+                <a:prstClr val="white"/>
+              </a:solidFill>
+              <a:effectLst/>
+              <a:uLnTx/>
+              <a:uFillTx/>
+              <a:latin typeface="Calibri" panose="020F0502020204030204"/>
+              <a:ea typeface="+mn-ea"/>
+              <a:cs typeface="+mn-cs"/>
+            </a:endParaRPr>
           </a:p>
         </p:txBody>
       </p:sp>
@@ -7210,42 +7033,38 @@
         </p:nvSpPr>
         <p:spPr>
           <a:xfrm>
-            <a:off x="1043631" y="809898"/>
-            <a:ext cx="10173010" cy="1554480"/>
+            <a:off x="1051560" y="586822"/>
+            <a:ext cx="3657600" cy="1645920"/>
           </a:xfrm>
         </p:spPr>
         <p:txBody>
-          <a:bodyPr anchor="ctr">
+          <a:bodyPr vert="horz" lIns="91440" tIns="45720" rIns="91440" bIns="45720" rtlCol="0" anchor="ctr">
             <a:normAutofit/>
           </a:bodyPr>
           <a:lstStyle/>
           <a:p>
             <a:r>
-              <a:rPr lang="ru-RU"/>
-              <a:t>Приклад роботи алгоритму за допомогою таблиц</a:t>
-            </a:r>
-            <a:r>
-              <a:rPr lang="uk-UA"/>
-              <a:t>і найкоротших шляхів</a:t>
+              <a:rPr lang="en-US" sz="2700"/>
+              <a:t>Приклад роботи алгоритму за допомогою таблиці найкоротших шляхів</a:t>
             </a:r>
           </a:p>
         </p:txBody>
       </p:sp>
-      <p:cxnSp>
-        <p:nvCxnSpPr>
-          <p:cNvPr id="26" name="Straight Connector 18">
+      <p:sp>
+        <p:nvSpPr>
+          <p:cNvPr id="35" name="Rectangle 34">
             <a:extLst>
               <a:ext uri="{FF2B5EF4-FFF2-40B4-BE49-F238E27FC236}">
-                <a16:creationId xmlns:a16="http://schemas.microsoft.com/office/drawing/2014/main" id="{6CF1BAF6-AD41-4082-B212-8A1F9A2E8779}"/>
+                <a16:creationId xmlns:a16="http://schemas.microsoft.com/office/drawing/2014/main" id="{C1A2385B-1D2A-4E17-84FA-6CB7F0AAE473}"/>
               </a:ext>
               <a:ext uri="{C183D7F6-B498-43B3-948B-1728B52AA6E4}">
                 <adec:decorative xmlns:adec="http://schemas.microsoft.com/office/drawing/2017/decorative" val="1"/>
               </a:ext>
             </a:extLst>
           </p:cNvPr>
-          <p:cNvCxnSpPr>
-            <a:cxnSpLocks noGrp="1" noRot="1" noChangeAspect="1" noMove="1" noResize="1" noEditPoints="1" noAdjustHandles="1" noChangeArrowheads="1" noChangeShapeType="1"/>
-          </p:cNvCxnSpPr>
+          <p:cNvSpPr>
+            <a:spLocks noGrp="1" noRot="1" noChangeAspect="1" noMove="1" noResize="1" noEditPoints="1" noAdjustHandles="1" noChangeArrowheads="1" noChangeShapeType="1" noTextEdit="1"/>
+          </p:cNvSpPr>
           <p:nvPr>
             <p:extLst>
               <p:ext uri="{386F3935-93C4-4BCD-93E2-E3B085C9AB24}">
@@ -7253,36 +7072,393 @@
               </p:ext>
             </p:extLst>
           </p:nvPr>
-        </p:nvCxnSpPr>
+        </p:nvSpPr>
         <p:spPr>
-          <a:xfrm flipH="1">
-            <a:off x="838200" y="6485313"/>
-            <a:ext cx="10515600" cy="0"/>
+          <a:xfrm>
+            <a:off x="490408" y="1057739"/>
+            <a:ext cx="128016" cy="704088"/>
           </a:xfrm>
-          <a:prstGeom prst="line">
+          <a:prstGeom prst="rect">
             <a:avLst/>
           </a:prstGeom>
-          <a:ln w="57150">
-            <a:solidFill>
-              <a:schemeClr val="accent4"/>
-            </a:solidFill>
+          <a:solidFill>
+            <a:schemeClr val="accent2"/>
+          </a:solidFill>
+          <a:ln>
+            <a:noFill/>
           </a:ln>
         </p:spPr>
         <p:style>
-          <a:lnRef idx="1">
-            <a:schemeClr val="accent1"/>
+          <a:lnRef idx="2">
+            <a:schemeClr val="accent1">
+              <a:shade val="50000"/>
+            </a:schemeClr>
           </a:lnRef>
-          <a:fillRef idx="0">
+          <a:fillRef idx="1">
             <a:schemeClr val="accent1"/>
           </a:fillRef>
           <a:effectRef idx="0">
             <a:schemeClr val="accent1"/>
           </a:effectRef>
           <a:fontRef idx="minor">
-            <a:schemeClr val="tx1"/>
+            <a:schemeClr val="lt1"/>
           </a:fontRef>
         </p:style>
-      </p:cxnSp>
+        <p:txBody>
+          <a:bodyPr rtlCol="0" anchor="ctr"/>
+          <a:lstStyle/>
+          <a:p>
+            <a:pPr algn="ctr"/>
+            <a:endParaRPr lang="en-US" dirty="0">
+              <a:solidFill>
+                <a:prstClr val="white"/>
+              </a:solidFill>
+              <a:latin typeface="Calibri" panose="020F0502020204030204"/>
+            </a:endParaRPr>
+          </a:p>
+        </p:txBody>
+      </p:sp>
+      <p:sp>
+        <p:nvSpPr>
+          <p:cNvPr id="37" name="Rectangle 36">
+            <a:extLst>
+              <a:ext uri="{FF2B5EF4-FFF2-40B4-BE49-F238E27FC236}">
+                <a16:creationId xmlns:a16="http://schemas.microsoft.com/office/drawing/2014/main" id="{5E791F2F-79DB-4CC0-9FA1-001E3E91E8B7}"/>
+              </a:ext>
+              <a:ext uri="{C183D7F6-B498-43B3-948B-1728B52AA6E4}">
+                <adec:decorative xmlns:adec="http://schemas.microsoft.com/office/drawing/2017/decorative" val="1"/>
+              </a:ext>
+            </a:extLst>
+          </p:cNvPr>
+          <p:cNvSpPr>
+            <a:spLocks noGrp="1" noRot="1" noChangeAspect="1" noMove="1" noResize="1" noEditPoints="1" noAdjustHandles="1" noChangeArrowheads="1" noChangeShapeType="1" noTextEdit="1"/>
+          </p:cNvSpPr>
+          <p:nvPr>
+            <p:extLst>
+              <p:ext uri="{386F3935-93C4-4BCD-93E2-E3B085C9AB24}">
+                <p16:designElem xmlns:p16="http://schemas.microsoft.com/office/powerpoint/2015/main" val="1"/>
+              </p:ext>
+            </p:extLst>
+          </p:nvPr>
+        </p:nvSpPr>
+        <p:spPr>
+          <a:xfrm rot="5400000">
+            <a:off x="4243541" y="1400638"/>
+            <a:ext cx="1463040" cy="18288"/>
+          </a:xfrm>
+          <a:prstGeom prst="rect">
+            <a:avLst/>
+          </a:prstGeom>
+          <a:solidFill>
+            <a:srgbClr val="D5D5D5"/>
+          </a:solidFill>
+          <a:ln w="3175">
+            <a:noFill/>
+          </a:ln>
+          <a:effectLst/>
+        </p:spPr>
+        <p:style>
+          <a:lnRef idx="2">
+            <a:schemeClr val="accent1">
+              <a:shade val="50000"/>
+            </a:schemeClr>
+          </a:lnRef>
+          <a:fillRef idx="1">
+            <a:schemeClr val="accent1"/>
+          </a:fillRef>
+          <a:effectRef idx="0">
+            <a:schemeClr val="accent1"/>
+          </a:effectRef>
+          <a:fontRef idx="minor">
+            <a:schemeClr val="lt1"/>
+          </a:fontRef>
+        </p:style>
+        <p:txBody>
+          <a:bodyPr rtlCol="0" anchor="ctr"/>
+          <a:lstStyle/>
+          <a:p>
+            <a:pPr marL="0" marR="0" lvl="0" indent="0" algn="ctr" defTabSz="914400" rtl="0" eaLnBrk="1" fontAlgn="auto" latinLnBrk="0" hangingPunct="1">
+              <a:lnSpc>
+                <a:spcPct val="100000"/>
+              </a:lnSpc>
+              <a:spcBef>
+                <a:spcPts val="0"/>
+              </a:spcBef>
+              <a:spcAft>
+                <a:spcPts val="0"/>
+              </a:spcAft>
+              <a:buClrTx/>
+              <a:buSzTx/>
+              <a:buFontTx/>
+              <a:buNone/>
+              <a:tabLst/>
+              <a:defRPr/>
+            </a:pPr>
+            <a:endParaRPr kumimoji="0" lang="en-US" sz="1800" b="0" i="0" u="none" strike="noStrike" kern="1200" cap="none" spc="0" normalizeH="0" baseline="0" noProof="0">
+              <a:ln>
+                <a:noFill/>
+              </a:ln>
+              <a:solidFill>
+                <a:prstClr val="white"/>
+              </a:solidFill>
+              <a:effectLst/>
+              <a:uLnTx/>
+              <a:uFillTx/>
+              <a:latin typeface="Calibri" panose="020F0502020204030204"/>
+              <a:ea typeface="+mn-ea"/>
+              <a:cs typeface="+mn-cs"/>
+            </a:endParaRPr>
+          </a:p>
+        </p:txBody>
+      </p:sp>
+      <p:sp>
+        <p:nvSpPr>
+          <p:cNvPr id="3" name="Объект 7">
+            <a:extLst>
+              <a:ext uri="{FF2B5EF4-FFF2-40B4-BE49-F238E27FC236}">
+                <a16:creationId xmlns:a16="http://schemas.microsoft.com/office/drawing/2014/main" id="{74D49ACC-9AF2-9894-A3D2-A5083E19D7F9}"/>
+              </a:ext>
+            </a:extLst>
+          </p:cNvPr>
+          <p:cNvSpPr txBox="1">
+            <a:spLocks/>
+          </p:cNvSpPr>
+          <p:nvPr/>
+        </p:nvSpPr>
+        <p:spPr>
+          <a:xfrm>
+            <a:off x="5250106" y="586822"/>
+            <a:ext cx="6106742" cy="1645920"/>
+          </a:xfrm>
+          <a:prstGeom prst="rect">
+            <a:avLst/>
+          </a:prstGeom>
+        </p:spPr>
+        <p:txBody>
+          <a:bodyPr vert="horz" lIns="91440" tIns="45720" rIns="91440" bIns="45720" rtlCol="0" anchor="ctr">
+            <a:normAutofit/>
+          </a:bodyPr>
+          <a:lstStyle>
+            <a:lvl1pPr marL="228600" indent="-228600" algn="l" defTabSz="914400" rtl="0" eaLnBrk="1" latinLnBrk="0" hangingPunct="1">
+              <a:lnSpc>
+                <a:spcPct val="90000"/>
+              </a:lnSpc>
+              <a:spcBef>
+                <a:spcPts val="1000"/>
+              </a:spcBef>
+              <a:buFont typeface="Arial" panose="020B0604020202020204" pitchFamily="34" charset="0"/>
+              <a:buChar char="•"/>
+              <a:defRPr sz="2800" kern="1200">
+                <a:solidFill>
+                  <a:schemeClr val="tx1"/>
+                </a:solidFill>
+                <a:latin typeface="+mn-lt"/>
+                <a:ea typeface="+mn-ea"/>
+                <a:cs typeface="+mn-cs"/>
+              </a:defRPr>
+            </a:lvl1pPr>
+            <a:lvl2pPr marL="685800" indent="-228600" algn="l" defTabSz="914400" rtl="0" eaLnBrk="1" latinLnBrk="0" hangingPunct="1">
+              <a:lnSpc>
+                <a:spcPct val="90000"/>
+              </a:lnSpc>
+              <a:spcBef>
+                <a:spcPts val="500"/>
+              </a:spcBef>
+              <a:buFont typeface="Arial" panose="020B0604020202020204" pitchFamily="34" charset="0"/>
+              <a:buChar char="•"/>
+              <a:defRPr sz="2400" kern="1200">
+                <a:solidFill>
+                  <a:schemeClr val="tx1"/>
+                </a:solidFill>
+                <a:latin typeface="+mn-lt"/>
+                <a:ea typeface="+mn-ea"/>
+                <a:cs typeface="+mn-cs"/>
+              </a:defRPr>
+            </a:lvl2pPr>
+            <a:lvl3pPr marL="1143000" indent="-228600" algn="l" defTabSz="914400" rtl="0" eaLnBrk="1" latinLnBrk="0" hangingPunct="1">
+              <a:lnSpc>
+                <a:spcPct val="90000"/>
+              </a:lnSpc>
+              <a:spcBef>
+                <a:spcPts val="500"/>
+              </a:spcBef>
+              <a:buFont typeface="Arial" panose="020B0604020202020204" pitchFamily="34" charset="0"/>
+              <a:buChar char="•"/>
+              <a:defRPr sz="2000" kern="1200">
+                <a:solidFill>
+                  <a:schemeClr val="tx1"/>
+                </a:solidFill>
+                <a:latin typeface="+mn-lt"/>
+                <a:ea typeface="+mn-ea"/>
+                <a:cs typeface="+mn-cs"/>
+              </a:defRPr>
+            </a:lvl3pPr>
+            <a:lvl4pPr marL="1600200" indent="-228600" algn="l" defTabSz="914400" rtl="0" eaLnBrk="1" latinLnBrk="0" hangingPunct="1">
+              <a:lnSpc>
+                <a:spcPct val="90000"/>
+              </a:lnSpc>
+              <a:spcBef>
+                <a:spcPts val="500"/>
+              </a:spcBef>
+              <a:buFont typeface="Arial" panose="020B0604020202020204" pitchFamily="34" charset="0"/>
+              <a:buChar char="•"/>
+              <a:defRPr sz="1800" kern="1200">
+                <a:solidFill>
+                  <a:schemeClr val="tx1"/>
+                </a:solidFill>
+                <a:latin typeface="+mn-lt"/>
+                <a:ea typeface="+mn-ea"/>
+                <a:cs typeface="+mn-cs"/>
+              </a:defRPr>
+            </a:lvl4pPr>
+            <a:lvl5pPr marL="2057400" indent="-228600" algn="l" defTabSz="914400" rtl="0" eaLnBrk="1" latinLnBrk="0" hangingPunct="1">
+              <a:lnSpc>
+                <a:spcPct val="90000"/>
+              </a:lnSpc>
+              <a:spcBef>
+                <a:spcPts val="500"/>
+              </a:spcBef>
+              <a:buFont typeface="Arial" panose="020B0604020202020204" pitchFamily="34" charset="0"/>
+              <a:buChar char="•"/>
+              <a:defRPr sz="1800" kern="1200">
+                <a:solidFill>
+                  <a:schemeClr val="tx1"/>
+                </a:solidFill>
+                <a:latin typeface="+mn-lt"/>
+                <a:ea typeface="+mn-ea"/>
+                <a:cs typeface="+mn-cs"/>
+              </a:defRPr>
+            </a:lvl5pPr>
+            <a:lvl6pPr marL="2514600" indent="-228600" algn="l" defTabSz="914400" rtl="0" eaLnBrk="1" latinLnBrk="0" hangingPunct="1">
+              <a:lnSpc>
+                <a:spcPct val="90000"/>
+              </a:lnSpc>
+              <a:spcBef>
+                <a:spcPts val="500"/>
+              </a:spcBef>
+              <a:buFont typeface="Arial" panose="020B0604020202020204" pitchFamily="34" charset="0"/>
+              <a:buChar char="•"/>
+              <a:defRPr sz="1800" kern="1200">
+                <a:solidFill>
+                  <a:schemeClr val="tx1"/>
+                </a:solidFill>
+                <a:latin typeface="+mn-lt"/>
+                <a:ea typeface="+mn-ea"/>
+                <a:cs typeface="+mn-cs"/>
+              </a:defRPr>
+            </a:lvl6pPr>
+            <a:lvl7pPr marL="2971800" indent="-228600" algn="l" defTabSz="914400" rtl="0" eaLnBrk="1" latinLnBrk="0" hangingPunct="1">
+              <a:lnSpc>
+                <a:spcPct val="90000"/>
+              </a:lnSpc>
+              <a:spcBef>
+                <a:spcPts val="500"/>
+              </a:spcBef>
+              <a:buFont typeface="Arial" panose="020B0604020202020204" pitchFamily="34" charset="0"/>
+              <a:buChar char="•"/>
+              <a:defRPr sz="1800" kern="1200">
+                <a:solidFill>
+                  <a:schemeClr val="tx1"/>
+                </a:solidFill>
+                <a:latin typeface="+mn-lt"/>
+                <a:ea typeface="+mn-ea"/>
+                <a:cs typeface="+mn-cs"/>
+              </a:defRPr>
+            </a:lvl7pPr>
+            <a:lvl8pPr marL="3429000" indent="-228600" algn="l" defTabSz="914400" rtl="0" eaLnBrk="1" latinLnBrk="0" hangingPunct="1">
+              <a:lnSpc>
+                <a:spcPct val="90000"/>
+              </a:lnSpc>
+              <a:spcBef>
+                <a:spcPts val="500"/>
+              </a:spcBef>
+              <a:buFont typeface="Arial" panose="020B0604020202020204" pitchFamily="34" charset="0"/>
+              <a:buChar char="•"/>
+              <a:defRPr sz="1800" kern="1200">
+                <a:solidFill>
+                  <a:schemeClr val="tx1"/>
+                </a:solidFill>
+                <a:latin typeface="+mn-lt"/>
+                <a:ea typeface="+mn-ea"/>
+                <a:cs typeface="+mn-cs"/>
+              </a:defRPr>
+            </a:lvl8pPr>
+            <a:lvl9pPr marL="3886200" indent="-228600" algn="l" defTabSz="914400" rtl="0" eaLnBrk="1" latinLnBrk="0" hangingPunct="1">
+              <a:lnSpc>
+                <a:spcPct val="90000"/>
+              </a:lnSpc>
+              <a:spcBef>
+                <a:spcPts val="500"/>
+              </a:spcBef>
+              <a:buFont typeface="Arial" panose="020B0604020202020204" pitchFamily="34" charset="0"/>
+              <a:buChar char="•"/>
+              <a:defRPr sz="1800" kern="1200">
+                <a:solidFill>
+                  <a:schemeClr val="tx1"/>
+                </a:solidFill>
+                <a:latin typeface="+mn-lt"/>
+                <a:ea typeface="+mn-ea"/>
+                <a:cs typeface="+mn-cs"/>
+              </a:defRPr>
+            </a:lvl9pPr>
+          </a:lstStyle>
+          <a:p>
+            <a:pPr marL="114300" indent="0">
+              <a:buNone/>
+            </a:pPr>
+            <a:r>
+              <a:rPr lang="ru-RU" sz="1500" dirty="0"/>
+              <a:t>1. </a:t>
+            </a:r>
+            <a:r>
+              <a:rPr lang="uk-UA" sz="1500" dirty="0"/>
+              <a:t>Встановлюємо вагу стартової вершини на 0</a:t>
+            </a:r>
+          </a:p>
+          <a:p>
+            <a:pPr marL="114300" indent="0">
+              <a:buNone/>
+            </a:pPr>
+            <a:r>
+              <a:rPr lang="ru-RU" sz="1500" dirty="0"/>
+              <a:t>2. </a:t>
+            </a:r>
+            <a:r>
+              <a:rPr lang="uk-UA" sz="1500" dirty="0"/>
+              <a:t>Розглядаємо усі сусідні вершини, встановлюємо для них вагу та обираємо вершину з найменшою вагою</a:t>
+            </a:r>
+          </a:p>
+          <a:p>
+            <a:pPr marL="114300" indent="0">
+              <a:buNone/>
+            </a:pPr>
+            <a:r>
+              <a:rPr lang="ru-RU" sz="1500" dirty="0"/>
+              <a:t>3. </a:t>
+            </a:r>
+            <a:r>
+              <a:rPr lang="uk-UA" sz="1500" dirty="0"/>
+              <a:t>Позначаємо поточну вершину як відвідану </a:t>
+            </a:r>
+          </a:p>
+          <a:p>
+            <a:pPr marL="114300" indent="0">
+              <a:buNone/>
+            </a:pPr>
+            <a:r>
+              <a:rPr lang="ru-RU" sz="1500" dirty="0"/>
+              <a:t>4. </a:t>
+            </a:r>
+            <a:r>
+              <a:rPr lang="uk-UA" sz="1500" dirty="0"/>
+              <a:t>Повторюємо кроки 2 та 3 доки не дійдемо до кінцевої вершини</a:t>
+            </a:r>
+          </a:p>
+          <a:p>
+            <a:endParaRPr lang="en-US" sz="1500" dirty="0"/>
+          </a:p>
+        </p:txBody>
+      </p:sp>
       <p:pic>
         <p:nvPicPr>
           <p:cNvPr id="4" name="Picture 2" descr="Алгоритм Дейкстры нахождения кратчайшего пути">
@@ -7313,8 +7489,8 @@
         </p:blipFill>
         <p:spPr bwMode="auto">
           <a:xfrm>
-            <a:off x="928244" y="3017519"/>
-            <a:ext cx="4171243" cy="3209902"/>
+            <a:off x="1034910" y="2729397"/>
+            <a:ext cx="4527254" cy="3483864"/>
           </a:xfrm>
           <a:prstGeom prst="rect">
             <a:avLst/>
@@ -7346,65 +7522,66 @@
           <p:nvPr>
             <p:extLst>
               <p:ext uri="{D42A27DB-BD31-4B8C-83A1-F6EECF244321}">
-                <p14:modId xmlns:p14="http://schemas.microsoft.com/office/powerpoint/2010/main" val="152675735"/>
+                <p14:modId xmlns:p14="http://schemas.microsoft.com/office/powerpoint/2010/main" val="1437260844"/>
               </p:ext>
             </p:extLst>
           </p:nvPr>
         </p:nvGraphicFramePr>
         <p:xfrm>
-          <a:off x="5512345" y="3609054"/>
-          <a:ext cx="6197597" cy="2560320"/>
+          <a:off x="6198781" y="2944682"/>
+          <a:ext cx="5523085" cy="3053295"/>
         </p:xfrm>
         <a:graphic>
           <a:graphicData uri="http://schemas.openxmlformats.org/drawingml/2006/table">
             <a:tbl>
               <a:tblPr firstRow="1" bandRow="1">
+                <a:noFill/>
                 <a:tableStyleId>{5C22544A-7EE6-4342-B048-85BDC9FD1C3A}</a:tableStyleId>
               </a:tblPr>
               <a:tblGrid>
-                <a:gridCol w="885371">
+                <a:gridCol w="782160">
                   <a:extLst>
                     <a:ext uri="{9D8B030D-6E8A-4147-A177-3AD203B41FA5}">
                       <a16:colId xmlns:a16="http://schemas.microsoft.com/office/drawing/2014/main" val="3618758648"/>
                     </a:ext>
                   </a:extLst>
                 </a:gridCol>
-                <a:gridCol w="885371">
+                <a:gridCol w="820444">
                   <a:extLst>
                     <a:ext uri="{9D8B030D-6E8A-4147-A177-3AD203B41FA5}">
                       <a16:colId xmlns:a16="http://schemas.microsoft.com/office/drawing/2014/main" val="209654011"/>
                     </a:ext>
                   </a:extLst>
                 </a:gridCol>
-                <a:gridCol w="885371">
+                <a:gridCol w="820444">
                   <a:extLst>
                     <a:ext uri="{9D8B030D-6E8A-4147-A177-3AD203B41FA5}">
                       <a16:colId xmlns:a16="http://schemas.microsoft.com/office/drawing/2014/main" val="1941345986"/>
                     </a:ext>
                   </a:extLst>
                 </a:gridCol>
-                <a:gridCol w="885371">
+                <a:gridCol w="820444">
                   <a:extLst>
                     <a:ext uri="{9D8B030D-6E8A-4147-A177-3AD203B41FA5}">
                       <a16:colId xmlns:a16="http://schemas.microsoft.com/office/drawing/2014/main" val="3932145603"/>
                     </a:ext>
                   </a:extLst>
                 </a:gridCol>
-                <a:gridCol w="885371">
+                <a:gridCol w="799422">
                   <a:extLst>
                     <a:ext uri="{9D8B030D-6E8A-4147-A177-3AD203B41FA5}">
                       <a16:colId xmlns:a16="http://schemas.microsoft.com/office/drawing/2014/main" val="1579837523"/>
                     </a:ext>
                   </a:extLst>
                 </a:gridCol>
-                <a:gridCol w="885371">
+                <a:gridCol w="680749">
                   <a:extLst>
                     <a:ext uri="{9D8B030D-6E8A-4147-A177-3AD203B41FA5}">
                       <a16:colId xmlns:a16="http://schemas.microsoft.com/office/drawing/2014/main" val="3691402614"/>
                     </a:ext>
                   </a:extLst>
                 </a:gridCol>
-                <a:gridCol w="885371">
+                <a:gridCol w="799422">
                   <a:extLst>
                     <a:ext uri="{9D8B030D-6E8A-4147-A177-3AD203B41FA5}">
                       <a16:colId xmlns:a16="http://schemas.microsoft.com/office/drawing/2014/main" val="2136323454"/>
@@ -7412,120 +7589,36 @@
                   </a:extLst>
                 </a:gridCol>
               </a:tblGrid>
-              <a:tr h="310268">
+              <a:tr h="422469">
                 <a:tc>
                   <a:txBody>
                     <a:bodyPr/>
                     <a:lstStyle/>
                     <a:p>
                       <a:r>
-                        <a:rPr lang="uk-UA" dirty="0"/>
+                        <a:rPr lang="uk-UA" sz="1300" b="1" cap="all" spc="60" dirty="0">
+                          <a:solidFill>
+                            <a:schemeClr val="tx1"/>
+                          </a:solidFill>
+                        </a:rPr>
                         <a:t>№</a:t>
                       </a:r>
                     </a:p>
                   </a:txBody>
-                  <a:tcPr/>
-                </a:tc>
-                <a:tc>
-                  <a:txBody>
-                    <a:bodyPr/>
-                    <a:lstStyle/>
-                    <a:p>
-                      <a:r>
-                        <a:rPr lang="uk-UA" dirty="0"/>
-                        <a:t>1</a:t>
-                      </a:r>
-                    </a:p>
-                  </a:txBody>
-                  <a:tcPr/>
-                </a:tc>
-                <a:tc>
-                  <a:txBody>
-                    <a:bodyPr/>
-                    <a:lstStyle/>
-                    <a:p>
-                      <a:r>
-                        <a:rPr lang="uk-UA" dirty="0"/>
-                        <a:t>2</a:t>
-                      </a:r>
-                    </a:p>
-                  </a:txBody>
-                  <a:tcPr/>
-                </a:tc>
-                <a:tc>
-                  <a:txBody>
-                    <a:bodyPr/>
-                    <a:lstStyle/>
-                    <a:p>
-                      <a:r>
-                        <a:rPr lang="uk-UA" dirty="0"/>
-                        <a:t>3</a:t>
-                      </a:r>
-                    </a:p>
-                  </a:txBody>
-                  <a:tcPr/>
-                </a:tc>
-                <a:tc>
-                  <a:txBody>
-                    <a:bodyPr/>
-                    <a:lstStyle/>
-                    <a:p>
-                      <a:r>
-                        <a:rPr lang="uk-UA" dirty="0"/>
-                        <a:t>4</a:t>
-                      </a:r>
-                    </a:p>
-                  </a:txBody>
-                  <a:tcPr/>
-                </a:tc>
-                <a:tc>
-                  <a:txBody>
-                    <a:bodyPr/>
-                    <a:lstStyle/>
-                    <a:p>
-                      <a:r>
-                        <a:rPr lang="uk-UA" dirty="0"/>
-                        <a:t>5</a:t>
-                      </a:r>
-                    </a:p>
-                  </a:txBody>
-                  <a:tcPr/>
-                </a:tc>
-                <a:tc>
-                  <a:txBody>
-                    <a:bodyPr/>
-                    <a:lstStyle/>
-                    <a:p>
-                      <a:r>
-                        <a:rPr lang="uk-UA" dirty="0"/>
-                        <a:t>6</a:t>
-                      </a:r>
-                    </a:p>
-                  </a:txBody>
-                  <a:tcPr/>
-                </a:tc>
-                <a:extLst>
-                  <a:ext uri="{0D108BD9-81ED-4DB2-BD59-A6C34878D82A}">
-                    <a16:rowId xmlns:a16="http://schemas.microsoft.com/office/drawing/2014/main" val="1017207973"/>
-                  </a:ext>
-                </a:extLst>
-              </a:tr>
-              <a:tr h="310268">
-                <a:tc>
-                  <a:txBody>
-                    <a:bodyPr/>
-                    <a:lstStyle/>
-                    <a:p>
-                      <a:r>
-                        <a:rPr lang="uk-UA" dirty="0"/>
-                        <a:t>1</a:t>
-                      </a:r>
-                    </a:p>
-                  </a:txBody>
-                  <a:tcPr>
-                    <a:solidFill>
-                      <a:schemeClr val="bg1"/>
-                    </a:solidFill>
+                  <a:tcPr marL="96016" marR="96016" marT="96016" marB="96016" anchor="b">
+                    <a:lnL w="12700" cmpd="sng">
+                      <a:noFill/>
+                    </a:lnL>
+                    <a:lnR w="12700" cmpd="sng">
+                      <a:noFill/>
+                    </a:lnR>
+                    <a:lnT w="12700" cmpd="sng">
+                      <a:noFill/>
+                    </a:lnT>
+                    <a:lnB w="38100" cmpd="sng">
+                      <a:noFill/>
+                    </a:lnB>
+                    <a:noFill/>
                   </a:tcPr>
                 </a:tc>
                 <a:tc>
@@ -7534,9 +7627,236 @@
                     <a:lstStyle/>
                     <a:p>
                       <a:r>
-                        <a:rPr lang="en-GB" sz="1800" b="0" i="0" kern="1200" dirty="0">
+                        <a:rPr lang="uk-UA" sz="1300" b="1" cap="all" spc="60">
                           <a:solidFill>
-                            <a:schemeClr val="dk1"/>
+                            <a:schemeClr val="tx1"/>
+                          </a:solidFill>
+                        </a:rPr>
+                        <a:t>1</a:t>
+                      </a:r>
+                    </a:p>
+                  </a:txBody>
+                  <a:tcPr marL="96016" marR="96016" marT="96016" marB="96016" anchor="b">
+                    <a:lnL w="12700" cmpd="sng">
+                      <a:noFill/>
+                    </a:lnL>
+                    <a:lnR w="12700" cmpd="sng">
+                      <a:noFill/>
+                    </a:lnR>
+                    <a:lnT w="12700" cmpd="sng">
+                      <a:noFill/>
+                    </a:lnT>
+                    <a:lnB w="38100" cmpd="sng">
+                      <a:noFill/>
+                    </a:lnB>
+                    <a:noFill/>
+                  </a:tcPr>
+                </a:tc>
+                <a:tc>
+                  <a:txBody>
+                    <a:bodyPr/>
+                    <a:lstStyle/>
+                    <a:p>
+                      <a:r>
+                        <a:rPr lang="uk-UA" sz="1300" b="1" cap="all" spc="60">
+                          <a:solidFill>
+                            <a:schemeClr val="tx1"/>
+                          </a:solidFill>
+                        </a:rPr>
+                        <a:t>2</a:t>
+                      </a:r>
+                    </a:p>
+                  </a:txBody>
+                  <a:tcPr marL="96016" marR="96016" marT="96016" marB="96016" anchor="b">
+                    <a:lnL w="12700" cmpd="sng">
+                      <a:noFill/>
+                    </a:lnL>
+                    <a:lnR w="12700" cmpd="sng">
+                      <a:noFill/>
+                    </a:lnR>
+                    <a:lnT w="12700" cmpd="sng">
+                      <a:noFill/>
+                    </a:lnT>
+                    <a:lnB w="38100" cmpd="sng">
+                      <a:noFill/>
+                    </a:lnB>
+                    <a:noFill/>
+                  </a:tcPr>
+                </a:tc>
+                <a:tc>
+                  <a:txBody>
+                    <a:bodyPr/>
+                    <a:lstStyle/>
+                    <a:p>
+                      <a:r>
+                        <a:rPr lang="uk-UA" sz="1300" b="1" cap="all" spc="60">
+                          <a:solidFill>
+                            <a:schemeClr val="tx1"/>
+                          </a:solidFill>
+                        </a:rPr>
+                        <a:t>3</a:t>
+                      </a:r>
+                    </a:p>
+                  </a:txBody>
+                  <a:tcPr marL="96016" marR="96016" marT="96016" marB="96016" anchor="b">
+                    <a:lnL w="12700" cmpd="sng">
+                      <a:noFill/>
+                    </a:lnL>
+                    <a:lnR w="12700" cmpd="sng">
+                      <a:noFill/>
+                    </a:lnR>
+                    <a:lnT w="12700" cmpd="sng">
+                      <a:noFill/>
+                    </a:lnT>
+                    <a:lnB w="38100" cmpd="sng">
+                      <a:noFill/>
+                    </a:lnB>
+                    <a:noFill/>
+                  </a:tcPr>
+                </a:tc>
+                <a:tc>
+                  <a:txBody>
+                    <a:bodyPr/>
+                    <a:lstStyle/>
+                    <a:p>
+                      <a:r>
+                        <a:rPr lang="uk-UA" sz="1300" b="1" cap="all" spc="60">
+                          <a:solidFill>
+                            <a:schemeClr val="tx1"/>
+                          </a:solidFill>
+                        </a:rPr>
+                        <a:t>4</a:t>
+                      </a:r>
+                    </a:p>
+                  </a:txBody>
+                  <a:tcPr marL="96016" marR="96016" marT="96016" marB="96016" anchor="b">
+                    <a:lnL w="12700" cmpd="sng">
+                      <a:noFill/>
+                    </a:lnL>
+                    <a:lnR w="12700" cmpd="sng">
+                      <a:noFill/>
+                    </a:lnR>
+                    <a:lnT w="12700" cmpd="sng">
+                      <a:noFill/>
+                    </a:lnT>
+                    <a:lnB w="38100" cmpd="sng">
+                      <a:noFill/>
+                    </a:lnB>
+                    <a:noFill/>
+                  </a:tcPr>
+                </a:tc>
+                <a:tc>
+                  <a:txBody>
+                    <a:bodyPr/>
+                    <a:lstStyle/>
+                    <a:p>
+                      <a:r>
+                        <a:rPr lang="uk-UA" sz="1300" b="1" cap="all" spc="60">
+                          <a:solidFill>
+                            <a:schemeClr val="tx1"/>
+                          </a:solidFill>
+                        </a:rPr>
+                        <a:t>5</a:t>
+                      </a:r>
+                    </a:p>
+                  </a:txBody>
+                  <a:tcPr marL="96016" marR="96016" marT="96016" marB="96016" anchor="b">
+                    <a:lnL w="12700" cmpd="sng">
+                      <a:noFill/>
+                    </a:lnL>
+                    <a:lnR w="12700" cmpd="sng">
+                      <a:noFill/>
+                    </a:lnR>
+                    <a:lnT w="12700" cmpd="sng">
+                      <a:noFill/>
+                    </a:lnT>
+                    <a:lnB w="38100" cmpd="sng">
+                      <a:noFill/>
+                    </a:lnB>
+                    <a:noFill/>
+                  </a:tcPr>
+                </a:tc>
+                <a:tc>
+                  <a:txBody>
+                    <a:bodyPr/>
+                    <a:lstStyle/>
+                    <a:p>
+                      <a:r>
+                        <a:rPr lang="uk-UA" sz="1300" b="1" cap="all" spc="60">
+                          <a:solidFill>
+                            <a:schemeClr val="tx1"/>
+                          </a:solidFill>
+                        </a:rPr>
+                        <a:t>6</a:t>
+                      </a:r>
+                    </a:p>
+                  </a:txBody>
+                  <a:tcPr marL="96016" marR="96016" marT="96016" marB="96016" anchor="b">
+                    <a:lnL w="12700" cmpd="sng">
+                      <a:noFill/>
+                    </a:lnL>
+                    <a:lnR w="12700" cmpd="sng">
+                      <a:noFill/>
+                    </a:lnR>
+                    <a:lnT w="12700" cmpd="sng">
+                      <a:noFill/>
+                    </a:lnT>
+                    <a:lnB w="38100" cmpd="sng">
+                      <a:noFill/>
+                    </a:lnB>
+                    <a:noFill/>
+                  </a:tcPr>
+                </a:tc>
+                <a:extLst>
+                  <a:ext uri="{0D108BD9-81ED-4DB2-BD59-A6C34878D82A}">
+                    <a16:rowId xmlns:a16="http://schemas.microsoft.com/office/drawing/2014/main" val="1017207973"/>
+                  </a:ext>
+                </a:extLst>
+              </a:tr>
+              <a:tr h="438471">
+                <a:tc>
+                  <a:txBody>
+                    <a:bodyPr/>
+                    <a:lstStyle/>
+                    <a:p>
+                      <a:r>
+                        <a:rPr lang="uk-UA" sz="1700" cap="none" spc="0">
+                          <a:solidFill>
+                            <a:schemeClr val="tx1"/>
+                          </a:solidFill>
+                        </a:rPr>
+                        <a:t>1</a:t>
+                      </a:r>
+                    </a:p>
+                  </a:txBody>
+                  <a:tcPr marL="96016" marR="96016" marT="48008" marB="96016">
+                    <a:lnL w="12700" cap="flat" cmpd="sng" algn="ctr">
+                      <a:noFill/>
+                      <a:prstDash val="solid"/>
+                    </a:lnL>
+                    <a:lnR w="12700" cmpd="sng">
+                      <a:noFill/>
+                      <a:prstDash val="solid"/>
+                    </a:lnR>
+                    <a:lnT w="38100" cmpd="sng">
+                      <a:noFill/>
+                    </a:lnT>
+                    <a:lnB w="12700" cmpd="sng">
+                      <a:noFill/>
+                      <a:prstDash val="solid"/>
+                    </a:lnB>
+                    <a:noFill/>
+                  </a:tcPr>
+                </a:tc>
+                <a:tc>
+                  <a:txBody>
+                    <a:bodyPr/>
+                    <a:lstStyle/>
+                    <a:p>
+                      <a:r>
+                        <a:rPr lang="en-GB" sz="1700" b="0" i="0" kern="1200" cap="none" spc="0">
+                          <a:solidFill>
+                            <a:schemeClr val="tx1"/>
                           </a:solidFill>
                           <a:effectLst/>
                           <a:latin typeface="+mn-lt"/>
@@ -7545,17 +7865,30 @@
                         </a:rPr>
                         <a:t>∞</a:t>
                       </a:r>
-                      <a:endParaRPr lang="uk-UA" dirty="0">
+                      <a:endParaRPr lang="uk-UA" sz="1700" cap="none" spc="0">
                         <a:solidFill>
                           <a:schemeClr val="tx1"/>
                         </a:solidFill>
                       </a:endParaRPr>
                     </a:p>
                   </a:txBody>
-                  <a:tcPr>
-                    <a:solidFill>
-                      <a:schemeClr val="bg1"/>
-                    </a:solidFill>
+                  <a:tcPr marL="96016" marR="96016" marT="48008" marB="96016">
+                    <a:lnL w="12700" cmpd="sng">
+                      <a:noFill/>
+                      <a:prstDash val="solid"/>
+                    </a:lnL>
+                    <a:lnR w="12700" cmpd="sng">
+                      <a:noFill/>
+                      <a:prstDash val="solid"/>
+                    </a:lnR>
+                    <a:lnT w="38100" cmpd="sng">
+                      <a:noFill/>
+                    </a:lnT>
+                    <a:lnB w="12700" cmpd="sng">
+                      <a:noFill/>
+                      <a:prstDash val="solid"/>
+                    </a:lnB>
+                    <a:noFill/>
                   </a:tcPr>
                 </a:tc>
                 <a:tc>
@@ -7564,9 +7897,9 @@
                     <a:lstStyle/>
                     <a:p>
                       <a:r>
-                        <a:rPr lang="en-GB" sz="1800" b="0" i="0" kern="1200" dirty="0">
+                        <a:rPr lang="en-GB" sz="1700" b="0" i="0" kern="1200" cap="none" spc="0">
                           <a:solidFill>
-                            <a:schemeClr val="dk1"/>
+                            <a:schemeClr val="tx1"/>
                           </a:solidFill>
                           <a:effectLst/>
                           <a:latin typeface="+mn-lt"/>
@@ -7575,17 +7908,30 @@
                         </a:rPr>
                         <a:t>∞</a:t>
                       </a:r>
-                      <a:endParaRPr lang="uk-UA" dirty="0">
+                      <a:endParaRPr lang="uk-UA" sz="1700" cap="none" spc="0">
                         <a:solidFill>
                           <a:schemeClr val="tx1"/>
                         </a:solidFill>
                       </a:endParaRPr>
                     </a:p>
                   </a:txBody>
-                  <a:tcPr>
-                    <a:solidFill>
-                      <a:schemeClr val="bg1"/>
-                    </a:solidFill>
+                  <a:tcPr marL="96016" marR="96016" marT="48008" marB="96016">
+                    <a:lnL w="12700" cmpd="sng">
+                      <a:noFill/>
+                      <a:prstDash val="solid"/>
+                    </a:lnL>
+                    <a:lnR w="12700" cmpd="sng">
+                      <a:noFill/>
+                      <a:prstDash val="solid"/>
+                    </a:lnR>
+                    <a:lnT w="38100" cmpd="sng">
+                      <a:noFill/>
+                    </a:lnT>
+                    <a:lnB w="12700" cmpd="sng">
+                      <a:noFill/>
+                      <a:prstDash val="solid"/>
+                    </a:lnB>
+                    <a:noFill/>
                   </a:tcPr>
                 </a:tc>
                 <a:tc>
@@ -7594,9 +7940,9 @@
                     <a:lstStyle/>
                     <a:p>
                       <a:r>
-                        <a:rPr lang="en-GB" sz="1800" b="0" i="0" kern="1200" dirty="0">
+                        <a:rPr lang="en-GB" sz="1700" b="0" i="0" kern="1200" cap="none" spc="0">
                           <a:solidFill>
-                            <a:schemeClr val="dk1"/>
+                            <a:schemeClr val="tx1"/>
                           </a:solidFill>
                           <a:effectLst/>
                           <a:latin typeface="+mn-lt"/>
@@ -7605,17 +7951,30 @@
                         </a:rPr>
                         <a:t>∞</a:t>
                       </a:r>
-                      <a:endParaRPr lang="uk-UA" dirty="0">
+                      <a:endParaRPr lang="uk-UA" sz="1700" cap="none" spc="0">
                         <a:solidFill>
                           <a:schemeClr val="tx1"/>
                         </a:solidFill>
                       </a:endParaRPr>
                     </a:p>
                   </a:txBody>
-                  <a:tcPr>
-                    <a:solidFill>
-                      <a:schemeClr val="bg1"/>
-                    </a:solidFill>
+                  <a:tcPr marL="96016" marR="96016" marT="48008" marB="96016">
+                    <a:lnL w="12700" cmpd="sng">
+                      <a:noFill/>
+                      <a:prstDash val="solid"/>
+                    </a:lnL>
+                    <a:lnR w="12700" cmpd="sng">
+                      <a:noFill/>
+                      <a:prstDash val="solid"/>
+                    </a:lnR>
+                    <a:lnT w="38100" cmpd="sng">
+                      <a:noFill/>
+                    </a:lnT>
+                    <a:lnB w="12700" cmpd="sng">
+                      <a:noFill/>
+                      <a:prstDash val="solid"/>
+                    </a:lnB>
+                    <a:noFill/>
                   </a:tcPr>
                 </a:tc>
                 <a:tc>
@@ -7624,9 +7983,9 @@
                     <a:lstStyle/>
                     <a:p>
                       <a:r>
-                        <a:rPr lang="en-GB" sz="1800" b="0" i="0" kern="1200" dirty="0">
+                        <a:rPr lang="en-GB" sz="1700" b="0" i="0" kern="1200" cap="none" spc="0">
                           <a:solidFill>
-                            <a:schemeClr val="dk1"/>
+                            <a:schemeClr val="tx1"/>
                           </a:solidFill>
                           <a:effectLst/>
                           <a:latin typeface="+mn-lt"/>
@@ -7635,17 +7994,30 @@
                         </a:rPr>
                         <a:t>∞</a:t>
                       </a:r>
-                      <a:endParaRPr lang="uk-UA" dirty="0">
+                      <a:endParaRPr lang="uk-UA" sz="1700" cap="none" spc="0">
                         <a:solidFill>
                           <a:schemeClr val="tx1"/>
                         </a:solidFill>
                       </a:endParaRPr>
                     </a:p>
                   </a:txBody>
-                  <a:tcPr>
-                    <a:solidFill>
-                      <a:schemeClr val="bg1"/>
-                    </a:solidFill>
+                  <a:tcPr marL="96016" marR="96016" marT="48008" marB="96016">
+                    <a:lnL w="12700" cmpd="sng">
+                      <a:noFill/>
+                      <a:prstDash val="solid"/>
+                    </a:lnL>
+                    <a:lnR w="12700" cmpd="sng">
+                      <a:noFill/>
+                      <a:prstDash val="solid"/>
+                    </a:lnR>
+                    <a:lnT w="38100" cmpd="sng">
+                      <a:noFill/>
+                    </a:lnT>
+                    <a:lnB w="12700" cmpd="sng">
+                      <a:noFill/>
+                      <a:prstDash val="solid"/>
+                    </a:lnB>
+                    <a:noFill/>
                   </a:tcPr>
                 </a:tc>
                 <a:tc>
@@ -7654,16 +8026,31 @@
                     <a:lstStyle/>
                     <a:p>
                       <a:r>
-                        <a:rPr lang="uk-UA" dirty="0">
+                        <a:rPr lang="uk-UA" sz="1700" cap="none" spc="0" dirty="0">
                           <a:solidFill>
-                            <a:schemeClr val="bg1"/>
+                            <a:schemeClr val="tx1"/>
                           </a:solidFill>
                         </a:rPr>
                         <a:t>0</a:t>
                       </a:r>
                     </a:p>
                   </a:txBody>
-                  <a:tcPr>
+                  <a:tcPr marL="96016" marR="96016" marT="48008" marB="96016">
+                    <a:lnL w="12700" cmpd="sng">
+                      <a:noFill/>
+                      <a:prstDash val="solid"/>
+                    </a:lnL>
+                    <a:lnR w="12700" cmpd="sng">
+                      <a:noFill/>
+                      <a:prstDash val="solid"/>
+                    </a:lnR>
+                    <a:lnT w="38100" cmpd="sng">
+                      <a:noFill/>
+                    </a:lnT>
+                    <a:lnB w="12700" cmpd="sng">
+                      <a:noFill/>
+                      <a:prstDash val="solid"/>
+                    </a:lnB>
                     <a:solidFill>
                       <a:schemeClr val="accent6"/>
                     </a:solidFill>
@@ -7675,9 +8062,9 @@
                     <a:lstStyle/>
                     <a:p>
                       <a:r>
-                        <a:rPr lang="en-GB" sz="1800" b="0" i="0" kern="1200" dirty="0">
+                        <a:rPr lang="en-GB" sz="1700" b="0" i="0" kern="1200" cap="none" spc="0">
                           <a:solidFill>
-                            <a:schemeClr val="dk1"/>
+                            <a:schemeClr val="tx1"/>
                           </a:solidFill>
                           <a:effectLst/>
                           <a:latin typeface="+mn-lt"/>
@@ -7686,17 +8073,30 @@
                         </a:rPr>
                         <a:t>∞</a:t>
                       </a:r>
-                      <a:endParaRPr lang="uk-UA" dirty="0">
+                      <a:endParaRPr lang="uk-UA" sz="1700" cap="none" spc="0">
                         <a:solidFill>
                           <a:schemeClr val="tx1"/>
                         </a:solidFill>
                       </a:endParaRPr>
                     </a:p>
                   </a:txBody>
-                  <a:tcPr>
-                    <a:solidFill>
-                      <a:schemeClr val="bg1"/>
-                    </a:solidFill>
+                  <a:tcPr marL="96016" marR="96016" marT="48008" marB="96016">
+                    <a:lnL w="12700" cmpd="sng">
+                      <a:noFill/>
+                      <a:prstDash val="solid"/>
+                    </a:lnL>
+                    <a:lnR w="12700" cmpd="sng">
+                      <a:noFill/>
+                      <a:prstDash val="solid"/>
+                    </a:lnR>
+                    <a:lnT w="38100" cmpd="sng">
+                      <a:noFill/>
+                    </a:lnT>
+                    <a:lnB w="12700" cmpd="sng">
+                      <a:noFill/>
+                      <a:prstDash val="solid"/>
+                    </a:lnB>
+                    <a:noFill/>
                   </a:tcPr>
                 </a:tc>
                 <a:extLst>
@@ -7705,21 +8105,43 @@
                   </a:ext>
                 </a:extLst>
               </a:tr>
-              <a:tr h="310268">
+              <a:tr h="438471">
                 <a:tc>
                   <a:txBody>
                     <a:bodyPr/>
                     <a:lstStyle/>
                     <a:p>
                       <a:r>
-                        <a:rPr lang="uk-UA" dirty="0"/>
+                        <a:rPr lang="uk-UA" sz="1700" cap="none" spc="0">
+                          <a:solidFill>
+                            <a:schemeClr val="tx1"/>
+                          </a:solidFill>
+                        </a:rPr>
                         <a:t>2</a:t>
                       </a:r>
                     </a:p>
                   </a:txBody>
-                  <a:tcPr>
+                  <a:tcPr marL="96016" marR="96016" marT="48008" marB="96016">
+                    <a:lnL w="12700" cmpd="sng">
+                      <a:noFill/>
+                      <a:prstDash val="solid"/>
+                    </a:lnL>
+                    <a:lnR w="12700" cmpd="sng">
+                      <a:noFill/>
+                      <a:prstDash val="solid"/>
+                    </a:lnR>
+                    <a:lnT w="12700" cmpd="sng">
+                      <a:noFill/>
+                      <a:prstDash val="solid"/>
+                    </a:lnT>
+                    <a:lnB w="12700" cmpd="sng">
+                      <a:noFill/>
+                      <a:prstDash val="solid"/>
+                    </a:lnB>
                     <a:solidFill>
-                      <a:schemeClr val="bg1"/>
+                      <a:schemeClr val="bg1">
+                        <a:lumMod val="95000"/>
+                      </a:schemeClr>
                     </a:solidFill>
                   </a:tcPr>
                 </a:tc>
@@ -7729,9 +8151,9 @@
                     <a:lstStyle/>
                     <a:p>
                       <a:r>
-                        <a:rPr lang="en-GB" sz="1800" b="0" i="0" kern="1200" dirty="0">
+                        <a:rPr lang="en-GB" sz="1700" b="0" i="0" kern="1200" cap="none" spc="0">
                           <a:solidFill>
-                            <a:schemeClr val="dk1"/>
+                            <a:schemeClr val="tx1"/>
                           </a:solidFill>
                           <a:effectLst/>
                           <a:latin typeface="+mn-lt"/>
@@ -7740,16 +8162,34 @@
                         </a:rPr>
                         <a:t>∞</a:t>
                       </a:r>
-                      <a:endParaRPr lang="uk-UA" dirty="0">
+                      <a:endParaRPr lang="uk-UA" sz="1700" cap="none" spc="0">
                         <a:solidFill>
                           <a:schemeClr val="tx1"/>
                         </a:solidFill>
                       </a:endParaRPr>
                     </a:p>
                   </a:txBody>
-                  <a:tcPr>
+                  <a:tcPr marL="96016" marR="96016" marT="48008" marB="96016">
+                    <a:lnL w="12700" cmpd="sng">
+                      <a:noFill/>
+                      <a:prstDash val="solid"/>
+                    </a:lnL>
+                    <a:lnR w="12700" cmpd="sng">
+                      <a:noFill/>
+                      <a:prstDash val="solid"/>
+                    </a:lnR>
+                    <a:lnT w="12700" cmpd="sng">
+                      <a:noFill/>
+                      <a:prstDash val="solid"/>
+                    </a:lnT>
+                    <a:lnB w="12700" cmpd="sng">
+                      <a:noFill/>
+                      <a:prstDash val="solid"/>
+                    </a:lnB>
                     <a:solidFill>
-                      <a:schemeClr val="bg1"/>
+                      <a:schemeClr val="bg1">
+                        <a:lumMod val="95000"/>
+                      </a:schemeClr>
                     </a:solidFill>
                   </a:tcPr>
                 </a:tc>
@@ -7759,9 +8199,9 @@
                     <a:lstStyle/>
                     <a:p>
                       <a:r>
-                        <a:rPr lang="en-GB" sz="1800" b="0" i="0" kern="1200" dirty="0">
+                        <a:rPr lang="en-GB" sz="1700" b="0" i="0" kern="1200" cap="none" spc="0">
                           <a:solidFill>
-                            <a:schemeClr val="dk1"/>
+                            <a:schemeClr val="tx1"/>
                           </a:solidFill>
                           <a:effectLst/>
                           <a:latin typeface="+mn-lt"/>
@@ -7770,16 +8210,34 @@
                         </a:rPr>
                         <a:t>∞</a:t>
                       </a:r>
-                      <a:endParaRPr lang="uk-UA" dirty="0">
+                      <a:endParaRPr lang="uk-UA" sz="1700" cap="none" spc="0">
                         <a:solidFill>
                           <a:schemeClr val="tx1"/>
                         </a:solidFill>
                       </a:endParaRPr>
                     </a:p>
                   </a:txBody>
-                  <a:tcPr>
+                  <a:tcPr marL="96016" marR="96016" marT="48008" marB="96016">
+                    <a:lnL w="12700" cmpd="sng">
+                      <a:noFill/>
+                      <a:prstDash val="solid"/>
+                    </a:lnL>
+                    <a:lnR w="12700" cmpd="sng">
+                      <a:noFill/>
+                      <a:prstDash val="solid"/>
+                    </a:lnR>
+                    <a:lnT w="12700" cmpd="sng">
+                      <a:noFill/>
+                      <a:prstDash val="solid"/>
+                    </a:lnT>
+                    <a:lnB w="12700" cmpd="sng">
+                      <a:noFill/>
+                      <a:prstDash val="solid"/>
+                    </a:lnB>
                     <a:solidFill>
-                      <a:schemeClr val="bg1"/>
+                      <a:schemeClr val="bg1">
+                        <a:lumMod val="95000"/>
+                      </a:schemeClr>
                     </a:solidFill>
                   </a:tcPr>
                 </a:tc>
@@ -7789,9 +8247,9 @@
                     <a:lstStyle/>
                     <a:p>
                       <a:r>
-                        <a:rPr lang="en-GB" sz="1800" b="0" i="0" kern="1200" dirty="0">
+                        <a:rPr lang="en-GB" sz="1700" b="0" i="0" kern="1200" cap="none" spc="0">
                           <a:solidFill>
-                            <a:schemeClr val="dk1"/>
+                            <a:schemeClr val="tx1"/>
                           </a:solidFill>
                           <a:effectLst/>
                           <a:latin typeface="+mn-lt"/>
@@ -7800,16 +8258,34 @@
                         </a:rPr>
                         <a:t>∞</a:t>
                       </a:r>
-                      <a:endParaRPr lang="uk-UA" dirty="0">
+                      <a:endParaRPr lang="uk-UA" sz="1700" cap="none" spc="0">
                         <a:solidFill>
                           <a:schemeClr val="tx1"/>
                         </a:solidFill>
                       </a:endParaRPr>
                     </a:p>
                   </a:txBody>
-                  <a:tcPr>
+                  <a:tcPr marL="96016" marR="96016" marT="48008" marB="96016">
+                    <a:lnL w="12700" cmpd="sng">
+                      <a:noFill/>
+                      <a:prstDash val="solid"/>
+                    </a:lnL>
+                    <a:lnR w="12700" cmpd="sng">
+                      <a:noFill/>
+                      <a:prstDash val="solid"/>
+                    </a:lnR>
+                    <a:lnT w="12700" cmpd="sng">
+                      <a:noFill/>
+                      <a:prstDash val="solid"/>
+                    </a:lnT>
+                    <a:lnB w="12700" cmpd="sng">
+                      <a:noFill/>
+                      <a:prstDash val="solid"/>
+                    </a:lnB>
                     <a:solidFill>
-                      <a:schemeClr val="bg1"/>
+                      <a:schemeClr val="bg1">
+                        <a:lumMod val="95000"/>
+                      </a:schemeClr>
                     </a:solidFill>
                   </a:tcPr>
                 </a:tc>
@@ -7819,16 +8295,32 @@
                     <a:lstStyle/>
                     <a:p>
                       <a:r>
-                        <a:rPr lang="uk-UA" dirty="0">
+                        <a:rPr lang="uk-UA" sz="1700" cap="none" spc="0" dirty="0">
                           <a:solidFill>
-                            <a:schemeClr val="bg1"/>
+                            <a:schemeClr val="tx1"/>
                           </a:solidFill>
                         </a:rPr>
                         <a:t>6</a:t>
                       </a:r>
                     </a:p>
                   </a:txBody>
-                  <a:tcPr>
+                  <a:tcPr marL="96016" marR="96016" marT="48008" marB="96016">
+                    <a:lnL w="12700" cmpd="sng">
+                      <a:noFill/>
+                      <a:prstDash val="solid"/>
+                    </a:lnL>
+                    <a:lnR w="12700" cmpd="sng">
+                      <a:noFill/>
+                      <a:prstDash val="solid"/>
+                    </a:lnR>
+                    <a:lnT w="12700" cmpd="sng">
+                      <a:noFill/>
+                      <a:prstDash val="solid"/>
+                    </a:lnT>
+                    <a:lnB w="12700" cmpd="sng">
+                      <a:noFill/>
+                      <a:prstDash val="solid"/>
+                    </a:lnB>
                     <a:solidFill>
                       <a:schemeClr val="accent6"/>
                     </a:solidFill>
@@ -7839,16 +8331,34 @@
                     <a:bodyPr/>
                     <a:lstStyle/>
                     <a:p>
-                      <a:endParaRPr lang="uk-UA" dirty="0">
+                      <a:endParaRPr lang="uk-UA" sz="1700" cap="none" spc="0">
                         <a:solidFill>
                           <a:schemeClr val="tx1"/>
                         </a:solidFill>
                       </a:endParaRPr>
                     </a:p>
                   </a:txBody>
-                  <a:tcPr>
+                  <a:tcPr marL="96016" marR="96016" marT="48008" marB="96016">
+                    <a:lnL w="12700" cmpd="sng">
+                      <a:noFill/>
+                      <a:prstDash val="solid"/>
+                    </a:lnL>
+                    <a:lnR w="12700" cmpd="sng">
+                      <a:noFill/>
+                      <a:prstDash val="solid"/>
+                    </a:lnR>
+                    <a:lnT w="12700" cmpd="sng">
+                      <a:noFill/>
+                      <a:prstDash val="solid"/>
+                    </a:lnT>
+                    <a:lnB w="12700" cmpd="sng">
+                      <a:noFill/>
+                      <a:prstDash val="solid"/>
+                    </a:lnB>
                     <a:solidFill>
-                      <a:schemeClr val="bg1"/>
+                      <a:schemeClr val="bg1">
+                        <a:lumMod val="95000"/>
+                      </a:schemeClr>
                     </a:solidFill>
                   </a:tcPr>
                 </a:tc>
@@ -7858,7 +8368,7 @@
                     <a:lstStyle/>
                     <a:p>
                       <a:r>
-                        <a:rPr lang="uk-UA" dirty="0">
+                        <a:rPr lang="uk-UA" sz="1700" cap="none" spc="0">
                           <a:solidFill>
                             <a:schemeClr val="tx1"/>
                           </a:solidFill>
@@ -7867,9 +8377,27 @@
                       </a:r>
                     </a:p>
                   </a:txBody>
-                  <a:tcPr>
+                  <a:tcPr marL="96016" marR="96016" marT="48008" marB="96016">
+                    <a:lnL w="12700" cmpd="sng">
+                      <a:noFill/>
+                      <a:prstDash val="solid"/>
+                    </a:lnL>
+                    <a:lnR w="12700" cmpd="sng">
+                      <a:noFill/>
+                      <a:prstDash val="solid"/>
+                    </a:lnR>
+                    <a:lnT w="12700" cmpd="sng">
+                      <a:noFill/>
+                      <a:prstDash val="solid"/>
+                    </a:lnT>
+                    <a:lnB w="12700" cmpd="sng">
+                      <a:noFill/>
+                      <a:prstDash val="solid"/>
+                    </a:lnB>
                     <a:solidFill>
-                      <a:schemeClr val="bg1"/>
+                      <a:schemeClr val="bg1">
+                        <a:lumMod val="95000"/>
+                      </a:schemeClr>
                     </a:solidFill>
                   </a:tcPr>
                 </a:tc>
@@ -7879,22 +8407,40 @@
                   </a:ext>
                 </a:extLst>
               </a:tr>
-              <a:tr h="310268">
+              <a:tr h="438471">
                 <a:tc>
                   <a:txBody>
                     <a:bodyPr/>
                     <a:lstStyle/>
                     <a:p>
                       <a:r>
-                        <a:rPr lang="uk-UA" dirty="0"/>
+                        <a:rPr lang="uk-UA" sz="1700" cap="none" spc="0">
+                          <a:solidFill>
+                            <a:schemeClr val="tx1"/>
+                          </a:solidFill>
+                        </a:rPr>
                         <a:t>3</a:t>
                       </a:r>
                     </a:p>
                   </a:txBody>
-                  <a:tcPr>
-                    <a:solidFill>
-                      <a:schemeClr val="bg1"/>
-                    </a:solidFill>
+                  <a:tcPr marL="96016" marR="96016" marT="48008" marB="96016">
+                    <a:lnL w="12700" cap="flat" cmpd="sng" algn="ctr">
+                      <a:noFill/>
+                      <a:prstDash val="solid"/>
+                    </a:lnL>
+                    <a:lnR w="12700" cmpd="sng">
+                      <a:noFill/>
+                      <a:prstDash val="solid"/>
+                    </a:lnR>
+                    <a:lnT w="12700" cmpd="sng">
+                      <a:noFill/>
+                      <a:prstDash val="solid"/>
+                    </a:lnT>
+                    <a:lnB w="12700" cmpd="sng">
+                      <a:noFill/>
+                      <a:prstDash val="solid"/>
+                    </a:lnB>
+                    <a:noFill/>
                   </a:tcPr>
                 </a:tc>
                 <a:tc>
@@ -7920,9 +8466,9 @@
                         <a:defRPr/>
                       </a:pPr>
                       <a:r>
-                        <a:rPr lang="en-GB" sz="1800" b="0" i="0" kern="1200" dirty="0">
+                        <a:rPr lang="en-GB" sz="1700" b="0" i="0" kern="1200" cap="none" spc="0">
                           <a:solidFill>
-                            <a:schemeClr val="dk1"/>
+                            <a:schemeClr val="tx1"/>
                           </a:solidFill>
                           <a:effectLst/>
                           <a:latin typeface="+mn-lt"/>
@@ -7931,17 +8477,31 @@
                         </a:rPr>
                         <a:t>∞</a:t>
                       </a:r>
-                      <a:endParaRPr lang="uk-UA" dirty="0">
+                      <a:endParaRPr lang="uk-UA" sz="1700" cap="none" spc="0">
                         <a:solidFill>
                           <a:schemeClr val="tx1"/>
                         </a:solidFill>
                       </a:endParaRPr>
                     </a:p>
                   </a:txBody>
-                  <a:tcPr>
-                    <a:solidFill>
-                      <a:schemeClr val="bg1"/>
-                    </a:solidFill>
+                  <a:tcPr marL="96016" marR="96016" marT="48008" marB="96016">
+                    <a:lnL w="12700" cmpd="sng">
+                      <a:noFill/>
+                      <a:prstDash val="solid"/>
+                    </a:lnL>
+                    <a:lnR w="12700" cmpd="sng">
+                      <a:noFill/>
+                      <a:prstDash val="solid"/>
+                    </a:lnR>
+                    <a:lnT w="12700" cmpd="sng">
+                      <a:noFill/>
+                      <a:prstDash val="solid"/>
+                    </a:lnT>
+                    <a:lnB w="12700" cmpd="sng">
+                      <a:noFill/>
+                      <a:prstDash val="solid"/>
+                    </a:lnB>
+                    <a:noFill/>
                   </a:tcPr>
                 </a:tc>
                 <a:tc>
@@ -7950,7 +8510,7 @@
                     <a:lstStyle/>
                     <a:p>
                       <a:r>
-                        <a:rPr lang="uk-UA" dirty="0">
+                        <a:rPr lang="uk-UA" sz="1700" cap="none" spc="0">
                           <a:solidFill>
                             <a:schemeClr val="tx1"/>
                           </a:solidFill>
@@ -7959,10 +8519,24 @@
                       </a:r>
                     </a:p>
                   </a:txBody>
-                  <a:tcPr>
-                    <a:solidFill>
-                      <a:schemeClr val="bg1"/>
-                    </a:solidFill>
+                  <a:tcPr marL="96016" marR="96016" marT="48008" marB="96016">
+                    <a:lnL w="12700" cmpd="sng">
+                      <a:noFill/>
+                      <a:prstDash val="solid"/>
+                    </a:lnL>
+                    <a:lnR w="12700" cmpd="sng">
+                      <a:noFill/>
+                      <a:prstDash val="solid"/>
+                    </a:lnR>
+                    <a:lnT w="12700" cmpd="sng">
+                      <a:noFill/>
+                      <a:prstDash val="solid"/>
+                    </a:lnT>
+                    <a:lnB w="12700" cmpd="sng">
+                      <a:noFill/>
+                      <a:prstDash val="solid"/>
+                    </a:lnB>
+                    <a:noFill/>
                   </a:tcPr>
                 </a:tc>
                 <a:tc>
@@ -7971,7 +8545,7 @@
                     <a:lstStyle/>
                     <a:p>
                       <a:r>
-                        <a:rPr lang="uk-UA" dirty="0">
+                        <a:rPr lang="uk-UA" sz="1700" cap="none" spc="0">
                           <a:solidFill>
                             <a:schemeClr val="tx1"/>
                           </a:solidFill>
@@ -7980,10 +8554,24 @@
                       </a:r>
                     </a:p>
                   </a:txBody>
-                  <a:tcPr>
-                    <a:solidFill>
-                      <a:schemeClr val="bg1"/>
-                    </a:solidFill>
+                  <a:tcPr marL="96016" marR="96016" marT="48008" marB="96016">
+                    <a:lnL w="12700" cmpd="sng">
+                      <a:noFill/>
+                      <a:prstDash val="solid"/>
+                    </a:lnL>
+                    <a:lnR w="12700" cmpd="sng">
+                      <a:noFill/>
+                      <a:prstDash val="solid"/>
+                    </a:lnR>
+                    <a:lnT w="12700" cmpd="sng">
+                      <a:noFill/>
+                      <a:prstDash val="solid"/>
+                    </a:lnT>
+                    <a:lnB w="12700" cmpd="sng">
+                      <a:noFill/>
+                      <a:prstDash val="solid"/>
+                    </a:lnB>
+                    <a:noFill/>
                   </a:tcPr>
                 </a:tc>
                 <a:tc>
@@ -7991,17 +8579,31 @@
                     <a:bodyPr/>
                     <a:lstStyle/>
                     <a:p>
-                      <a:endParaRPr lang="uk-UA" dirty="0">
+                      <a:endParaRPr lang="uk-UA" sz="1700" cap="none" spc="0">
                         <a:solidFill>
                           <a:schemeClr val="tx1"/>
                         </a:solidFill>
                       </a:endParaRPr>
                     </a:p>
                   </a:txBody>
-                  <a:tcPr>
-                    <a:solidFill>
-                      <a:schemeClr val="bg1"/>
-                    </a:solidFill>
+                  <a:tcPr marL="96016" marR="96016" marT="48008" marB="96016">
+                    <a:lnL w="12700" cmpd="sng">
+                      <a:noFill/>
+                      <a:prstDash val="solid"/>
+                    </a:lnL>
+                    <a:lnR w="12700" cmpd="sng">
+                      <a:noFill/>
+                      <a:prstDash val="solid"/>
+                    </a:lnR>
+                    <a:lnT w="12700" cmpd="sng">
+                      <a:noFill/>
+                      <a:prstDash val="solid"/>
+                    </a:lnT>
+                    <a:lnB w="12700" cmpd="sng">
+                      <a:noFill/>
+                      <a:prstDash val="solid"/>
+                    </a:lnB>
+                    <a:noFill/>
                   </a:tcPr>
                 </a:tc>
                 <a:tc>
@@ -8009,17 +8611,31 @@
                     <a:bodyPr/>
                     <a:lstStyle/>
                     <a:p>
-                      <a:endParaRPr lang="uk-UA" dirty="0">
+                      <a:endParaRPr lang="uk-UA" sz="1700" cap="none" spc="0">
                         <a:solidFill>
                           <a:schemeClr val="tx1"/>
                         </a:solidFill>
                       </a:endParaRPr>
                     </a:p>
                   </a:txBody>
-                  <a:tcPr>
-                    <a:solidFill>
-                      <a:schemeClr val="bg1"/>
-                    </a:solidFill>
+                  <a:tcPr marL="96016" marR="96016" marT="48008" marB="96016">
+                    <a:lnL w="12700" cmpd="sng">
+                      <a:noFill/>
+                      <a:prstDash val="solid"/>
+                    </a:lnL>
+                    <a:lnR w="12700" cmpd="sng">
+                      <a:noFill/>
+                      <a:prstDash val="solid"/>
+                    </a:lnR>
+                    <a:lnT w="12700" cmpd="sng">
+                      <a:noFill/>
+                      <a:prstDash val="solid"/>
+                    </a:lnT>
+                    <a:lnB w="12700" cmpd="sng">
+                      <a:noFill/>
+                      <a:prstDash val="solid"/>
+                    </a:lnB>
+                    <a:noFill/>
                   </a:tcPr>
                 </a:tc>
                 <a:tc>
@@ -8045,16 +8661,32 @@
                         <a:defRPr/>
                       </a:pPr>
                       <a:r>
-                        <a:rPr lang="uk-UA" dirty="0">
+                        <a:rPr lang="uk-UA" sz="1700" cap="none" spc="0" dirty="0">
                           <a:solidFill>
-                            <a:schemeClr val="bg1"/>
+                            <a:schemeClr val="tx1"/>
                           </a:solidFill>
                         </a:rPr>
                         <a:t>9</a:t>
                       </a:r>
                     </a:p>
                   </a:txBody>
-                  <a:tcPr>
+                  <a:tcPr marL="96016" marR="96016" marT="48008" marB="96016">
+                    <a:lnL w="12700" cmpd="sng">
+                      <a:noFill/>
+                      <a:prstDash val="solid"/>
+                    </a:lnL>
+                    <a:lnR w="12700" cmpd="sng">
+                      <a:noFill/>
+                      <a:prstDash val="solid"/>
+                    </a:lnR>
+                    <a:lnT w="12700" cmpd="sng">
+                      <a:noFill/>
+                      <a:prstDash val="solid"/>
+                    </a:lnT>
+                    <a:lnB w="12700" cmpd="sng">
+                      <a:noFill/>
+                      <a:prstDash val="solid"/>
+                    </a:lnB>
                     <a:solidFill>
                       <a:schemeClr val="accent6"/>
                     </a:solidFill>
@@ -8066,21 +8698,43 @@
                   </a:ext>
                 </a:extLst>
               </a:tr>
-              <a:tr h="310268">
+              <a:tr h="438471">
                 <a:tc>
                   <a:txBody>
                     <a:bodyPr/>
                     <a:lstStyle/>
                     <a:p>
                       <a:r>
-                        <a:rPr lang="uk-UA" dirty="0"/>
+                        <a:rPr lang="uk-UA" sz="1700" cap="none" spc="0">
+                          <a:solidFill>
+                            <a:schemeClr val="tx1"/>
+                          </a:solidFill>
+                        </a:rPr>
                         <a:t>4</a:t>
                       </a:r>
                     </a:p>
                   </a:txBody>
-                  <a:tcPr>
+                  <a:tcPr marL="96016" marR="96016" marT="48008" marB="96016">
+                    <a:lnL w="12700" cmpd="sng">
+                      <a:noFill/>
+                      <a:prstDash val="solid"/>
+                    </a:lnL>
+                    <a:lnR w="12700" cmpd="sng">
+                      <a:noFill/>
+                      <a:prstDash val="solid"/>
+                    </a:lnR>
+                    <a:lnT w="12700" cmpd="sng">
+                      <a:noFill/>
+                      <a:prstDash val="solid"/>
+                    </a:lnT>
+                    <a:lnB w="12700" cmpd="sng">
+                      <a:noFill/>
+                      <a:prstDash val="solid"/>
+                    </a:lnB>
                     <a:solidFill>
-                      <a:schemeClr val="bg1"/>
+                      <a:schemeClr val="bg1">
+                        <a:lumMod val="95000"/>
+                      </a:schemeClr>
                     </a:solidFill>
                   </a:tcPr>
                 </a:tc>
@@ -8090,7 +8744,7 @@
                     <a:lstStyle/>
                     <a:p>
                       <a:r>
-                        <a:rPr lang="uk-UA" dirty="0">
+                        <a:rPr lang="uk-UA" sz="1700" cap="none" spc="0">
                           <a:solidFill>
                             <a:schemeClr val="tx1"/>
                           </a:solidFill>
@@ -8099,9 +8753,27 @@
                       </a:r>
                     </a:p>
                   </a:txBody>
-                  <a:tcPr>
+                  <a:tcPr marL="96016" marR="96016" marT="48008" marB="96016">
+                    <a:lnL w="12700" cmpd="sng">
+                      <a:noFill/>
+                      <a:prstDash val="solid"/>
+                    </a:lnL>
+                    <a:lnR w="12700" cmpd="sng">
+                      <a:noFill/>
+                      <a:prstDash val="solid"/>
+                    </a:lnR>
+                    <a:lnT w="12700" cmpd="sng">
+                      <a:noFill/>
+                      <a:prstDash val="solid"/>
+                    </a:lnT>
+                    <a:lnB w="12700" cmpd="sng">
+                      <a:noFill/>
+                      <a:prstDash val="solid"/>
+                    </a:lnB>
                     <a:solidFill>
-                      <a:schemeClr val="bg1"/>
+                      <a:schemeClr val="bg1">
+                        <a:lumMod val="95000"/>
+                      </a:schemeClr>
                     </a:solidFill>
                   </a:tcPr>
                 </a:tc>
@@ -8111,7 +8783,7 @@
                     <a:lstStyle/>
                     <a:p>
                       <a:r>
-                        <a:rPr lang="uk-UA" dirty="0">
+                        <a:rPr lang="uk-UA" sz="1700" cap="none" spc="0">
                           <a:solidFill>
                             <a:schemeClr val="tx1"/>
                           </a:solidFill>
@@ -8120,9 +8792,27 @@
                       </a:r>
                     </a:p>
                   </a:txBody>
-                  <a:tcPr>
+                  <a:tcPr marL="96016" marR="96016" marT="48008" marB="96016">
+                    <a:lnL w="12700" cmpd="sng">
+                      <a:noFill/>
+                      <a:prstDash val="solid"/>
+                    </a:lnL>
+                    <a:lnR w="12700" cmpd="sng">
+                      <a:noFill/>
+                      <a:prstDash val="solid"/>
+                    </a:lnR>
+                    <a:lnT w="12700" cmpd="sng">
+                      <a:noFill/>
+                      <a:prstDash val="solid"/>
+                    </a:lnT>
+                    <a:lnB w="12700" cmpd="sng">
+                      <a:noFill/>
+                      <a:prstDash val="solid"/>
+                    </a:lnB>
                     <a:solidFill>
-                      <a:schemeClr val="bg1"/>
+                      <a:schemeClr val="bg1">
+                        <a:lumMod val="95000"/>
+                      </a:schemeClr>
                     </a:solidFill>
                   </a:tcPr>
                 </a:tc>
@@ -8132,16 +8822,32 @@
                     <a:lstStyle/>
                     <a:p>
                       <a:r>
-                        <a:rPr lang="uk-UA" dirty="0">
+                        <a:rPr lang="uk-UA" sz="1700" cap="none" spc="0" dirty="0">
                           <a:solidFill>
-                            <a:schemeClr val="bg1"/>
+                            <a:schemeClr val="tx1"/>
                           </a:solidFill>
                         </a:rPr>
                         <a:t>11</a:t>
                       </a:r>
                     </a:p>
                   </a:txBody>
-                  <a:tcPr>
+                  <a:tcPr marL="96016" marR="96016" marT="48008" marB="96016">
+                    <a:lnL w="12700" cmpd="sng">
+                      <a:noFill/>
+                      <a:prstDash val="solid"/>
+                    </a:lnL>
+                    <a:lnR w="12700" cmpd="sng">
+                      <a:noFill/>
+                      <a:prstDash val="solid"/>
+                    </a:lnR>
+                    <a:lnT w="12700" cmpd="sng">
+                      <a:noFill/>
+                      <a:prstDash val="solid"/>
+                    </a:lnT>
+                    <a:lnB w="12700" cmpd="sng">
+                      <a:noFill/>
+                      <a:prstDash val="solid"/>
+                    </a:lnB>
                     <a:solidFill>
                       <a:schemeClr val="accent6"/>
                     </a:solidFill>
@@ -8152,16 +8858,34 @@
                     <a:bodyPr/>
                     <a:lstStyle/>
                     <a:p>
-                      <a:endParaRPr lang="uk-UA" dirty="0">
+                      <a:endParaRPr lang="uk-UA" sz="1700" cap="none" spc="0">
                         <a:solidFill>
                           <a:schemeClr val="tx1"/>
                         </a:solidFill>
                       </a:endParaRPr>
                     </a:p>
                   </a:txBody>
-                  <a:tcPr>
+                  <a:tcPr marL="96016" marR="96016" marT="48008" marB="96016">
+                    <a:lnL w="12700" cmpd="sng">
+                      <a:noFill/>
+                      <a:prstDash val="solid"/>
+                    </a:lnL>
+                    <a:lnR w="12700" cmpd="sng">
+                      <a:noFill/>
+                      <a:prstDash val="solid"/>
+                    </a:lnR>
+                    <a:lnT w="12700" cmpd="sng">
+                      <a:noFill/>
+                      <a:prstDash val="solid"/>
+                    </a:lnT>
+                    <a:lnB w="12700" cmpd="sng">
+                      <a:noFill/>
+                      <a:prstDash val="solid"/>
+                    </a:lnB>
                     <a:solidFill>
-                      <a:schemeClr val="bg1"/>
+                      <a:schemeClr val="bg1">
+                        <a:lumMod val="95000"/>
+                      </a:schemeClr>
                     </a:solidFill>
                   </a:tcPr>
                 </a:tc>
@@ -8170,16 +8894,34 @@
                     <a:bodyPr/>
                     <a:lstStyle/>
                     <a:p>
-                      <a:endParaRPr lang="uk-UA" dirty="0">
+                      <a:endParaRPr lang="uk-UA" sz="1700" cap="none" spc="0">
                         <a:solidFill>
                           <a:schemeClr val="tx1"/>
                         </a:solidFill>
                       </a:endParaRPr>
                     </a:p>
                   </a:txBody>
-                  <a:tcPr>
+                  <a:tcPr marL="96016" marR="96016" marT="48008" marB="96016">
+                    <a:lnL w="12700" cmpd="sng">
+                      <a:noFill/>
+                      <a:prstDash val="solid"/>
+                    </a:lnL>
+                    <a:lnR w="12700" cmpd="sng">
+                      <a:noFill/>
+                      <a:prstDash val="solid"/>
+                    </a:lnR>
+                    <a:lnT w="12700" cmpd="sng">
+                      <a:noFill/>
+                      <a:prstDash val="solid"/>
+                    </a:lnT>
+                    <a:lnB w="12700" cmpd="sng">
+                      <a:noFill/>
+                      <a:prstDash val="solid"/>
+                    </a:lnB>
                     <a:solidFill>
-                      <a:schemeClr val="bg1"/>
+                      <a:schemeClr val="bg1">
+                        <a:lumMod val="95000"/>
+                      </a:schemeClr>
                     </a:solidFill>
                   </a:tcPr>
                 </a:tc>
@@ -8188,16 +8930,34 @@
                     <a:bodyPr/>
                     <a:lstStyle/>
                     <a:p>
-                      <a:endParaRPr lang="uk-UA" dirty="0">
+                      <a:endParaRPr lang="uk-UA" sz="1700" cap="none" spc="0">
                         <a:solidFill>
                           <a:schemeClr val="tx1"/>
                         </a:solidFill>
                       </a:endParaRPr>
                     </a:p>
                   </a:txBody>
-                  <a:tcPr>
+                  <a:tcPr marL="96016" marR="96016" marT="48008" marB="96016">
+                    <a:lnL w="12700" cmpd="sng">
+                      <a:noFill/>
+                      <a:prstDash val="solid"/>
+                    </a:lnL>
+                    <a:lnR w="12700" cmpd="sng">
+                      <a:noFill/>
+                      <a:prstDash val="solid"/>
+                    </a:lnR>
+                    <a:lnT w="12700" cmpd="sng">
+                      <a:noFill/>
+                      <a:prstDash val="solid"/>
+                    </a:lnT>
+                    <a:lnB w="12700" cmpd="sng">
+                      <a:noFill/>
+                      <a:prstDash val="solid"/>
+                    </a:lnB>
                     <a:solidFill>
-                      <a:schemeClr val="bg1"/>
+                      <a:schemeClr val="bg1">
+                        <a:lumMod val="95000"/>
+                      </a:schemeClr>
                     </a:solidFill>
                   </a:tcPr>
                 </a:tc>
@@ -8207,22 +8967,40 @@
                   </a:ext>
                 </a:extLst>
               </a:tr>
-              <a:tr h="301167">
+              <a:tr h="438471">
                 <a:tc>
                   <a:txBody>
                     <a:bodyPr/>
                     <a:lstStyle/>
                     <a:p>
                       <a:r>
-                        <a:rPr lang="uk-UA" dirty="0"/>
+                        <a:rPr lang="uk-UA" sz="1700" cap="none" spc="0">
+                          <a:solidFill>
+                            <a:schemeClr val="tx1"/>
+                          </a:solidFill>
+                        </a:rPr>
                         <a:t>5</a:t>
                       </a:r>
                     </a:p>
                   </a:txBody>
-                  <a:tcPr>
-                    <a:solidFill>
-                      <a:schemeClr val="bg1"/>
-                    </a:solidFill>
+                  <a:tcPr marL="96016" marR="96016" marT="48008" marB="96016">
+                    <a:lnL w="12700" cap="flat" cmpd="sng" algn="ctr">
+                      <a:noFill/>
+                      <a:prstDash val="solid"/>
+                    </a:lnL>
+                    <a:lnR w="12700" cmpd="sng">
+                      <a:noFill/>
+                      <a:prstDash val="solid"/>
+                    </a:lnR>
+                    <a:lnT w="12700" cmpd="sng">
+                      <a:noFill/>
+                      <a:prstDash val="solid"/>
+                    </a:lnT>
+                    <a:lnB w="12700" cmpd="sng">
+                      <a:noFill/>
+                      <a:prstDash val="solid"/>
+                    </a:lnB>
+                    <a:noFill/>
                   </a:tcPr>
                 </a:tc>
                 <a:tc>
@@ -8231,16 +9009,32 @@
                     <a:lstStyle/>
                     <a:p>
                       <a:r>
-                        <a:rPr lang="uk-UA" dirty="0">
+                        <a:rPr lang="uk-UA" sz="1700" cap="none" spc="0">
                           <a:solidFill>
-                            <a:schemeClr val="bg1"/>
+                            <a:schemeClr val="tx1"/>
                           </a:solidFill>
                         </a:rPr>
                         <a:t>20</a:t>
                       </a:r>
                     </a:p>
                   </a:txBody>
-                  <a:tcPr>
+                  <a:tcPr marL="96016" marR="96016" marT="48008" marB="96016">
+                    <a:lnL w="12700" cmpd="sng">
+                      <a:noFill/>
+                      <a:prstDash val="solid"/>
+                    </a:lnL>
+                    <a:lnR w="12700" cmpd="sng">
+                      <a:noFill/>
+                      <a:prstDash val="solid"/>
+                    </a:lnR>
+                    <a:lnT w="12700" cmpd="sng">
+                      <a:noFill/>
+                      <a:prstDash val="solid"/>
+                    </a:lnT>
+                    <a:lnB w="12700" cmpd="sng">
+                      <a:noFill/>
+                      <a:prstDash val="solid"/>
+                    </a:lnB>
                     <a:solidFill>
                       <a:schemeClr val="accent6"/>
                     </a:solidFill>
@@ -8252,7 +9046,7 @@
                     <a:lstStyle/>
                     <a:p>
                       <a:r>
-                        <a:rPr lang="uk-UA" dirty="0">
+                        <a:rPr lang="uk-UA" sz="1700" cap="none" spc="0">
                           <a:solidFill>
                             <a:schemeClr val="tx1"/>
                           </a:solidFill>
@@ -8261,9 +9055,197 @@
                       </a:r>
                     </a:p>
                   </a:txBody>
-                  <a:tcPr>
+                  <a:tcPr marL="96016" marR="96016" marT="48008" marB="96016">
+                    <a:lnL w="12700" cmpd="sng">
+                      <a:noFill/>
+                      <a:prstDash val="solid"/>
+                    </a:lnL>
+                    <a:lnR w="12700" cmpd="sng">
+                      <a:noFill/>
+                      <a:prstDash val="solid"/>
+                    </a:lnR>
+                    <a:lnT w="12700" cmpd="sng">
+                      <a:noFill/>
+                      <a:prstDash val="solid"/>
+                    </a:lnT>
+                    <a:lnB w="12700" cmpd="sng">
+                      <a:noFill/>
+                      <a:prstDash val="solid"/>
+                    </a:lnB>
+                    <a:noFill/>
+                  </a:tcPr>
+                </a:tc>
+                <a:tc>
+                  <a:txBody>
+                    <a:bodyPr/>
+                    <a:lstStyle/>
+                    <a:p>
+                      <a:endParaRPr lang="uk-UA" sz="1700" cap="none" spc="0">
+                        <a:solidFill>
+                          <a:schemeClr val="tx1"/>
+                        </a:solidFill>
+                      </a:endParaRPr>
+                    </a:p>
+                  </a:txBody>
+                  <a:tcPr marL="96016" marR="96016" marT="48008" marB="96016">
+                    <a:lnL w="12700" cmpd="sng">
+                      <a:noFill/>
+                      <a:prstDash val="solid"/>
+                    </a:lnL>
+                    <a:lnR w="12700" cmpd="sng">
+                      <a:noFill/>
+                      <a:prstDash val="solid"/>
+                    </a:lnR>
+                    <a:lnT w="12700" cmpd="sng">
+                      <a:noFill/>
+                      <a:prstDash val="solid"/>
+                    </a:lnT>
+                    <a:lnB w="12700" cmpd="sng">
+                      <a:noFill/>
+                      <a:prstDash val="solid"/>
+                    </a:lnB>
+                    <a:noFill/>
+                  </a:tcPr>
+                </a:tc>
+                <a:tc>
+                  <a:txBody>
+                    <a:bodyPr/>
+                    <a:lstStyle/>
+                    <a:p>
+                      <a:endParaRPr lang="uk-UA" sz="1700" cap="none" spc="0">
+                        <a:solidFill>
+                          <a:schemeClr val="tx1"/>
+                        </a:solidFill>
+                      </a:endParaRPr>
+                    </a:p>
+                  </a:txBody>
+                  <a:tcPr marL="96016" marR="96016" marT="48008" marB="96016">
+                    <a:lnL w="12700" cmpd="sng">
+                      <a:noFill/>
+                      <a:prstDash val="solid"/>
+                    </a:lnL>
+                    <a:lnR w="12700" cmpd="sng">
+                      <a:noFill/>
+                      <a:prstDash val="solid"/>
+                    </a:lnR>
+                    <a:lnT w="12700" cmpd="sng">
+                      <a:noFill/>
+                      <a:prstDash val="solid"/>
+                    </a:lnT>
+                    <a:lnB w="12700" cmpd="sng">
+                      <a:noFill/>
+                      <a:prstDash val="solid"/>
+                    </a:lnB>
+                    <a:noFill/>
+                  </a:tcPr>
+                </a:tc>
+                <a:tc>
+                  <a:txBody>
+                    <a:bodyPr/>
+                    <a:lstStyle/>
+                    <a:p>
+                      <a:endParaRPr lang="uk-UA" sz="1700" cap="none" spc="0">
+                        <a:solidFill>
+                          <a:schemeClr val="tx1"/>
+                        </a:solidFill>
+                      </a:endParaRPr>
+                    </a:p>
+                  </a:txBody>
+                  <a:tcPr marL="96016" marR="96016" marT="48008" marB="96016">
+                    <a:lnL w="12700" cmpd="sng">
+                      <a:noFill/>
+                      <a:prstDash val="solid"/>
+                    </a:lnL>
+                    <a:lnR w="12700" cmpd="sng">
+                      <a:noFill/>
+                      <a:prstDash val="solid"/>
+                    </a:lnR>
+                    <a:lnT w="12700" cmpd="sng">
+                      <a:noFill/>
+                      <a:prstDash val="solid"/>
+                    </a:lnT>
+                    <a:lnB w="12700" cmpd="sng">
+                      <a:noFill/>
+                      <a:prstDash val="solid"/>
+                    </a:lnB>
+                    <a:noFill/>
+                  </a:tcPr>
+                </a:tc>
+                <a:tc>
+                  <a:txBody>
+                    <a:bodyPr/>
+                    <a:lstStyle/>
+                    <a:p>
+                      <a:endParaRPr lang="uk-UA" sz="1700" cap="none" spc="0">
+                        <a:solidFill>
+                          <a:schemeClr val="tx1"/>
+                        </a:solidFill>
+                      </a:endParaRPr>
+                    </a:p>
+                  </a:txBody>
+                  <a:tcPr marL="96016" marR="96016" marT="48008" marB="96016">
+                    <a:lnL w="12700" cmpd="sng">
+                      <a:noFill/>
+                      <a:prstDash val="solid"/>
+                    </a:lnL>
+                    <a:lnR w="12700" cmpd="sng">
+                      <a:noFill/>
+                      <a:prstDash val="solid"/>
+                    </a:lnR>
+                    <a:lnT w="12700" cmpd="sng">
+                      <a:noFill/>
+                      <a:prstDash val="solid"/>
+                    </a:lnT>
+                    <a:lnB w="12700" cmpd="sng">
+                      <a:noFill/>
+                      <a:prstDash val="solid"/>
+                    </a:lnB>
+                    <a:noFill/>
+                  </a:tcPr>
+                </a:tc>
+                <a:extLst>
+                  <a:ext uri="{0D108BD9-81ED-4DB2-BD59-A6C34878D82A}">
+                    <a16:rowId xmlns:a16="http://schemas.microsoft.com/office/drawing/2014/main" val="382597871"/>
+                  </a:ext>
+                </a:extLst>
+              </a:tr>
+              <a:tr h="438471">
+                <a:tc>
+                  <a:txBody>
+                    <a:bodyPr/>
+                    <a:lstStyle/>
+                    <a:p>
+                      <a:r>
+                        <a:rPr lang="uk-UA" sz="1700" cap="none" spc="0" dirty="0">
+                          <a:solidFill>
+                            <a:schemeClr val="tx1"/>
+                          </a:solidFill>
+                        </a:rPr>
+                        <a:t>6</a:t>
+                      </a:r>
+                    </a:p>
+                  </a:txBody>
+                  <a:tcPr marL="96016" marR="96016" marT="48008" marB="96016">
+                    <a:lnL w="12700" cmpd="sng">
+                      <a:noFill/>
+                      <a:prstDash val="solid"/>
+                    </a:lnL>
+                    <a:lnR w="12700" cmpd="sng">
+                      <a:noFill/>
+                      <a:prstDash val="solid"/>
+                    </a:lnR>
+                    <a:lnT w="12700" cmpd="sng">
+                      <a:noFill/>
+                      <a:prstDash val="solid"/>
+                    </a:lnT>
+                    <a:lnB w="12700" cmpd="sng">
+                      <a:noFill/>
+                      <a:prstDash val="solid"/>
+                    </a:lnB>
                     <a:solidFill>
-                      <a:schemeClr val="bg1"/>
+                      <a:schemeClr val="bg1">
+                        <a:lumMod val="95000"/>
+                      </a:schemeClr>
                     </a:solidFill>
                   </a:tcPr>
                 </a:tc>
@@ -8272,109 +9254,34 @@
                     <a:bodyPr/>
                     <a:lstStyle/>
                     <a:p>
-                      <a:endParaRPr lang="uk-UA" dirty="0">
+                      <a:endParaRPr lang="uk-UA" sz="1700" cap="none" spc="0">
                         <a:solidFill>
                           <a:schemeClr val="tx1"/>
                         </a:solidFill>
                       </a:endParaRPr>
                     </a:p>
                   </a:txBody>
-                  <a:tcPr>
+                  <a:tcPr marL="96016" marR="96016" marT="48008" marB="96016">
+                    <a:lnL w="12700" cmpd="sng">
+                      <a:noFill/>
+                      <a:prstDash val="solid"/>
+                    </a:lnL>
+                    <a:lnR w="12700" cmpd="sng">
+                      <a:noFill/>
+                      <a:prstDash val="solid"/>
+                    </a:lnR>
+                    <a:lnT w="12700" cmpd="sng">
+                      <a:noFill/>
+                      <a:prstDash val="solid"/>
+                    </a:lnT>
+                    <a:lnB w="12700" cmpd="sng">
+                      <a:noFill/>
+                      <a:prstDash val="solid"/>
+                    </a:lnB>
                     <a:solidFill>
-                      <a:schemeClr val="bg1"/>
-                    </a:solidFill>
-                  </a:tcPr>
-                </a:tc>
-                <a:tc>
-                  <a:txBody>
-                    <a:bodyPr/>
-                    <a:lstStyle/>
-                    <a:p>
-                      <a:endParaRPr lang="uk-UA" dirty="0">
-                        <a:solidFill>
-                          <a:schemeClr val="tx1"/>
-                        </a:solidFill>
-                      </a:endParaRPr>
-                    </a:p>
-                  </a:txBody>
-                  <a:tcPr>
-                    <a:solidFill>
-                      <a:schemeClr val="bg1"/>
-                    </a:solidFill>
-                  </a:tcPr>
-                </a:tc>
-                <a:tc>
-                  <a:txBody>
-                    <a:bodyPr/>
-                    <a:lstStyle/>
-                    <a:p>
-                      <a:endParaRPr lang="uk-UA" dirty="0">
-                        <a:solidFill>
-                          <a:schemeClr val="tx1"/>
-                        </a:solidFill>
-                      </a:endParaRPr>
-                    </a:p>
-                  </a:txBody>
-                  <a:tcPr>
-                    <a:solidFill>
-                      <a:schemeClr val="bg1"/>
-                    </a:solidFill>
-                  </a:tcPr>
-                </a:tc>
-                <a:tc>
-                  <a:txBody>
-                    <a:bodyPr/>
-                    <a:lstStyle/>
-                    <a:p>
-                      <a:endParaRPr lang="uk-UA" dirty="0">
-                        <a:solidFill>
-                          <a:schemeClr val="tx1"/>
-                        </a:solidFill>
-                      </a:endParaRPr>
-                    </a:p>
-                  </a:txBody>
-                  <a:tcPr>
-                    <a:solidFill>
-                      <a:schemeClr val="bg1"/>
-                    </a:solidFill>
-                  </a:tcPr>
-                </a:tc>
-                <a:extLst>
-                  <a:ext uri="{0D108BD9-81ED-4DB2-BD59-A6C34878D82A}">
-                    <a16:rowId xmlns:a16="http://schemas.microsoft.com/office/drawing/2014/main" val="382597871"/>
-                  </a:ext>
-                </a:extLst>
-              </a:tr>
-              <a:tr h="301167">
-                <a:tc>
-                  <a:txBody>
-                    <a:bodyPr/>
-                    <a:lstStyle/>
-                    <a:p>
-                      <a:endParaRPr lang="uk-UA" dirty="0"/>
-                    </a:p>
-                  </a:txBody>
-                  <a:tcPr>
-                    <a:solidFill>
-                      <a:schemeClr val="bg1"/>
-                    </a:solidFill>
-                  </a:tcPr>
-                </a:tc>
-                <a:tc>
-                  <a:txBody>
-                    <a:bodyPr/>
-                    <a:lstStyle/>
-                    <a:p>
-                      <a:endParaRPr lang="uk-UA" dirty="0">
-                        <a:solidFill>
-                          <a:schemeClr val="tx1"/>
-                        </a:solidFill>
-                      </a:endParaRPr>
-                    </a:p>
-                  </a:txBody>
-                  <a:tcPr>
-                    <a:solidFill>
-                      <a:schemeClr val="bg1"/>
+                      <a:schemeClr val="bg1">
+                        <a:lumMod val="95000"/>
+                      </a:schemeClr>
                     </a:solidFill>
                   </a:tcPr>
                 </a:tc>
@@ -8384,16 +9291,32 @@
                     <a:lstStyle/>
                     <a:p>
                       <a:r>
-                        <a:rPr lang="uk-UA" dirty="0">
+                        <a:rPr lang="uk-UA" sz="1700" cap="none" spc="0" dirty="0">
                           <a:solidFill>
-                            <a:schemeClr val="bg1"/>
+                            <a:schemeClr val="tx1"/>
                           </a:solidFill>
                         </a:rPr>
                         <a:t>21</a:t>
                       </a:r>
                     </a:p>
                   </a:txBody>
-                  <a:tcPr>
+                  <a:tcPr marL="96016" marR="96016" marT="48008" marB="96016">
+                    <a:lnL w="12700" cmpd="sng">
+                      <a:noFill/>
+                      <a:prstDash val="solid"/>
+                    </a:lnL>
+                    <a:lnR w="12700" cmpd="sng">
+                      <a:noFill/>
+                      <a:prstDash val="solid"/>
+                    </a:lnR>
+                    <a:lnT w="12700" cmpd="sng">
+                      <a:noFill/>
+                      <a:prstDash val="solid"/>
+                    </a:lnT>
+                    <a:lnB w="12700" cmpd="sng">
+                      <a:noFill/>
+                      <a:prstDash val="solid"/>
+                    </a:lnB>
                     <a:solidFill>
                       <a:schemeClr val="accent6"/>
                     </a:solidFill>
@@ -8404,16 +9327,34 @@
                     <a:bodyPr/>
                     <a:lstStyle/>
                     <a:p>
-                      <a:endParaRPr lang="uk-UA" dirty="0">
+                      <a:endParaRPr lang="uk-UA" sz="1700" cap="none" spc="0" dirty="0">
                         <a:solidFill>
                           <a:schemeClr val="tx1"/>
                         </a:solidFill>
                       </a:endParaRPr>
                     </a:p>
                   </a:txBody>
-                  <a:tcPr>
+                  <a:tcPr marL="96016" marR="96016" marT="48008" marB="96016">
+                    <a:lnL w="12700" cmpd="sng">
+                      <a:noFill/>
+                      <a:prstDash val="solid"/>
+                    </a:lnL>
+                    <a:lnR w="12700" cmpd="sng">
+                      <a:noFill/>
+                      <a:prstDash val="solid"/>
+                    </a:lnR>
+                    <a:lnT w="12700" cmpd="sng">
+                      <a:noFill/>
+                      <a:prstDash val="solid"/>
+                    </a:lnT>
+                    <a:lnB w="12700" cmpd="sng">
+                      <a:noFill/>
+                      <a:prstDash val="solid"/>
+                    </a:lnB>
                     <a:solidFill>
-                      <a:schemeClr val="bg1"/>
+                      <a:schemeClr val="bg1">
+                        <a:lumMod val="95000"/>
+                      </a:schemeClr>
                     </a:solidFill>
                   </a:tcPr>
                 </a:tc>
@@ -8422,16 +9363,34 @@
                     <a:bodyPr/>
                     <a:lstStyle/>
                     <a:p>
-                      <a:endParaRPr lang="uk-UA" dirty="0">
+                      <a:endParaRPr lang="uk-UA" sz="1700" cap="none" spc="0" dirty="0">
                         <a:solidFill>
                           <a:schemeClr val="tx1"/>
                         </a:solidFill>
                       </a:endParaRPr>
                     </a:p>
                   </a:txBody>
-                  <a:tcPr>
+                  <a:tcPr marL="96016" marR="96016" marT="48008" marB="96016">
+                    <a:lnL w="12700" cmpd="sng">
+                      <a:noFill/>
+                      <a:prstDash val="solid"/>
+                    </a:lnL>
+                    <a:lnR w="12700" cmpd="sng">
+                      <a:noFill/>
+                      <a:prstDash val="solid"/>
+                    </a:lnR>
+                    <a:lnT w="12700" cmpd="sng">
+                      <a:noFill/>
+                      <a:prstDash val="solid"/>
+                    </a:lnT>
+                    <a:lnB w="12700" cmpd="sng">
+                      <a:noFill/>
+                      <a:prstDash val="solid"/>
+                    </a:lnB>
                     <a:solidFill>
-                      <a:schemeClr val="bg1"/>
+                      <a:schemeClr val="bg1">
+                        <a:lumMod val="95000"/>
+                      </a:schemeClr>
                     </a:solidFill>
                   </a:tcPr>
                 </a:tc>
@@ -8440,16 +9399,34 @@
                     <a:bodyPr/>
                     <a:lstStyle/>
                     <a:p>
-                      <a:endParaRPr lang="uk-UA" dirty="0">
+                      <a:endParaRPr lang="uk-UA" sz="1700" cap="none" spc="0">
                         <a:solidFill>
                           <a:schemeClr val="tx1"/>
                         </a:solidFill>
                       </a:endParaRPr>
                     </a:p>
                   </a:txBody>
-                  <a:tcPr>
+                  <a:tcPr marL="96016" marR="96016" marT="48008" marB="96016">
+                    <a:lnL w="12700" cmpd="sng">
+                      <a:noFill/>
+                      <a:prstDash val="solid"/>
+                    </a:lnL>
+                    <a:lnR w="12700" cmpd="sng">
+                      <a:noFill/>
+                      <a:prstDash val="solid"/>
+                    </a:lnR>
+                    <a:lnT w="12700" cmpd="sng">
+                      <a:noFill/>
+                      <a:prstDash val="solid"/>
+                    </a:lnT>
+                    <a:lnB w="12700" cmpd="sng">
+                      <a:noFill/>
+                      <a:prstDash val="solid"/>
+                    </a:lnB>
                     <a:solidFill>
-                      <a:schemeClr val="bg1"/>
+                      <a:schemeClr val="bg1">
+                        <a:lumMod val="95000"/>
+                      </a:schemeClr>
                     </a:solidFill>
                   </a:tcPr>
                 </a:tc>
@@ -8458,16 +9435,34 @@
                     <a:bodyPr/>
                     <a:lstStyle/>
                     <a:p>
-                      <a:endParaRPr lang="uk-UA" dirty="0">
+                      <a:endParaRPr lang="uk-UA" sz="1700" cap="none" spc="0" dirty="0">
                         <a:solidFill>
                           <a:schemeClr val="tx1"/>
                         </a:solidFill>
                       </a:endParaRPr>
                     </a:p>
                   </a:txBody>
-                  <a:tcPr>
+                  <a:tcPr marL="96016" marR="96016" marT="48008" marB="96016">
+                    <a:lnL w="12700" cmpd="sng">
+                      <a:noFill/>
+                      <a:prstDash val="solid"/>
+                    </a:lnL>
+                    <a:lnR w="12700" cmpd="sng">
+                      <a:noFill/>
+                      <a:prstDash val="solid"/>
+                    </a:lnR>
+                    <a:lnT w="12700" cmpd="sng">
+                      <a:noFill/>
+                      <a:prstDash val="solid"/>
+                    </a:lnT>
+                    <a:lnB w="12700" cmpd="sng">
+                      <a:noFill/>
+                      <a:prstDash val="solid"/>
+                    </a:lnB>
                     <a:solidFill>
-                      <a:schemeClr val="bg1"/>
+                      <a:schemeClr val="bg1">
+                        <a:lumMod val="95000"/>
+                      </a:schemeClr>
                     </a:solidFill>
                   </a:tcPr>
                 </a:tc>
@@ -8495,132 +9490,6 @@
 </file>
 
 <file path=ppt/slides/slide6.xml><?xml version="1.0" encoding="utf-8"?>
-<p:sld xmlns:a="http://schemas.openxmlformats.org/drawingml/2006/main" xmlns:r="http://schemas.openxmlformats.org/officeDocument/2006/relationships" xmlns:p="http://schemas.openxmlformats.org/presentationml/2006/main">
-  <p:cSld>
-    <p:spTree>
-      <p:nvGrpSpPr>
-        <p:cNvPr id="1" name=""/>
-        <p:cNvGrpSpPr/>
-        <p:nvPr/>
-      </p:nvGrpSpPr>
-      <p:grpSpPr>
-        <a:xfrm>
-          <a:off x="0" y="0"/>
-          <a:ext cx="0" cy="0"/>
-          <a:chOff x="0" y="0"/>
-          <a:chExt cx="0" cy="0"/>
-        </a:xfrm>
-      </p:grpSpPr>
-      <p:sp>
-        <p:nvSpPr>
-          <p:cNvPr id="2" name="Заголовок 1">
-            <a:extLst>
-              <a:ext uri="{FF2B5EF4-FFF2-40B4-BE49-F238E27FC236}">
-                <a16:creationId xmlns:a16="http://schemas.microsoft.com/office/drawing/2014/main" id="{5C8B89F9-1B32-0155-0EDF-4109D5AB99AC}"/>
-              </a:ext>
-            </a:extLst>
-          </p:cNvPr>
-          <p:cNvSpPr>
-            <a:spLocks noGrp="1"/>
-          </p:cNvSpPr>
-          <p:nvPr>
-            <p:ph type="title"/>
-          </p:nvPr>
-        </p:nvSpPr>
-        <p:spPr/>
-        <p:txBody>
-          <a:bodyPr>
-            <a:normAutofit/>
-          </a:bodyPr>
-          <a:lstStyle/>
-          <a:p>
-            <a:r>
-              <a:rPr lang="uk-UA" sz="3600"/>
-              <a:t>Алгоритм Дейкстри для пошуку виходу з лабіринту</a:t>
-            </a:r>
-            <a:endParaRPr lang="uk-UA" sz="3600" dirty="0"/>
-          </a:p>
-        </p:txBody>
-      </p:sp>
-      <p:pic>
-        <p:nvPicPr>
-          <p:cNvPr id="9" name="Объект 8">
-            <a:extLst>
-              <a:ext uri="{FF2B5EF4-FFF2-40B4-BE49-F238E27FC236}">
-                <a16:creationId xmlns:a16="http://schemas.microsoft.com/office/drawing/2014/main" id="{FFDF6BD1-35AC-AF02-32CF-B4ED0681A7C3}"/>
-              </a:ext>
-            </a:extLst>
-          </p:cNvPr>
-          <p:cNvPicPr>
-            <a:picLocks noGrp="1" noChangeAspect="1"/>
-          </p:cNvPicPr>
-          <p:nvPr>
-            <p:ph idx="1"/>
-          </p:nvPr>
-        </p:nvPicPr>
-        <p:blipFill>
-          <a:blip r:embed="rId2"/>
-          <a:stretch>
-            <a:fillRect/>
-          </a:stretch>
-        </p:blipFill>
-        <p:spPr>
-          <a:xfrm>
-            <a:off x="6333872" y="2177591"/>
-            <a:ext cx="5127883" cy="3857969"/>
-          </a:xfrm>
-        </p:spPr>
-      </p:pic>
-      <p:pic>
-        <p:nvPicPr>
-          <p:cNvPr id="11" name="Рисунок 10" descr="Изображение выглядит как снимок экрана, шаблон, прямоугольный, Прямоугольник&#10;&#10;Автоматически созданное описание">
-            <a:extLst>
-              <a:ext uri="{FF2B5EF4-FFF2-40B4-BE49-F238E27FC236}">
-                <a16:creationId xmlns:a16="http://schemas.microsoft.com/office/drawing/2014/main" id="{96B3DC96-F4F5-308B-BDE2-52D1FE6478A3}"/>
-              </a:ext>
-            </a:extLst>
-          </p:cNvPr>
-          <p:cNvPicPr>
-            <a:picLocks noChangeAspect="1"/>
-          </p:cNvPicPr>
-          <p:nvPr/>
-        </p:nvPicPr>
-        <p:blipFill>
-          <a:blip r:embed="rId3">
-            <a:extLst>
-              <a:ext uri="{28A0092B-C50C-407E-A947-70E740481C1C}">
-                <a14:useLocalDpi xmlns:a14="http://schemas.microsoft.com/office/drawing/2010/main" val="0"/>
-              </a:ext>
-            </a:extLst>
-          </a:blip>
-          <a:stretch>
-            <a:fillRect/>
-          </a:stretch>
-        </p:blipFill>
-        <p:spPr>
-          <a:xfrm>
-            <a:off x="594187" y="2177591"/>
-            <a:ext cx="5141286" cy="3857969"/>
-          </a:xfrm>
-          <a:prstGeom prst="rect">
-            <a:avLst/>
-          </a:prstGeom>
-        </p:spPr>
-      </p:pic>
-    </p:spTree>
-    <p:extLst>
-      <p:ext uri="{BB962C8B-B14F-4D97-AF65-F5344CB8AC3E}">
-        <p14:creationId xmlns:p14="http://schemas.microsoft.com/office/powerpoint/2010/main" val="2819820644"/>
-      </p:ext>
-    </p:extLst>
-  </p:cSld>
-  <p:clrMapOvr>
-    <a:masterClrMapping/>
-  </p:clrMapOvr>
-</p:sld>
-</file>
-
-<file path=ppt/slides/slide7.xml><?xml version="1.0" encoding="utf-8"?>
 <p:sld xmlns:a="http://schemas.openxmlformats.org/drawingml/2006/main" xmlns:r="http://schemas.openxmlformats.org/officeDocument/2006/relationships" xmlns:p="http://schemas.openxmlformats.org/presentationml/2006/main">
   <p:cSld>
     <p:bg>
@@ -9102,6 +9971,132 @@
     <p:extLst>
       <p:ext uri="{BB962C8B-B14F-4D97-AF65-F5344CB8AC3E}">
         <p14:creationId xmlns:p14="http://schemas.microsoft.com/office/powerpoint/2010/main" val="2484409384"/>
+      </p:ext>
+    </p:extLst>
+  </p:cSld>
+  <p:clrMapOvr>
+    <a:masterClrMapping/>
+  </p:clrMapOvr>
+</p:sld>
+</file>
+
+<file path=ppt/slides/slide7.xml><?xml version="1.0" encoding="utf-8"?>
+<p:sld xmlns:a="http://schemas.openxmlformats.org/drawingml/2006/main" xmlns:r="http://schemas.openxmlformats.org/officeDocument/2006/relationships" xmlns:p="http://schemas.openxmlformats.org/presentationml/2006/main">
+  <p:cSld>
+    <p:spTree>
+      <p:nvGrpSpPr>
+        <p:cNvPr id="1" name=""/>
+        <p:cNvGrpSpPr/>
+        <p:nvPr/>
+      </p:nvGrpSpPr>
+      <p:grpSpPr>
+        <a:xfrm>
+          <a:off x="0" y="0"/>
+          <a:ext cx="0" cy="0"/>
+          <a:chOff x="0" y="0"/>
+          <a:chExt cx="0" cy="0"/>
+        </a:xfrm>
+      </p:grpSpPr>
+      <p:sp>
+        <p:nvSpPr>
+          <p:cNvPr id="2" name="Заголовок 1">
+            <a:extLst>
+              <a:ext uri="{FF2B5EF4-FFF2-40B4-BE49-F238E27FC236}">
+                <a16:creationId xmlns:a16="http://schemas.microsoft.com/office/drawing/2014/main" id="{5C8B89F9-1B32-0155-0EDF-4109D5AB99AC}"/>
+              </a:ext>
+            </a:extLst>
+          </p:cNvPr>
+          <p:cNvSpPr>
+            <a:spLocks noGrp="1"/>
+          </p:cNvSpPr>
+          <p:nvPr>
+            <p:ph type="title"/>
+          </p:nvPr>
+        </p:nvSpPr>
+        <p:spPr/>
+        <p:txBody>
+          <a:bodyPr>
+            <a:normAutofit/>
+          </a:bodyPr>
+          <a:lstStyle/>
+          <a:p>
+            <a:r>
+              <a:rPr lang="uk-UA" sz="3600"/>
+              <a:t>Алгоритм Дейкстри для пошуку виходу з лабіринту</a:t>
+            </a:r>
+            <a:endParaRPr lang="uk-UA" sz="3600" dirty="0"/>
+          </a:p>
+        </p:txBody>
+      </p:sp>
+      <p:pic>
+        <p:nvPicPr>
+          <p:cNvPr id="9" name="Объект 8">
+            <a:extLst>
+              <a:ext uri="{FF2B5EF4-FFF2-40B4-BE49-F238E27FC236}">
+                <a16:creationId xmlns:a16="http://schemas.microsoft.com/office/drawing/2014/main" id="{FFDF6BD1-35AC-AF02-32CF-B4ED0681A7C3}"/>
+              </a:ext>
+            </a:extLst>
+          </p:cNvPr>
+          <p:cNvPicPr>
+            <a:picLocks noGrp="1" noChangeAspect="1"/>
+          </p:cNvPicPr>
+          <p:nvPr>
+            <p:ph idx="1"/>
+          </p:nvPr>
+        </p:nvPicPr>
+        <p:blipFill>
+          <a:blip r:embed="rId2"/>
+          <a:stretch>
+            <a:fillRect/>
+          </a:stretch>
+        </p:blipFill>
+        <p:spPr>
+          <a:xfrm>
+            <a:off x="6333872" y="2177591"/>
+            <a:ext cx="5127883" cy="3857969"/>
+          </a:xfrm>
+        </p:spPr>
+      </p:pic>
+      <p:pic>
+        <p:nvPicPr>
+          <p:cNvPr id="11" name="Рисунок 10" descr="Изображение выглядит как снимок экрана, шаблон, прямоугольный, Прямоугольник&#10;&#10;Автоматически созданное описание">
+            <a:extLst>
+              <a:ext uri="{FF2B5EF4-FFF2-40B4-BE49-F238E27FC236}">
+                <a16:creationId xmlns:a16="http://schemas.microsoft.com/office/drawing/2014/main" id="{96B3DC96-F4F5-308B-BDE2-52D1FE6478A3}"/>
+              </a:ext>
+            </a:extLst>
+          </p:cNvPr>
+          <p:cNvPicPr>
+            <a:picLocks noChangeAspect="1"/>
+          </p:cNvPicPr>
+          <p:nvPr/>
+        </p:nvPicPr>
+        <p:blipFill>
+          <a:blip r:embed="rId3">
+            <a:extLst>
+              <a:ext uri="{28A0092B-C50C-407E-A947-70E740481C1C}">
+                <a14:useLocalDpi xmlns:a14="http://schemas.microsoft.com/office/drawing/2010/main" val="0"/>
+              </a:ext>
+            </a:extLst>
+          </a:blip>
+          <a:stretch>
+            <a:fillRect/>
+          </a:stretch>
+        </p:blipFill>
+        <p:spPr>
+          <a:xfrm>
+            <a:off x="594187" y="2177591"/>
+            <a:ext cx="5141286" cy="3857969"/>
+          </a:xfrm>
+          <a:prstGeom prst="rect">
+            <a:avLst/>
+          </a:prstGeom>
+        </p:spPr>
+      </p:pic>
+    </p:spTree>
+    <p:extLst>
+      <p:ext uri="{BB962C8B-B14F-4D97-AF65-F5344CB8AC3E}">
+        <p14:creationId xmlns:p14="http://schemas.microsoft.com/office/powerpoint/2010/main" val="2819820644"/>
       </p:ext>
     </p:extLst>
   </p:cSld>
